--- a/DD1/F_Mar13/A_Decision Trees.pptx
+++ b/DD1/F_Mar13/A_Decision Trees.pptx
@@ -5,7 +5,7 @@
     <p:sldMasterId id="2147483660" r:id="rId1"/>
   </p:sldMasterIdLst>
   <p:notesMasterIdLst>
-    <p:notesMasterId r:id="rId36"/>
+    <p:notesMasterId r:id="rId38"/>
   </p:notesMasterIdLst>
   <p:sldIdLst>
     <p:sldId id="297" r:id="rId2"/>
@@ -40,8 +40,10 @@
     <p:sldId id="343" r:id="rId31"/>
     <p:sldId id="344" r:id="rId32"/>
     <p:sldId id="345" r:id="rId33"/>
-    <p:sldId id="329" r:id="rId34"/>
-    <p:sldId id="361" r:id="rId35"/>
+    <p:sldId id="371" r:id="rId34"/>
+    <p:sldId id="372" r:id="rId35"/>
+    <p:sldId id="329" r:id="rId36"/>
+    <p:sldId id="361" r:id="rId37"/>
   </p:sldIdLst>
   <p:sldSz cx="9144000" cy="6858000" type="screen4x3"/>
   <p:notesSz cx="6858000" cy="9144000"/>
@@ -244,7 +246,7 @@
           <a:p>
             <a:fld id="{B0C0A60C-850A-4EA4-9C14-A8FE98B94505}" type="datetimeFigureOut">
               <a:rPr lang="en-US" smtClean="0"/>
-              <a:t>2/27/23</a:t>
+              <a:t>3/12/23</a:t>
             </a:fld>
             <a:endParaRPr lang="en-US"/>
           </a:p>
@@ -1138,7 +1140,7 @@
           <a:p>
             <a:fld id="{5738B90E-0779-4C36-915C-6F05FCD89456}" type="datetime1">
               <a:rPr lang="en-US" smtClean="0"/>
-              <a:t>2/27/23</a:t>
+              <a:t>3/12/23</a:t>
             </a:fld>
             <a:endParaRPr lang="en-US"/>
           </a:p>
@@ -1174,7 +1176,13 @@
       </p:sp>
       <p:sp>
         <p:nvSpPr>
-          <p:cNvPr id="8" name="Footer Placeholder 4"/>
+          <p:cNvPr id="5" name="Footer Placeholder 4">
+            <a:extLst>
+              <a:ext uri="{FF2B5EF4-FFF2-40B4-BE49-F238E27FC236}">
+                <a16:creationId xmlns:a16="http://schemas.microsoft.com/office/drawing/2014/main" id="{4B3B6E03-A1B1-6124-AFE5-6030CB424636}"/>
+              </a:ext>
+            </a:extLst>
+          </p:cNvPr>
           <p:cNvSpPr>
             <a:spLocks noGrp="1"/>
           </p:cNvSpPr>
@@ -1207,7 +1215,7 @@
           <a:p>
             <a:r>
               <a:rPr lang="en-US" dirty="0"/>
-              <a:t>Kwartler CSCI-96</a:t>
+              <a:t>Kwartler</a:t>
             </a:r>
           </a:p>
         </p:txBody>
@@ -1315,31 +1323,9 @@
           <a:p>
             <a:fld id="{7B9EA29D-D431-42FE-B7B6-AAE4454C77D3}" type="datetime1">
               <a:rPr lang="en-US" smtClean="0"/>
-              <a:t>2/27/23</a:t>
+              <a:t>3/12/23</a:t>
             </a:fld>
             <a:endParaRPr lang="en-US"/>
-          </a:p>
-        </p:txBody>
-      </p:sp>
-      <p:sp>
-        <p:nvSpPr>
-          <p:cNvPr id="5" name="Footer Placeholder 4"/>
-          <p:cNvSpPr>
-            <a:spLocks noGrp="1"/>
-          </p:cNvSpPr>
-          <p:nvPr>
-            <p:ph type="ftr" sz="quarter" idx="11"/>
-          </p:nvPr>
-        </p:nvSpPr>
-        <p:spPr/>
-        <p:txBody>
-          <a:bodyPr/>
-          <a:lstStyle/>
-          <a:p>
-            <a:r>
-              <a:rPr lang="en-US" dirty="0"/>
-              <a:t>Kwartler CSCI-96</a:t>
-            </a:r>
           </a:p>
         </p:txBody>
       </p:sp>
@@ -1398,6 +1384,52 @@
               <a:t>‹#›</a:t>
             </a:fld>
             <a:endParaRPr lang="en-US"/>
+          </a:p>
+        </p:txBody>
+      </p:sp>
+      <p:sp>
+        <p:nvSpPr>
+          <p:cNvPr id="2" name="Footer Placeholder 4">
+            <a:extLst>
+              <a:ext uri="{FF2B5EF4-FFF2-40B4-BE49-F238E27FC236}">
+                <a16:creationId xmlns:a16="http://schemas.microsoft.com/office/drawing/2014/main" id="{48B572DD-4349-A383-9B31-F7F9934D5FB4}"/>
+              </a:ext>
+            </a:extLst>
+          </p:cNvPr>
+          <p:cNvSpPr>
+            <a:spLocks noGrp="1"/>
+          </p:cNvSpPr>
+          <p:nvPr>
+            <p:ph type="ftr" sz="quarter" idx="3"/>
+          </p:nvPr>
+        </p:nvSpPr>
+        <p:spPr>
+          <a:xfrm>
+            <a:off x="3028950" y="6356351"/>
+            <a:ext cx="3086100" cy="365125"/>
+          </a:xfrm>
+          <a:prstGeom prst="rect">
+            <a:avLst/>
+          </a:prstGeom>
+        </p:spPr>
+        <p:txBody>
+          <a:bodyPr vert="horz" lIns="91440" tIns="45720" rIns="91440" bIns="45720" rtlCol="0" anchor="ctr"/>
+          <a:lstStyle>
+            <a:lvl1pPr algn="ctr">
+              <a:defRPr sz="900">
+                <a:solidFill>
+                  <a:schemeClr val="tx1">
+                    <a:tint val="75000"/>
+                  </a:schemeClr>
+                </a:solidFill>
+              </a:defRPr>
+            </a:lvl1pPr>
+          </a:lstStyle>
+          <a:p>
+            <a:r>
+              <a:rPr lang="en-US" dirty="0"/>
+              <a:t>Kwartler</a:t>
+            </a:r>
           </a:p>
         </p:txBody>
       </p:sp>
@@ -1534,7 +1566,7 @@
           <a:p>
             <a:fld id="{690D8A1E-EA8F-46C1-B891-AE0C00D9C314}" type="datetime1">
               <a:rPr lang="en-US" smtClean="0"/>
-              <a:t>2/27/23</a:t>
+              <a:t>3/12/23</a:t>
             </a:fld>
             <a:endParaRPr lang="en-US"/>
           </a:p>
@@ -1616,7 +1648,13 @@
       </p:sp>
       <p:sp>
         <p:nvSpPr>
-          <p:cNvPr id="10" name="Footer Placeholder 4"/>
+          <p:cNvPr id="5" name="Footer Placeholder 4">
+            <a:extLst>
+              <a:ext uri="{FF2B5EF4-FFF2-40B4-BE49-F238E27FC236}">
+                <a16:creationId xmlns:a16="http://schemas.microsoft.com/office/drawing/2014/main" id="{74634E74-4506-2B45-3DC5-67E8D1200B08}"/>
+              </a:ext>
+            </a:extLst>
+          </p:cNvPr>
           <p:cNvSpPr>
             <a:spLocks noGrp="1"/>
           </p:cNvSpPr>
@@ -1649,7 +1687,7 @@
           <a:p>
             <a:r>
               <a:rPr lang="en-US" dirty="0"/>
-              <a:t>Kwartler CSCI-96</a:t>
+              <a:t>Kwartler</a:t>
             </a:r>
           </a:p>
         </p:txBody>
@@ -1787,7 +1825,7 @@
           <a:p>
             <a:fld id="{D753EFC8-4232-4598-94F6-94C0EBAFC469}" type="datetime1">
               <a:rPr lang="en-US" smtClean="0"/>
-              <a:t>2/27/23</a:t>
+              <a:t>3/12/23</a:t>
             </a:fld>
             <a:endParaRPr lang="en-US"/>
           </a:p>
@@ -1823,7 +1861,13 @@
       </p:sp>
       <p:sp>
         <p:nvSpPr>
-          <p:cNvPr id="9" name="Footer Placeholder 4"/>
+          <p:cNvPr id="5" name="Footer Placeholder 4">
+            <a:extLst>
+              <a:ext uri="{FF2B5EF4-FFF2-40B4-BE49-F238E27FC236}">
+                <a16:creationId xmlns:a16="http://schemas.microsoft.com/office/drawing/2014/main" id="{A378BF57-AD77-46DD-FB57-6E52A413E925}"/>
+              </a:ext>
+            </a:extLst>
+          </p:cNvPr>
           <p:cNvSpPr>
             <a:spLocks noGrp="1"/>
           </p:cNvSpPr>
@@ -1856,7 +1900,7 @@
           <a:p>
             <a:r>
               <a:rPr lang="en-US" dirty="0"/>
-              <a:t>Kwartler CSCI-96</a:t>
+              <a:t>Kwartler</a:t>
             </a:r>
           </a:p>
         </p:txBody>
@@ -2061,7 +2105,7 @@
           <a:p>
             <a:fld id="{F3161074-1C18-4AE7-957D-F18524378C85}" type="datetime1">
               <a:rPr lang="en-US" smtClean="0"/>
-              <a:t>2/27/23</a:t>
+              <a:t>3/12/23</a:t>
             </a:fld>
             <a:endParaRPr lang="en-US"/>
           </a:p>
@@ -2097,7 +2141,13 @@
       </p:sp>
       <p:sp>
         <p:nvSpPr>
-          <p:cNvPr id="9" name="Footer Placeholder 4"/>
+          <p:cNvPr id="5" name="Footer Placeholder 4">
+            <a:extLst>
+              <a:ext uri="{FF2B5EF4-FFF2-40B4-BE49-F238E27FC236}">
+                <a16:creationId xmlns:a16="http://schemas.microsoft.com/office/drawing/2014/main" id="{FAC2B46E-EBF6-D3FB-3EBC-983151909A88}"/>
+              </a:ext>
+            </a:extLst>
+          </p:cNvPr>
           <p:cNvSpPr>
             <a:spLocks noGrp="1"/>
           </p:cNvSpPr>
@@ -2130,7 +2180,7 @@
           <a:p>
             <a:r>
               <a:rPr lang="en-US" dirty="0"/>
-              <a:t>Kwartler CSCI-96</a:t>
+              <a:t>Kwartler</a:t>
             </a:r>
           </a:p>
         </p:txBody>
@@ -2294,7 +2344,7 @@
           <a:p>
             <a:fld id="{69BE256C-8D9A-4404-B47D-41A1AE514425}" type="datetime1">
               <a:rPr lang="en-US" smtClean="0"/>
-              <a:t>2/27/23</a:t>
+              <a:t>3/12/23</a:t>
             </a:fld>
             <a:endParaRPr lang="en-US"/>
           </a:p>
@@ -2360,7 +2410,13 @@
       </p:sp>
       <p:sp>
         <p:nvSpPr>
-          <p:cNvPr id="11" name="Footer Placeholder 4"/>
+          <p:cNvPr id="2" name="Footer Placeholder 4">
+            <a:extLst>
+              <a:ext uri="{FF2B5EF4-FFF2-40B4-BE49-F238E27FC236}">
+                <a16:creationId xmlns:a16="http://schemas.microsoft.com/office/drawing/2014/main" id="{8F503840-2570-2C11-7B75-0C39AD7CA7C2}"/>
+              </a:ext>
+            </a:extLst>
+          </p:cNvPr>
           <p:cNvSpPr>
             <a:spLocks noGrp="1"/>
           </p:cNvSpPr>
@@ -2393,7 +2449,7 @@
           <a:p>
             <a:r>
               <a:rPr lang="en-US" dirty="0"/>
-              <a:t>Kwartler CSCI-96</a:t>
+              <a:t>Kwartler</a:t>
             </a:r>
           </a:p>
         </p:txBody>
@@ -2687,31 +2743,9 @@
           <a:p>
             <a:fld id="{66CB2154-9035-4012-8189-BAAB61C5A5EE}" type="datetime1">
               <a:rPr lang="en-US" smtClean="0"/>
-              <a:t>2/27/23</a:t>
+              <a:t>3/12/23</a:t>
             </a:fld>
             <a:endParaRPr lang="en-US"/>
-          </a:p>
-        </p:txBody>
-      </p:sp>
-      <p:sp>
-        <p:nvSpPr>
-          <p:cNvPr id="8" name="Footer Placeholder 7"/>
-          <p:cNvSpPr>
-            <a:spLocks noGrp="1"/>
-          </p:cNvSpPr>
-          <p:nvPr>
-            <p:ph type="ftr" sz="quarter" idx="11"/>
-          </p:nvPr>
-        </p:nvSpPr>
-        <p:spPr/>
-        <p:txBody>
-          <a:bodyPr/>
-          <a:lstStyle/>
-          <a:p>
-            <a:r>
-              <a:rPr lang="en-US" dirty="0"/>
-              <a:t>Kwartler CSCI-96</a:t>
-            </a:r>
           </a:p>
         </p:txBody>
       </p:sp>
@@ -2770,6 +2804,52 @@
               <a:t>‹#›</a:t>
             </a:fld>
             <a:endParaRPr lang="en-US"/>
+          </a:p>
+        </p:txBody>
+      </p:sp>
+      <p:sp>
+        <p:nvSpPr>
+          <p:cNvPr id="2" name="Footer Placeholder 4">
+            <a:extLst>
+              <a:ext uri="{FF2B5EF4-FFF2-40B4-BE49-F238E27FC236}">
+                <a16:creationId xmlns:a16="http://schemas.microsoft.com/office/drawing/2014/main" id="{E34B0155-742A-0F0C-CD91-C57B6B96CE49}"/>
+              </a:ext>
+            </a:extLst>
+          </p:cNvPr>
+          <p:cNvSpPr>
+            <a:spLocks noGrp="1"/>
+          </p:cNvSpPr>
+          <p:nvPr>
+            <p:ph type="ftr" sz="quarter" idx="13"/>
+          </p:nvPr>
+        </p:nvSpPr>
+        <p:spPr>
+          <a:xfrm>
+            <a:off x="3028950" y="6356351"/>
+            <a:ext cx="3086100" cy="365125"/>
+          </a:xfrm>
+          <a:prstGeom prst="rect">
+            <a:avLst/>
+          </a:prstGeom>
+        </p:spPr>
+        <p:txBody>
+          <a:bodyPr vert="horz" lIns="91440" tIns="45720" rIns="91440" bIns="45720" rtlCol="0" anchor="ctr"/>
+          <a:lstStyle>
+            <a:lvl1pPr algn="ctr">
+              <a:defRPr sz="900">
+                <a:solidFill>
+                  <a:schemeClr val="tx1">
+                    <a:tint val="75000"/>
+                  </a:schemeClr>
+                </a:solidFill>
+              </a:defRPr>
+            </a:lvl1pPr>
+          </a:lstStyle>
+          <a:p>
+            <a:r>
+              <a:rPr lang="en-US" dirty="0"/>
+              <a:t>Kwartler</a:t>
+            </a:r>
           </a:p>
         </p:txBody>
       </p:sp>
@@ -2820,7 +2900,7 @@
           <a:p>
             <a:fld id="{6700A58B-DD98-43D0-B791-721480A02982}" type="datetime1">
               <a:rPr lang="en-US" smtClean="0"/>
-              <a:t>2/27/23</a:t>
+              <a:t>3/12/23</a:t>
             </a:fld>
             <a:endParaRPr lang="en-US"/>
           </a:p>
@@ -2886,7 +2966,13 @@
       </p:sp>
       <p:sp>
         <p:nvSpPr>
-          <p:cNvPr id="9" name="Footer Placeholder 4"/>
+          <p:cNvPr id="2" name="Footer Placeholder 4">
+            <a:extLst>
+              <a:ext uri="{FF2B5EF4-FFF2-40B4-BE49-F238E27FC236}">
+                <a16:creationId xmlns:a16="http://schemas.microsoft.com/office/drawing/2014/main" id="{3F09F8C4-CCA0-F947-2017-D3CDBB2870B7}"/>
+              </a:ext>
+            </a:extLst>
+          </p:cNvPr>
           <p:cNvSpPr>
             <a:spLocks noGrp="1"/>
           </p:cNvSpPr>
@@ -2919,7 +3005,7 @@
           <a:p>
             <a:r>
               <a:rPr lang="en-US" dirty="0"/>
-              <a:t>Kwartler CSCI-96</a:t>
+              <a:t>Kwartler</a:t>
             </a:r>
           </a:p>
         </p:txBody>
@@ -2971,7 +3057,7 @@
           <a:p>
             <a:fld id="{7DB6E382-4F61-4E24-BE1A-377EC83D0E3A}" type="datetime1">
               <a:rPr lang="en-US" smtClean="0"/>
-              <a:t>2/27/23</a:t>
+              <a:t>3/12/23</a:t>
             </a:fld>
             <a:endParaRPr lang="en-US"/>
           </a:p>
@@ -3007,7 +3093,13 @@
       </p:sp>
       <p:sp>
         <p:nvSpPr>
-          <p:cNvPr id="7" name="Footer Placeholder 4"/>
+          <p:cNvPr id="3" name="Footer Placeholder 4">
+            <a:extLst>
+              <a:ext uri="{FF2B5EF4-FFF2-40B4-BE49-F238E27FC236}">
+                <a16:creationId xmlns:a16="http://schemas.microsoft.com/office/drawing/2014/main" id="{8C028E32-1D5E-2376-BABE-63D673B846C7}"/>
+              </a:ext>
+            </a:extLst>
+          </p:cNvPr>
           <p:cNvSpPr>
             <a:spLocks noGrp="1"/>
           </p:cNvSpPr>
@@ -3040,7 +3132,7 @@
           <a:p>
             <a:r>
               <a:rPr lang="en-US" dirty="0"/>
-              <a:t>Kwartler CSCI-96</a:t>
+              <a:t>Kwartler</a:t>
             </a:r>
           </a:p>
         </p:txBody>
@@ -3241,7 +3333,7 @@
           <a:p>
             <a:fld id="{4142EED6-FC16-45B9-B8C4-2BC5DBA88325}" type="datetime1">
               <a:rPr lang="en-US" smtClean="0"/>
-              <a:t>2/27/23</a:t>
+              <a:t>3/12/23</a:t>
             </a:fld>
             <a:endParaRPr lang="en-US"/>
           </a:p>
@@ -3307,7 +3399,13 @@
       </p:sp>
       <p:sp>
         <p:nvSpPr>
-          <p:cNvPr id="11" name="Footer Placeholder 4"/>
+          <p:cNvPr id="2" name="Footer Placeholder 4">
+            <a:extLst>
+              <a:ext uri="{FF2B5EF4-FFF2-40B4-BE49-F238E27FC236}">
+                <a16:creationId xmlns:a16="http://schemas.microsoft.com/office/drawing/2014/main" id="{9AA2DBFA-D9F2-E5E0-0348-2FA9C11B154E}"/>
+              </a:ext>
+            </a:extLst>
+          </p:cNvPr>
           <p:cNvSpPr>
             <a:spLocks noGrp="1"/>
           </p:cNvSpPr>
@@ -3340,7 +3438,7 @@
           <a:p>
             <a:r>
               <a:rPr lang="en-US" dirty="0"/>
-              <a:t>Kwartler CSCI-96</a:t>
+              <a:t>Kwartler</a:t>
             </a:r>
           </a:p>
         </p:txBody>
@@ -3518,7 +3616,7 @@
           <a:p>
             <a:fld id="{DF59512B-4F1D-43D7-8819-2F53FEF69650}" type="datetime1">
               <a:rPr lang="en-US" smtClean="0"/>
-              <a:t>2/27/23</a:t>
+              <a:t>3/12/23</a:t>
             </a:fld>
             <a:endParaRPr lang="en-US"/>
           </a:p>
@@ -3584,7 +3682,13 @@
       </p:sp>
       <p:sp>
         <p:nvSpPr>
-          <p:cNvPr id="11" name="Footer Placeholder 4"/>
+          <p:cNvPr id="2" name="Footer Placeholder 4">
+            <a:extLst>
+              <a:ext uri="{FF2B5EF4-FFF2-40B4-BE49-F238E27FC236}">
+                <a16:creationId xmlns:a16="http://schemas.microsoft.com/office/drawing/2014/main" id="{C4DEB318-730B-BCF2-2AB3-1B774163004B}"/>
+              </a:ext>
+            </a:extLst>
+          </p:cNvPr>
           <p:cNvSpPr>
             <a:spLocks noGrp="1"/>
           </p:cNvSpPr>
@@ -3617,7 +3721,7 @@
           <a:p>
             <a:r>
               <a:rPr lang="en-US" dirty="0"/>
-              <a:t>Kwartler CSCI-96</a:t>
+              <a:t>Kwartler</a:t>
             </a:r>
           </a:p>
         </p:txBody>
@@ -3753,7 +3857,7 @@
           <a:p>
             <a:fld id="{08437B94-E2BF-44DC-ADC5-B05FC9934E9D}" type="datetime1">
               <a:rPr lang="en-US" smtClean="0"/>
-              <a:t>2/27/23</a:t>
+              <a:t>3/12/23</a:t>
             </a:fld>
             <a:endParaRPr lang="en-US"/>
           </a:p>
@@ -3794,7 +3898,7 @@
           <a:p>
             <a:r>
               <a:rPr lang="en-US" dirty="0"/>
-              <a:t>Kwartler CSCI-96</a:t>
+              <a:t>Kwartler</a:t>
             </a:r>
           </a:p>
         </p:txBody>
@@ -4273,7 +4377,7 @@
           <a:p>
             <a:fld id="{5738B90E-0779-4C36-915C-6F05FCD89456}" type="datetime1">
               <a:rPr lang="en-US" smtClean="0"/>
-              <a:t>2/27/23</a:t>
+              <a:t>3/12/23</a:t>
             </a:fld>
             <a:endParaRPr lang="en-US"/>
           </a:p>
@@ -4310,10 +4414,10 @@
       </p:sp>
       <p:sp>
         <p:nvSpPr>
-          <p:cNvPr id="6" name="Footer Placeholder 5">
-            <a:extLst>
-              <a:ext uri="{FF2B5EF4-FFF2-40B4-BE49-F238E27FC236}">
-                <a16:creationId xmlns:a16="http://schemas.microsoft.com/office/drawing/2014/main" id="{31E96655-E1DA-41A3-90E3-F63E0ECB1AE6}"/>
+          <p:cNvPr id="7" name="Footer Placeholder 4">
+            <a:extLst>
+              <a:ext uri="{FF2B5EF4-FFF2-40B4-BE49-F238E27FC236}">
+                <a16:creationId xmlns:a16="http://schemas.microsoft.com/office/drawing/2014/main" id="{73BF5053-8E5D-DBE1-CEA8-C88EA0CCC599}"/>
               </a:ext>
             </a:extLst>
           </p:cNvPr>
@@ -4324,14 +4428,32 @@
             <p:ph type="ftr" sz="quarter" idx="3"/>
           </p:nvPr>
         </p:nvSpPr>
-        <p:spPr/>
-        <p:txBody>
-          <a:bodyPr/>
-          <a:lstStyle/>
+        <p:spPr>
+          <a:xfrm>
+            <a:off x="3028950" y="6356351"/>
+            <a:ext cx="3086100" cy="365125"/>
+          </a:xfrm>
+          <a:prstGeom prst="rect">
+            <a:avLst/>
+          </a:prstGeom>
+        </p:spPr>
+        <p:txBody>
+          <a:bodyPr vert="horz" lIns="91440" tIns="45720" rIns="91440" bIns="45720" rtlCol="0" anchor="ctr"/>
+          <a:lstStyle>
+            <a:lvl1pPr algn="ctr">
+              <a:defRPr sz="900">
+                <a:solidFill>
+                  <a:schemeClr val="tx1">
+                    <a:tint val="75000"/>
+                  </a:schemeClr>
+                </a:solidFill>
+              </a:defRPr>
+            </a:lvl1pPr>
+          </a:lstStyle>
           <a:p>
             <a:r>
               <a:rPr lang="en-US" dirty="0"/>
-              <a:t>Kwartler CSCI -96</a:t>
+              <a:t>Kwartler</a:t>
             </a:r>
           </a:p>
         </p:txBody>
@@ -4389,7 +4511,7 @@
           <a:p>
             <a:fld id="{6700A58B-DD98-43D0-B791-721480A02982}" type="datetime1">
               <a:rPr lang="en-US" smtClean="0"/>
-              <a:t>2/27/23</a:t>
+              <a:t>3/12/23</a:t>
             </a:fld>
             <a:endParaRPr lang="en-US"/>
           </a:p>
@@ -4449,34 +4571,6 @@
               <a:t>10</a:t>
             </a:fld>
             <a:endParaRPr lang="en-US"/>
-          </a:p>
-        </p:txBody>
-      </p:sp>
-      <p:sp>
-        <p:nvSpPr>
-          <p:cNvPr id="5" name="Footer Placeholder 4">
-            <a:extLst>
-              <a:ext uri="{FF2B5EF4-FFF2-40B4-BE49-F238E27FC236}">
-                <a16:creationId xmlns:a16="http://schemas.microsoft.com/office/drawing/2014/main" id="{291E5D14-35C4-47B4-8329-C07921D097DB}"/>
-              </a:ext>
-            </a:extLst>
-          </p:cNvPr>
-          <p:cNvSpPr>
-            <a:spLocks noGrp="1"/>
-          </p:cNvSpPr>
-          <p:nvPr>
-            <p:ph type="ftr" sz="quarter" idx="3"/>
-          </p:nvPr>
-        </p:nvSpPr>
-        <p:spPr/>
-        <p:txBody>
-          <a:bodyPr/>
-          <a:lstStyle/>
-          <a:p>
-            <a:r>
-              <a:rPr lang="en-US" dirty="0"/>
-              <a:t>Kwartler CSCI -96</a:t>
-            </a:r>
           </a:p>
         </p:txBody>
       </p:sp>
@@ -4666,6 +4760,52 @@
           </a:p>
         </p:txBody>
       </p:sp>
+      <p:sp>
+        <p:nvSpPr>
+          <p:cNvPr id="6" name="Footer Placeholder 4">
+            <a:extLst>
+              <a:ext uri="{FF2B5EF4-FFF2-40B4-BE49-F238E27FC236}">
+                <a16:creationId xmlns:a16="http://schemas.microsoft.com/office/drawing/2014/main" id="{22173D88-3E59-D48F-252A-89B303B22051}"/>
+              </a:ext>
+            </a:extLst>
+          </p:cNvPr>
+          <p:cNvSpPr>
+            <a:spLocks noGrp="1"/>
+          </p:cNvSpPr>
+          <p:nvPr>
+            <p:ph type="ftr" sz="quarter" idx="3"/>
+          </p:nvPr>
+        </p:nvSpPr>
+        <p:spPr>
+          <a:xfrm>
+            <a:off x="3028950" y="6356351"/>
+            <a:ext cx="3086100" cy="365125"/>
+          </a:xfrm>
+          <a:prstGeom prst="rect">
+            <a:avLst/>
+          </a:prstGeom>
+        </p:spPr>
+        <p:txBody>
+          <a:bodyPr vert="horz" lIns="91440" tIns="45720" rIns="91440" bIns="45720" rtlCol="0" anchor="ctr"/>
+          <a:lstStyle>
+            <a:lvl1pPr algn="ctr">
+              <a:defRPr sz="900">
+                <a:solidFill>
+                  <a:schemeClr val="tx1">
+                    <a:tint val="75000"/>
+                  </a:schemeClr>
+                </a:solidFill>
+              </a:defRPr>
+            </a:lvl1pPr>
+          </a:lstStyle>
+          <a:p>
+            <a:r>
+              <a:rPr lang="en-US" dirty="0"/>
+              <a:t>Kwartler</a:t>
+            </a:r>
+          </a:p>
+        </p:txBody>
+      </p:sp>
     </p:spTree>
     <p:extLst>
       <p:ext uri="{BB962C8B-B14F-4D97-AF65-F5344CB8AC3E}">
@@ -4719,7 +4859,7 @@
           <a:p>
             <a:fld id="{6700A58B-DD98-43D0-B791-721480A02982}" type="datetime1">
               <a:rPr lang="en-US" smtClean="0"/>
-              <a:t>2/27/23</a:t>
+              <a:t>3/12/23</a:t>
             </a:fld>
             <a:endParaRPr lang="en-US"/>
           </a:p>
@@ -4779,34 +4919,6 @@
               <a:t>11</a:t>
             </a:fld>
             <a:endParaRPr lang="en-US"/>
-          </a:p>
-        </p:txBody>
-      </p:sp>
-      <p:sp>
-        <p:nvSpPr>
-          <p:cNvPr id="5" name="Footer Placeholder 4">
-            <a:extLst>
-              <a:ext uri="{FF2B5EF4-FFF2-40B4-BE49-F238E27FC236}">
-                <a16:creationId xmlns:a16="http://schemas.microsoft.com/office/drawing/2014/main" id="{291E5D14-35C4-47B4-8329-C07921D097DB}"/>
-              </a:ext>
-            </a:extLst>
-          </p:cNvPr>
-          <p:cNvSpPr>
-            <a:spLocks noGrp="1"/>
-          </p:cNvSpPr>
-          <p:nvPr>
-            <p:ph type="ftr" sz="quarter" idx="3"/>
-          </p:nvPr>
-        </p:nvSpPr>
-        <p:spPr/>
-        <p:txBody>
-          <a:bodyPr/>
-          <a:lstStyle/>
-          <a:p>
-            <a:r>
-              <a:rPr lang="en-US" dirty="0"/>
-              <a:t>Kwartler CSCI -96</a:t>
-            </a:r>
           </a:p>
         </p:txBody>
       </p:sp>
@@ -5020,6 +5132,52 @@
           </a:p>
         </p:txBody>
       </p:sp>
+      <p:sp>
+        <p:nvSpPr>
+          <p:cNvPr id="9" name="Footer Placeholder 4">
+            <a:extLst>
+              <a:ext uri="{FF2B5EF4-FFF2-40B4-BE49-F238E27FC236}">
+                <a16:creationId xmlns:a16="http://schemas.microsoft.com/office/drawing/2014/main" id="{2123F152-67E6-A5DD-845F-E684BDF2825E}"/>
+              </a:ext>
+            </a:extLst>
+          </p:cNvPr>
+          <p:cNvSpPr>
+            <a:spLocks noGrp="1"/>
+          </p:cNvSpPr>
+          <p:nvPr>
+            <p:ph type="ftr" sz="quarter" idx="3"/>
+          </p:nvPr>
+        </p:nvSpPr>
+        <p:spPr>
+          <a:xfrm>
+            <a:off x="3028950" y="6356351"/>
+            <a:ext cx="3086100" cy="365125"/>
+          </a:xfrm>
+          <a:prstGeom prst="rect">
+            <a:avLst/>
+          </a:prstGeom>
+        </p:spPr>
+        <p:txBody>
+          <a:bodyPr vert="horz" lIns="91440" tIns="45720" rIns="91440" bIns="45720" rtlCol="0" anchor="ctr"/>
+          <a:lstStyle>
+            <a:lvl1pPr algn="ctr">
+              <a:defRPr sz="900">
+                <a:solidFill>
+                  <a:schemeClr val="tx1">
+                    <a:tint val="75000"/>
+                  </a:schemeClr>
+                </a:solidFill>
+              </a:defRPr>
+            </a:lvl1pPr>
+          </a:lstStyle>
+          <a:p>
+            <a:r>
+              <a:rPr lang="en-US" dirty="0"/>
+              <a:t>Kwartler</a:t>
+            </a:r>
+          </a:p>
+        </p:txBody>
+      </p:sp>
     </p:spTree>
     <p:extLst>
       <p:ext uri="{BB962C8B-B14F-4D97-AF65-F5344CB8AC3E}">
@@ -5073,7 +5231,7 @@
           <a:p>
             <a:fld id="{6700A58B-DD98-43D0-B791-721480A02982}" type="datetime1">
               <a:rPr lang="en-US" smtClean="0"/>
-              <a:t>2/27/23</a:t>
+              <a:t>3/12/23</a:t>
             </a:fld>
             <a:endParaRPr lang="en-US"/>
           </a:p>
@@ -5133,34 +5291,6 @@
               <a:t>12</a:t>
             </a:fld>
             <a:endParaRPr lang="en-US"/>
-          </a:p>
-        </p:txBody>
-      </p:sp>
-      <p:sp>
-        <p:nvSpPr>
-          <p:cNvPr id="5" name="Footer Placeholder 4">
-            <a:extLst>
-              <a:ext uri="{FF2B5EF4-FFF2-40B4-BE49-F238E27FC236}">
-                <a16:creationId xmlns:a16="http://schemas.microsoft.com/office/drawing/2014/main" id="{291E5D14-35C4-47B4-8329-C07921D097DB}"/>
-              </a:ext>
-            </a:extLst>
-          </p:cNvPr>
-          <p:cNvSpPr>
-            <a:spLocks noGrp="1"/>
-          </p:cNvSpPr>
-          <p:nvPr>
-            <p:ph type="ftr" sz="quarter" idx="3"/>
-          </p:nvPr>
-        </p:nvSpPr>
-        <p:spPr/>
-        <p:txBody>
-          <a:bodyPr/>
-          <a:lstStyle/>
-          <a:p>
-            <a:r>
-              <a:rPr lang="en-US" dirty="0"/>
-              <a:t>Kwartler CSCI -96</a:t>
-            </a:r>
           </a:p>
         </p:txBody>
       </p:sp>
@@ -5315,6 +5445,52 @@
           </a:prstGeom>
         </p:spPr>
       </p:pic>
+      <p:sp>
+        <p:nvSpPr>
+          <p:cNvPr id="6" name="Footer Placeholder 4">
+            <a:extLst>
+              <a:ext uri="{FF2B5EF4-FFF2-40B4-BE49-F238E27FC236}">
+                <a16:creationId xmlns:a16="http://schemas.microsoft.com/office/drawing/2014/main" id="{26D2C7BC-8767-69B7-5D94-6BD5E609E5A8}"/>
+              </a:ext>
+            </a:extLst>
+          </p:cNvPr>
+          <p:cNvSpPr>
+            <a:spLocks noGrp="1"/>
+          </p:cNvSpPr>
+          <p:nvPr>
+            <p:ph type="ftr" sz="quarter" idx="3"/>
+          </p:nvPr>
+        </p:nvSpPr>
+        <p:spPr>
+          <a:xfrm>
+            <a:off x="3028950" y="6356351"/>
+            <a:ext cx="3086100" cy="365125"/>
+          </a:xfrm>
+          <a:prstGeom prst="rect">
+            <a:avLst/>
+          </a:prstGeom>
+        </p:spPr>
+        <p:txBody>
+          <a:bodyPr vert="horz" lIns="91440" tIns="45720" rIns="91440" bIns="45720" rtlCol="0" anchor="ctr"/>
+          <a:lstStyle>
+            <a:lvl1pPr algn="ctr">
+              <a:defRPr sz="900">
+                <a:solidFill>
+                  <a:schemeClr val="tx1">
+                    <a:tint val="75000"/>
+                  </a:schemeClr>
+                </a:solidFill>
+              </a:defRPr>
+            </a:lvl1pPr>
+          </a:lstStyle>
+          <a:p>
+            <a:r>
+              <a:rPr lang="en-US" dirty="0"/>
+              <a:t>Kwartler</a:t>
+            </a:r>
+          </a:p>
+        </p:txBody>
+      </p:sp>
     </p:spTree>
     <p:extLst>
       <p:ext uri="{BB962C8B-B14F-4D97-AF65-F5344CB8AC3E}">
@@ -5368,7 +5544,7 @@
           <a:p>
             <a:fld id="{6700A58B-DD98-43D0-B791-721480A02982}" type="datetime1">
               <a:rPr lang="en-US" smtClean="0"/>
-              <a:t>2/27/23</a:t>
+              <a:t>3/12/23</a:t>
             </a:fld>
             <a:endParaRPr lang="en-US"/>
           </a:p>
@@ -5428,34 +5604,6 @@
               <a:t>13</a:t>
             </a:fld>
             <a:endParaRPr lang="en-US"/>
-          </a:p>
-        </p:txBody>
-      </p:sp>
-      <p:sp>
-        <p:nvSpPr>
-          <p:cNvPr id="5" name="Footer Placeholder 4">
-            <a:extLst>
-              <a:ext uri="{FF2B5EF4-FFF2-40B4-BE49-F238E27FC236}">
-                <a16:creationId xmlns:a16="http://schemas.microsoft.com/office/drawing/2014/main" id="{291E5D14-35C4-47B4-8329-C07921D097DB}"/>
-              </a:ext>
-            </a:extLst>
-          </p:cNvPr>
-          <p:cNvSpPr>
-            <a:spLocks noGrp="1"/>
-          </p:cNvSpPr>
-          <p:nvPr>
-            <p:ph type="ftr" sz="quarter" idx="3"/>
-          </p:nvPr>
-        </p:nvSpPr>
-        <p:spPr/>
-        <p:txBody>
-          <a:bodyPr/>
-          <a:lstStyle/>
-          <a:p>
-            <a:r>
-              <a:rPr lang="en-US" dirty="0"/>
-              <a:t>Kwartler CSCI -96</a:t>
-            </a:r>
           </a:p>
         </p:txBody>
       </p:sp>
@@ -5610,6 +5758,52 @@
           </a:prstGeom>
         </p:spPr>
       </p:pic>
+      <p:sp>
+        <p:nvSpPr>
+          <p:cNvPr id="8" name="Footer Placeholder 4">
+            <a:extLst>
+              <a:ext uri="{FF2B5EF4-FFF2-40B4-BE49-F238E27FC236}">
+                <a16:creationId xmlns:a16="http://schemas.microsoft.com/office/drawing/2014/main" id="{83C2E4C9-630F-D6F6-450D-1A4A5DA3CA16}"/>
+              </a:ext>
+            </a:extLst>
+          </p:cNvPr>
+          <p:cNvSpPr>
+            <a:spLocks noGrp="1"/>
+          </p:cNvSpPr>
+          <p:nvPr>
+            <p:ph type="ftr" sz="quarter" idx="3"/>
+          </p:nvPr>
+        </p:nvSpPr>
+        <p:spPr>
+          <a:xfrm>
+            <a:off x="3028950" y="6356351"/>
+            <a:ext cx="3086100" cy="365125"/>
+          </a:xfrm>
+          <a:prstGeom prst="rect">
+            <a:avLst/>
+          </a:prstGeom>
+        </p:spPr>
+        <p:txBody>
+          <a:bodyPr vert="horz" lIns="91440" tIns="45720" rIns="91440" bIns="45720" rtlCol="0" anchor="ctr"/>
+          <a:lstStyle>
+            <a:lvl1pPr algn="ctr">
+              <a:defRPr sz="900">
+                <a:solidFill>
+                  <a:schemeClr val="tx1">
+                    <a:tint val="75000"/>
+                  </a:schemeClr>
+                </a:solidFill>
+              </a:defRPr>
+            </a:lvl1pPr>
+          </a:lstStyle>
+          <a:p>
+            <a:r>
+              <a:rPr lang="en-US" dirty="0"/>
+              <a:t>Kwartler</a:t>
+            </a:r>
+          </a:p>
+        </p:txBody>
+      </p:sp>
     </p:spTree>
     <p:extLst>
       <p:ext uri="{BB962C8B-B14F-4D97-AF65-F5344CB8AC3E}">
@@ -5663,7 +5857,7 @@
           <a:p>
             <a:fld id="{6700A58B-DD98-43D0-B791-721480A02982}" type="datetime1">
               <a:rPr lang="en-US" smtClean="0"/>
-              <a:t>2/27/23</a:t>
+              <a:t>3/12/23</a:t>
             </a:fld>
             <a:endParaRPr lang="en-US"/>
           </a:p>
@@ -5723,34 +5917,6 @@
               <a:t>14</a:t>
             </a:fld>
             <a:endParaRPr lang="en-US"/>
-          </a:p>
-        </p:txBody>
-      </p:sp>
-      <p:sp>
-        <p:nvSpPr>
-          <p:cNvPr id="5" name="Footer Placeholder 4">
-            <a:extLst>
-              <a:ext uri="{FF2B5EF4-FFF2-40B4-BE49-F238E27FC236}">
-                <a16:creationId xmlns:a16="http://schemas.microsoft.com/office/drawing/2014/main" id="{291E5D14-35C4-47B4-8329-C07921D097DB}"/>
-              </a:ext>
-            </a:extLst>
-          </p:cNvPr>
-          <p:cNvSpPr>
-            <a:spLocks noGrp="1"/>
-          </p:cNvSpPr>
-          <p:nvPr>
-            <p:ph type="ftr" sz="quarter" idx="3"/>
-          </p:nvPr>
-        </p:nvSpPr>
-        <p:spPr/>
-        <p:txBody>
-          <a:bodyPr/>
-          <a:lstStyle/>
-          <a:p>
-            <a:r>
-              <a:rPr lang="en-US" dirty="0"/>
-              <a:t>Kwartler CSCI -96</a:t>
-            </a:r>
           </a:p>
         </p:txBody>
       </p:sp>
@@ -6043,6 +6209,52 @@
           </a:p>
         </p:txBody>
       </p:sp>
+      <p:sp>
+        <p:nvSpPr>
+          <p:cNvPr id="11" name="Footer Placeholder 4">
+            <a:extLst>
+              <a:ext uri="{FF2B5EF4-FFF2-40B4-BE49-F238E27FC236}">
+                <a16:creationId xmlns:a16="http://schemas.microsoft.com/office/drawing/2014/main" id="{58BF99DE-CE31-8365-7960-9C6A05358AA4}"/>
+              </a:ext>
+            </a:extLst>
+          </p:cNvPr>
+          <p:cNvSpPr>
+            <a:spLocks noGrp="1"/>
+          </p:cNvSpPr>
+          <p:nvPr>
+            <p:ph type="ftr" sz="quarter" idx="3"/>
+          </p:nvPr>
+        </p:nvSpPr>
+        <p:spPr>
+          <a:xfrm>
+            <a:off x="3028950" y="6356351"/>
+            <a:ext cx="3086100" cy="365125"/>
+          </a:xfrm>
+          <a:prstGeom prst="rect">
+            <a:avLst/>
+          </a:prstGeom>
+        </p:spPr>
+        <p:txBody>
+          <a:bodyPr vert="horz" lIns="91440" tIns="45720" rIns="91440" bIns="45720" rtlCol="0" anchor="ctr"/>
+          <a:lstStyle>
+            <a:lvl1pPr algn="ctr">
+              <a:defRPr sz="900">
+                <a:solidFill>
+                  <a:schemeClr val="tx1">
+                    <a:tint val="75000"/>
+                  </a:schemeClr>
+                </a:solidFill>
+              </a:defRPr>
+            </a:lvl1pPr>
+          </a:lstStyle>
+          <a:p>
+            <a:r>
+              <a:rPr lang="en-US" dirty="0"/>
+              <a:t>Kwartler</a:t>
+            </a:r>
+          </a:p>
+        </p:txBody>
+      </p:sp>
     </p:spTree>
     <p:extLst>
       <p:ext uri="{BB962C8B-B14F-4D97-AF65-F5344CB8AC3E}">
@@ -6096,7 +6308,7 @@
           <a:p>
             <a:fld id="{7DB6E382-4F61-4E24-BE1A-377EC83D0E3A}" type="datetime1">
               <a:rPr lang="en-US" smtClean="0"/>
-              <a:t>2/27/23</a:t>
+              <a:t>3/12/23</a:t>
             </a:fld>
             <a:endParaRPr lang="en-US"/>
           </a:p>
@@ -6128,34 +6340,6 @@
               <a:t>15</a:t>
             </a:fld>
             <a:endParaRPr lang="en-US"/>
-          </a:p>
-        </p:txBody>
-      </p:sp>
-      <p:sp>
-        <p:nvSpPr>
-          <p:cNvPr id="4" name="Footer Placeholder 3">
-            <a:extLst>
-              <a:ext uri="{FF2B5EF4-FFF2-40B4-BE49-F238E27FC236}">
-                <a16:creationId xmlns:a16="http://schemas.microsoft.com/office/drawing/2014/main" id="{F63ED616-AFA4-4D7B-853F-E90EB22D6C24}"/>
-              </a:ext>
-            </a:extLst>
-          </p:cNvPr>
-          <p:cNvSpPr>
-            <a:spLocks noGrp="1"/>
-          </p:cNvSpPr>
-          <p:nvPr>
-            <p:ph type="ftr" sz="quarter" idx="3"/>
-          </p:nvPr>
-        </p:nvSpPr>
-        <p:spPr/>
-        <p:txBody>
-          <a:bodyPr/>
-          <a:lstStyle/>
-          <a:p>
-            <a:r>
-              <a:rPr lang="en-US" dirty="0"/>
-              <a:t>Kwartler CSCI -96</a:t>
-            </a:r>
           </a:p>
         </p:txBody>
       </p:sp>
@@ -6387,6 +6571,52 @@
           </a:p>
         </p:txBody>
       </p:sp>
+      <p:sp>
+        <p:nvSpPr>
+          <p:cNvPr id="5" name="Footer Placeholder 4">
+            <a:extLst>
+              <a:ext uri="{FF2B5EF4-FFF2-40B4-BE49-F238E27FC236}">
+                <a16:creationId xmlns:a16="http://schemas.microsoft.com/office/drawing/2014/main" id="{03429E1D-C665-D873-E0B5-DFBB32EF3B4D}"/>
+              </a:ext>
+            </a:extLst>
+          </p:cNvPr>
+          <p:cNvSpPr>
+            <a:spLocks noGrp="1"/>
+          </p:cNvSpPr>
+          <p:nvPr>
+            <p:ph type="ftr" sz="quarter" idx="3"/>
+          </p:nvPr>
+        </p:nvSpPr>
+        <p:spPr>
+          <a:xfrm>
+            <a:off x="3028950" y="6356351"/>
+            <a:ext cx="3086100" cy="365125"/>
+          </a:xfrm>
+          <a:prstGeom prst="rect">
+            <a:avLst/>
+          </a:prstGeom>
+        </p:spPr>
+        <p:txBody>
+          <a:bodyPr vert="horz" lIns="91440" tIns="45720" rIns="91440" bIns="45720" rtlCol="0" anchor="ctr"/>
+          <a:lstStyle>
+            <a:lvl1pPr algn="ctr">
+              <a:defRPr sz="900">
+                <a:solidFill>
+                  <a:schemeClr val="tx1">
+                    <a:tint val="75000"/>
+                  </a:schemeClr>
+                </a:solidFill>
+              </a:defRPr>
+            </a:lvl1pPr>
+          </a:lstStyle>
+          <a:p>
+            <a:r>
+              <a:rPr lang="en-US" dirty="0"/>
+              <a:t>Kwartler</a:t>
+            </a:r>
+          </a:p>
+        </p:txBody>
+      </p:sp>
     </p:spTree>
     <p:extLst>
       <p:ext uri="{BB962C8B-B14F-4D97-AF65-F5344CB8AC3E}">
@@ -6440,7 +6670,7 @@
           <a:p>
             <a:fld id="{6700A58B-DD98-43D0-B791-721480A02982}" type="datetime1">
               <a:rPr lang="en-US" smtClean="0"/>
-              <a:t>2/27/23</a:t>
+              <a:t>3/12/23</a:t>
             </a:fld>
             <a:endParaRPr lang="en-US"/>
           </a:p>
@@ -6500,34 +6730,6 @@
               <a:t>16</a:t>
             </a:fld>
             <a:endParaRPr lang="en-US"/>
-          </a:p>
-        </p:txBody>
-      </p:sp>
-      <p:sp>
-        <p:nvSpPr>
-          <p:cNvPr id="5" name="Footer Placeholder 4">
-            <a:extLst>
-              <a:ext uri="{FF2B5EF4-FFF2-40B4-BE49-F238E27FC236}">
-                <a16:creationId xmlns:a16="http://schemas.microsoft.com/office/drawing/2014/main" id="{A3B36522-D67D-44E0-A415-4E03F507B647}"/>
-              </a:ext>
-            </a:extLst>
-          </p:cNvPr>
-          <p:cNvSpPr>
-            <a:spLocks noGrp="1"/>
-          </p:cNvSpPr>
-          <p:nvPr>
-            <p:ph type="ftr" sz="quarter" idx="3"/>
-          </p:nvPr>
-        </p:nvSpPr>
-        <p:spPr/>
-        <p:txBody>
-          <a:bodyPr/>
-          <a:lstStyle/>
-          <a:p>
-            <a:r>
-              <a:rPr lang="en-US" dirty="0"/>
-              <a:t>Kwartler CSCI -96</a:t>
-            </a:r>
           </a:p>
         </p:txBody>
       </p:sp>
@@ -7181,6 +7383,52 @@
           </a:p>
         </p:txBody>
       </p:sp>
+      <p:sp>
+        <p:nvSpPr>
+          <p:cNvPr id="9" name="Footer Placeholder 4">
+            <a:extLst>
+              <a:ext uri="{FF2B5EF4-FFF2-40B4-BE49-F238E27FC236}">
+                <a16:creationId xmlns:a16="http://schemas.microsoft.com/office/drawing/2014/main" id="{CA3BC114-3669-0F7A-1260-B8AF9A46F61A}"/>
+              </a:ext>
+            </a:extLst>
+          </p:cNvPr>
+          <p:cNvSpPr>
+            <a:spLocks noGrp="1"/>
+          </p:cNvSpPr>
+          <p:nvPr>
+            <p:ph type="ftr" sz="quarter" idx="3"/>
+          </p:nvPr>
+        </p:nvSpPr>
+        <p:spPr>
+          <a:xfrm>
+            <a:off x="3028950" y="6356351"/>
+            <a:ext cx="3086100" cy="365125"/>
+          </a:xfrm>
+          <a:prstGeom prst="rect">
+            <a:avLst/>
+          </a:prstGeom>
+        </p:spPr>
+        <p:txBody>
+          <a:bodyPr vert="horz" lIns="91440" tIns="45720" rIns="91440" bIns="45720" rtlCol="0" anchor="ctr"/>
+          <a:lstStyle>
+            <a:lvl1pPr algn="ctr">
+              <a:defRPr sz="900">
+                <a:solidFill>
+                  <a:schemeClr val="tx1">
+                    <a:tint val="75000"/>
+                  </a:schemeClr>
+                </a:solidFill>
+              </a:defRPr>
+            </a:lvl1pPr>
+          </a:lstStyle>
+          <a:p>
+            <a:r>
+              <a:rPr lang="en-US" dirty="0"/>
+              <a:t>Kwartler</a:t>
+            </a:r>
+          </a:p>
+        </p:txBody>
+      </p:sp>
     </p:spTree>
     <p:extLst>
       <p:ext uri="{BB962C8B-B14F-4D97-AF65-F5344CB8AC3E}">
@@ -7234,7 +7482,7 @@
           <a:p>
             <a:fld id="{6700A58B-DD98-43D0-B791-721480A02982}" type="datetime1">
               <a:rPr lang="en-US" smtClean="0"/>
-              <a:t>2/27/23</a:t>
+              <a:t>3/12/23</a:t>
             </a:fld>
             <a:endParaRPr lang="en-US"/>
           </a:p>
@@ -7294,34 +7542,6 @@
               <a:t>17</a:t>
             </a:fld>
             <a:endParaRPr lang="en-US"/>
-          </a:p>
-        </p:txBody>
-      </p:sp>
-      <p:sp>
-        <p:nvSpPr>
-          <p:cNvPr id="5" name="Footer Placeholder 4">
-            <a:extLst>
-              <a:ext uri="{FF2B5EF4-FFF2-40B4-BE49-F238E27FC236}">
-                <a16:creationId xmlns:a16="http://schemas.microsoft.com/office/drawing/2014/main" id="{A3B36522-D67D-44E0-A415-4E03F507B647}"/>
-              </a:ext>
-            </a:extLst>
-          </p:cNvPr>
-          <p:cNvSpPr>
-            <a:spLocks noGrp="1"/>
-          </p:cNvSpPr>
-          <p:nvPr>
-            <p:ph type="ftr" sz="quarter" idx="3"/>
-          </p:nvPr>
-        </p:nvSpPr>
-        <p:spPr/>
-        <p:txBody>
-          <a:bodyPr/>
-          <a:lstStyle/>
-          <a:p>
-            <a:r>
-              <a:rPr lang="en-US" dirty="0"/>
-              <a:t>Kwartler CSCI -96</a:t>
-            </a:r>
           </a:p>
         </p:txBody>
       </p:sp>
@@ -8098,6 +8318,52 @@
             <a:r>
               <a:rPr lang="en-US" sz="1400" dirty="0"/>
               <a:t>No (9 of 91 are positive)</a:t>
+            </a:r>
+          </a:p>
+        </p:txBody>
+      </p:sp>
+      <p:sp>
+        <p:nvSpPr>
+          <p:cNvPr id="6" name="Footer Placeholder 4">
+            <a:extLst>
+              <a:ext uri="{FF2B5EF4-FFF2-40B4-BE49-F238E27FC236}">
+                <a16:creationId xmlns:a16="http://schemas.microsoft.com/office/drawing/2014/main" id="{1520EE2D-C2FC-03D0-06B9-7642C60DB55A}"/>
+              </a:ext>
+            </a:extLst>
+          </p:cNvPr>
+          <p:cNvSpPr>
+            <a:spLocks noGrp="1"/>
+          </p:cNvSpPr>
+          <p:nvPr>
+            <p:ph type="ftr" sz="quarter" idx="3"/>
+          </p:nvPr>
+        </p:nvSpPr>
+        <p:spPr>
+          <a:xfrm>
+            <a:off x="3028950" y="6356351"/>
+            <a:ext cx="3086100" cy="365125"/>
+          </a:xfrm>
+          <a:prstGeom prst="rect">
+            <a:avLst/>
+          </a:prstGeom>
+        </p:spPr>
+        <p:txBody>
+          <a:bodyPr vert="horz" lIns="91440" tIns="45720" rIns="91440" bIns="45720" rtlCol="0" anchor="ctr"/>
+          <a:lstStyle>
+            <a:lvl1pPr algn="ctr">
+              <a:defRPr sz="900">
+                <a:solidFill>
+                  <a:schemeClr val="tx1">
+                    <a:tint val="75000"/>
+                  </a:schemeClr>
+                </a:solidFill>
+              </a:defRPr>
+            </a:lvl1pPr>
+          </a:lstStyle>
+          <a:p>
+            <a:r>
+              <a:rPr lang="en-US" dirty="0"/>
+              <a:t>Kwartler</a:t>
             </a:r>
           </a:p>
         </p:txBody>
@@ -8275,7 +8541,7 @@
           <a:p>
             <a:fld id="{6700A58B-DD98-43D0-B791-721480A02982}" type="datetime1">
               <a:rPr lang="en-US" smtClean="0"/>
-              <a:t>2/27/23</a:t>
+              <a:t>3/12/23</a:t>
             </a:fld>
             <a:endParaRPr lang="en-US"/>
           </a:p>
@@ -8343,34 +8609,6 @@
               <a:t>18</a:t>
             </a:fld>
             <a:endParaRPr lang="en-US"/>
-          </a:p>
-        </p:txBody>
-      </p:sp>
-      <p:sp>
-        <p:nvSpPr>
-          <p:cNvPr id="5" name="Footer Placeholder 4">
-            <a:extLst>
-              <a:ext uri="{FF2B5EF4-FFF2-40B4-BE49-F238E27FC236}">
-                <a16:creationId xmlns:a16="http://schemas.microsoft.com/office/drawing/2014/main" id="{A4BDCFDF-3D86-483E-A9AE-50A3B58B2260}"/>
-              </a:ext>
-            </a:extLst>
-          </p:cNvPr>
-          <p:cNvSpPr>
-            <a:spLocks noGrp="1"/>
-          </p:cNvSpPr>
-          <p:nvPr>
-            <p:ph type="ftr" sz="quarter" idx="3"/>
-          </p:nvPr>
-        </p:nvSpPr>
-        <p:spPr/>
-        <p:txBody>
-          <a:bodyPr/>
-          <a:lstStyle/>
-          <a:p>
-            <a:r>
-              <a:rPr lang="en-US" dirty="0"/>
-              <a:t>Kwartler CSCI -96</a:t>
-            </a:r>
           </a:p>
         </p:txBody>
       </p:sp>
@@ -9015,6 +9253,52 @@
           </p:txBody>
         </p:sp>
       </p:grpSp>
+      <p:sp>
+        <p:nvSpPr>
+          <p:cNvPr id="6" name="Footer Placeholder 4">
+            <a:extLst>
+              <a:ext uri="{FF2B5EF4-FFF2-40B4-BE49-F238E27FC236}">
+                <a16:creationId xmlns:a16="http://schemas.microsoft.com/office/drawing/2014/main" id="{83E9E4F6-BDF8-063A-29EC-C59BCEBA632B}"/>
+              </a:ext>
+            </a:extLst>
+          </p:cNvPr>
+          <p:cNvSpPr>
+            <a:spLocks noGrp="1"/>
+          </p:cNvSpPr>
+          <p:nvPr>
+            <p:ph type="ftr" sz="quarter" idx="3"/>
+          </p:nvPr>
+        </p:nvSpPr>
+        <p:spPr>
+          <a:xfrm>
+            <a:off x="3028950" y="6356351"/>
+            <a:ext cx="3086100" cy="365125"/>
+          </a:xfrm>
+          <a:prstGeom prst="rect">
+            <a:avLst/>
+          </a:prstGeom>
+        </p:spPr>
+        <p:txBody>
+          <a:bodyPr vert="horz" lIns="91440" tIns="45720" rIns="91440" bIns="45720" rtlCol="0" anchor="ctr"/>
+          <a:lstStyle>
+            <a:lvl1pPr algn="ctr">
+              <a:defRPr sz="900">
+                <a:solidFill>
+                  <a:schemeClr val="tx1">
+                    <a:tint val="75000"/>
+                  </a:schemeClr>
+                </a:solidFill>
+              </a:defRPr>
+            </a:lvl1pPr>
+          </a:lstStyle>
+          <a:p>
+            <a:r>
+              <a:rPr lang="en-US" dirty="0"/>
+              <a:t>Kwartler</a:t>
+            </a:r>
+          </a:p>
+        </p:txBody>
+      </p:sp>
     </p:spTree>
     <p:extLst>
       <p:ext uri="{BB962C8B-B14F-4D97-AF65-F5344CB8AC3E}">
@@ -9709,7 +9993,7 @@
           <a:p>
             <a:fld id="{6700A58B-DD98-43D0-B791-721480A02982}" type="datetime1">
               <a:rPr lang="en-US" smtClean="0"/>
-              <a:t>2/27/23</a:t>
+              <a:t>3/12/23</a:t>
             </a:fld>
             <a:endParaRPr lang="en-US"/>
           </a:p>
@@ -9777,34 +10061,6 @@
               <a:t>19</a:t>
             </a:fld>
             <a:endParaRPr lang="en-US"/>
-          </a:p>
-        </p:txBody>
-      </p:sp>
-      <p:sp>
-        <p:nvSpPr>
-          <p:cNvPr id="5" name="Footer Placeholder 4">
-            <a:extLst>
-              <a:ext uri="{FF2B5EF4-FFF2-40B4-BE49-F238E27FC236}">
-                <a16:creationId xmlns:a16="http://schemas.microsoft.com/office/drawing/2014/main" id="{A4BDCFDF-3D86-483E-A9AE-50A3B58B2260}"/>
-              </a:ext>
-            </a:extLst>
-          </p:cNvPr>
-          <p:cNvSpPr>
-            <a:spLocks noGrp="1"/>
-          </p:cNvSpPr>
-          <p:nvPr>
-            <p:ph type="ftr" sz="quarter" idx="3"/>
-          </p:nvPr>
-        </p:nvSpPr>
-        <p:spPr/>
-        <p:txBody>
-          <a:bodyPr/>
-          <a:lstStyle/>
-          <a:p>
-            <a:r>
-              <a:rPr lang="en-US" dirty="0"/>
-              <a:t>Kwartler CSCI -96</a:t>
-            </a:r>
           </a:p>
         </p:txBody>
       </p:sp>
@@ -9910,6 +10166,52 @@
           <a:p>
             <a:pPr algn="ctr"/>
             <a:endParaRPr lang="en-US"/>
+          </a:p>
+        </p:txBody>
+      </p:sp>
+      <p:sp>
+        <p:nvSpPr>
+          <p:cNvPr id="6" name="Footer Placeholder 4">
+            <a:extLst>
+              <a:ext uri="{FF2B5EF4-FFF2-40B4-BE49-F238E27FC236}">
+                <a16:creationId xmlns:a16="http://schemas.microsoft.com/office/drawing/2014/main" id="{7FAC9458-8F55-9778-AE2D-9A6D78E36D5C}"/>
+              </a:ext>
+            </a:extLst>
+          </p:cNvPr>
+          <p:cNvSpPr>
+            <a:spLocks noGrp="1"/>
+          </p:cNvSpPr>
+          <p:nvPr>
+            <p:ph type="ftr" sz="quarter" idx="3"/>
+          </p:nvPr>
+        </p:nvSpPr>
+        <p:spPr>
+          <a:xfrm>
+            <a:off x="3028950" y="6356351"/>
+            <a:ext cx="3086100" cy="365125"/>
+          </a:xfrm>
+          <a:prstGeom prst="rect">
+            <a:avLst/>
+          </a:prstGeom>
+        </p:spPr>
+        <p:txBody>
+          <a:bodyPr vert="horz" lIns="91440" tIns="45720" rIns="91440" bIns="45720" rtlCol="0" anchor="ctr"/>
+          <a:lstStyle>
+            <a:lvl1pPr algn="ctr">
+              <a:defRPr sz="900">
+                <a:solidFill>
+                  <a:schemeClr val="tx1">
+                    <a:tint val="75000"/>
+                  </a:schemeClr>
+                </a:solidFill>
+              </a:defRPr>
+            </a:lvl1pPr>
+          </a:lstStyle>
+          <a:p>
+            <a:r>
+              <a:rPr lang="en-US" dirty="0"/>
+              <a:t>Kwartler</a:t>
+            </a:r>
           </a:p>
         </p:txBody>
       </p:sp>
@@ -9993,7 +10295,7 @@
           <a:p>
             <a:fld id="{6700A58B-DD98-43D0-B791-721480A02982}" type="datetime1">
               <a:rPr lang="en-US" smtClean="0"/>
-              <a:t>2/27/23</a:t>
+              <a:t>3/12/23</a:t>
             </a:fld>
             <a:endParaRPr lang="en-US"/>
           </a:p>
@@ -10041,28 +10343,6 @@
               <a:t>2</a:t>
             </a:fld>
             <a:endParaRPr lang="en-US"/>
-          </a:p>
-        </p:txBody>
-      </p:sp>
-      <p:sp>
-        <p:nvSpPr>
-          <p:cNvPr id="5" name="Footer Placeholder 4"/>
-          <p:cNvSpPr>
-            <a:spLocks noGrp="1"/>
-          </p:cNvSpPr>
-          <p:nvPr>
-            <p:ph type="ftr" sz="quarter" idx="3"/>
-          </p:nvPr>
-        </p:nvSpPr>
-        <p:spPr/>
-        <p:txBody>
-          <a:bodyPr/>
-          <a:lstStyle/>
-          <a:p>
-            <a:r>
-              <a:rPr lang="en-US" dirty="0"/>
-              <a:t>Kwartler CSCI -96</a:t>
-            </a:r>
           </a:p>
         </p:txBody>
       </p:sp>
@@ -10406,6 +10686,52 @@
             <a:r>
               <a:rPr lang="en-US" sz="2400" b="1" u="sng" dirty="0"/>
               <a:t>ANALYZE</a:t>
+            </a:r>
+          </a:p>
+        </p:txBody>
+      </p:sp>
+      <p:sp>
+        <p:nvSpPr>
+          <p:cNvPr id="12" name="Footer Placeholder 4">
+            <a:extLst>
+              <a:ext uri="{FF2B5EF4-FFF2-40B4-BE49-F238E27FC236}">
+                <a16:creationId xmlns:a16="http://schemas.microsoft.com/office/drawing/2014/main" id="{B05A96AF-972D-60A3-669F-7490F263F9B7}"/>
+              </a:ext>
+            </a:extLst>
+          </p:cNvPr>
+          <p:cNvSpPr>
+            <a:spLocks noGrp="1"/>
+          </p:cNvSpPr>
+          <p:nvPr>
+            <p:ph type="ftr" sz="quarter" idx="3"/>
+          </p:nvPr>
+        </p:nvSpPr>
+        <p:spPr>
+          <a:xfrm>
+            <a:off x="3028950" y="6356351"/>
+            <a:ext cx="3086100" cy="365125"/>
+          </a:xfrm>
+          <a:prstGeom prst="rect">
+            <a:avLst/>
+          </a:prstGeom>
+        </p:spPr>
+        <p:txBody>
+          <a:bodyPr vert="horz" lIns="91440" tIns="45720" rIns="91440" bIns="45720" rtlCol="0" anchor="ctr"/>
+          <a:lstStyle>
+            <a:lvl1pPr algn="ctr">
+              <a:defRPr sz="900">
+                <a:solidFill>
+                  <a:schemeClr val="tx1">
+                    <a:tint val="75000"/>
+                  </a:schemeClr>
+                </a:solidFill>
+              </a:defRPr>
+            </a:lvl1pPr>
+          </a:lstStyle>
+          <a:p>
+            <a:r>
+              <a:rPr lang="en-US" dirty="0"/>
+              <a:t>Kwartler</a:t>
             </a:r>
           </a:p>
         </p:txBody>
@@ -11104,7 +11430,7 @@
           <a:p>
             <a:fld id="{6700A58B-DD98-43D0-B791-721480A02982}" type="datetime1">
               <a:rPr lang="en-US" smtClean="0"/>
-              <a:t>2/27/23</a:t>
+              <a:t>3/12/23</a:t>
             </a:fld>
             <a:endParaRPr lang="en-US"/>
           </a:p>
@@ -11172,34 +11498,6 @@
               <a:t>20</a:t>
             </a:fld>
             <a:endParaRPr lang="en-US"/>
-          </a:p>
-        </p:txBody>
-      </p:sp>
-      <p:sp>
-        <p:nvSpPr>
-          <p:cNvPr id="5" name="Footer Placeholder 4">
-            <a:extLst>
-              <a:ext uri="{FF2B5EF4-FFF2-40B4-BE49-F238E27FC236}">
-                <a16:creationId xmlns:a16="http://schemas.microsoft.com/office/drawing/2014/main" id="{A4BDCFDF-3D86-483E-A9AE-50A3B58B2260}"/>
-              </a:ext>
-            </a:extLst>
-          </p:cNvPr>
-          <p:cNvSpPr>
-            <a:spLocks noGrp="1"/>
-          </p:cNvSpPr>
-          <p:nvPr>
-            <p:ph type="ftr" sz="quarter" idx="3"/>
-          </p:nvPr>
-        </p:nvSpPr>
-        <p:spPr/>
-        <p:txBody>
-          <a:bodyPr/>
-          <a:lstStyle/>
-          <a:p>
-            <a:r>
-              <a:rPr lang="en-US" dirty="0"/>
-              <a:t>Kwartler CSCI -96</a:t>
-            </a:r>
           </a:p>
         </p:txBody>
       </p:sp>
@@ -11341,6 +11639,52 @@
             <a:r>
               <a:rPr lang="en-US" dirty="0"/>
               <a:t>The age was less than 68 so the record drops to the next decision point.</a:t>
+            </a:r>
+          </a:p>
+        </p:txBody>
+      </p:sp>
+      <p:sp>
+        <p:nvSpPr>
+          <p:cNvPr id="7" name="Footer Placeholder 4">
+            <a:extLst>
+              <a:ext uri="{FF2B5EF4-FFF2-40B4-BE49-F238E27FC236}">
+                <a16:creationId xmlns:a16="http://schemas.microsoft.com/office/drawing/2014/main" id="{0DBC6DF1-3570-093E-BA2A-B699819EBDF3}"/>
+              </a:ext>
+            </a:extLst>
+          </p:cNvPr>
+          <p:cNvSpPr>
+            <a:spLocks noGrp="1"/>
+          </p:cNvSpPr>
+          <p:nvPr>
+            <p:ph type="ftr" sz="quarter" idx="3"/>
+          </p:nvPr>
+        </p:nvSpPr>
+        <p:spPr>
+          <a:xfrm>
+            <a:off x="3028950" y="6356351"/>
+            <a:ext cx="3086100" cy="365125"/>
+          </a:xfrm>
+          <a:prstGeom prst="rect">
+            <a:avLst/>
+          </a:prstGeom>
+        </p:spPr>
+        <p:txBody>
+          <a:bodyPr vert="horz" lIns="91440" tIns="45720" rIns="91440" bIns="45720" rtlCol="0" anchor="ctr"/>
+          <a:lstStyle>
+            <a:lvl1pPr algn="ctr">
+              <a:defRPr sz="900">
+                <a:solidFill>
+                  <a:schemeClr val="tx1">
+                    <a:tint val="75000"/>
+                  </a:schemeClr>
+                </a:solidFill>
+              </a:defRPr>
+            </a:lvl1pPr>
+          </a:lstStyle>
+          <a:p>
+            <a:r>
+              <a:rPr lang="en-US" dirty="0"/>
+              <a:t>Kwartler</a:t>
             </a:r>
           </a:p>
         </p:txBody>
@@ -12039,7 +12383,7 @@
           <a:p>
             <a:fld id="{6700A58B-DD98-43D0-B791-721480A02982}" type="datetime1">
               <a:rPr lang="en-US" smtClean="0"/>
-              <a:t>2/27/23</a:t>
+              <a:t>3/12/23</a:t>
             </a:fld>
             <a:endParaRPr lang="en-US"/>
           </a:p>
@@ -12107,34 +12451,6 @@
               <a:t>21</a:t>
             </a:fld>
             <a:endParaRPr lang="en-US"/>
-          </a:p>
-        </p:txBody>
-      </p:sp>
-      <p:sp>
-        <p:nvSpPr>
-          <p:cNvPr id="5" name="Footer Placeholder 4">
-            <a:extLst>
-              <a:ext uri="{FF2B5EF4-FFF2-40B4-BE49-F238E27FC236}">
-                <a16:creationId xmlns:a16="http://schemas.microsoft.com/office/drawing/2014/main" id="{A4BDCFDF-3D86-483E-A9AE-50A3B58B2260}"/>
-              </a:ext>
-            </a:extLst>
-          </p:cNvPr>
-          <p:cNvSpPr>
-            <a:spLocks noGrp="1"/>
-          </p:cNvSpPr>
-          <p:nvPr>
-            <p:ph type="ftr" sz="quarter" idx="3"/>
-          </p:nvPr>
-        </p:nvSpPr>
-        <p:spPr/>
-        <p:txBody>
-          <a:bodyPr/>
-          <a:lstStyle/>
-          <a:p>
-            <a:r>
-              <a:rPr lang="en-US" dirty="0"/>
-              <a:t>Kwartler CSCI -96</a:t>
-            </a:r>
           </a:p>
         </p:txBody>
       </p:sp>
@@ -12276,6 +12592,52 @@
             <a:r>
               <a:rPr lang="en-US" dirty="0"/>
               <a:t>The duration is greater than 635 so the record lands at YES with a probability of 75% (6/8).</a:t>
+            </a:r>
+          </a:p>
+        </p:txBody>
+      </p:sp>
+      <p:sp>
+        <p:nvSpPr>
+          <p:cNvPr id="7" name="Footer Placeholder 4">
+            <a:extLst>
+              <a:ext uri="{FF2B5EF4-FFF2-40B4-BE49-F238E27FC236}">
+                <a16:creationId xmlns:a16="http://schemas.microsoft.com/office/drawing/2014/main" id="{7C84C904-B24C-CC36-ED77-D0FE9BD256A4}"/>
+              </a:ext>
+            </a:extLst>
+          </p:cNvPr>
+          <p:cNvSpPr>
+            <a:spLocks noGrp="1"/>
+          </p:cNvSpPr>
+          <p:nvPr>
+            <p:ph type="ftr" sz="quarter" idx="3"/>
+          </p:nvPr>
+        </p:nvSpPr>
+        <p:spPr>
+          <a:xfrm>
+            <a:off x="3028950" y="6356351"/>
+            <a:ext cx="3086100" cy="365125"/>
+          </a:xfrm>
+          <a:prstGeom prst="rect">
+            <a:avLst/>
+          </a:prstGeom>
+        </p:spPr>
+        <p:txBody>
+          <a:bodyPr vert="horz" lIns="91440" tIns="45720" rIns="91440" bIns="45720" rtlCol="0" anchor="ctr"/>
+          <a:lstStyle>
+            <a:lvl1pPr algn="ctr">
+              <a:defRPr sz="900">
+                <a:solidFill>
+                  <a:schemeClr val="tx1">
+                    <a:tint val="75000"/>
+                  </a:schemeClr>
+                </a:solidFill>
+              </a:defRPr>
+            </a:lvl1pPr>
+          </a:lstStyle>
+          <a:p>
+            <a:r>
+              <a:rPr lang="en-US" dirty="0"/>
+              <a:t>Kwartler</a:t>
             </a:r>
           </a:p>
         </p:txBody>
@@ -12363,7 +12725,7 @@
           <a:p>
             <a:fld id="{6700A58B-DD98-43D0-B791-721480A02982}" type="datetime1">
               <a:rPr lang="en-US" smtClean="0"/>
-              <a:t>2/27/23</a:t>
+              <a:t>3/12/23</a:t>
             </a:fld>
             <a:endParaRPr lang="en-US"/>
           </a:p>
@@ -12421,34 +12783,6 @@
             <a:r>
               <a:rPr lang="en-US" dirty="0"/>
               <a:t>57</a:t>
-            </a:r>
-          </a:p>
-        </p:txBody>
-      </p:sp>
-      <p:sp>
-        <p:nvSpPr>
-          <p:cNvPr id="5" name="Footer Placeholder 4">
-            <a:extLst>
-              <a:ext uri="{FF2B5EF4-FFF2-40B4-BE49-F238E27FC236}">
-                <a16:creationId xmlns:a16="http://schemas.microsoft.com/office/drawing/2014/main" id="{A3B36522-D67D-44E0-A415-4E03F507B647}"/>
-              </a:ext>
-            </a:extLst>
-          </p:cNvPr>
-          <p:cNvSpPr>
-            <a:spLocks noGrp="1"/>
-          </p:cNvSpPr>
-          <p:nvPr>
-            <p:ph type="ftr" sz="quarter" idx="3"/>
-          </p:nvPr>
-        </p:nvSpPr>
-        <p:spPr/>
-        <p:txBody>
-          <a:bodyPr/>
-          <a:lstStyle/>
-          <a:p>
-            <a:r>
-              <a:rPr lang="en-US" dirty="0"/>
-              <a:t>Kwartler CSCI -96</a:t>
             </a:r>
           </a:p>
         </p:txBody>
@@ -12611,6 +12945,52 @@
           </a:fontRef>
         </p:style>
       </p:cxnSp>
+      <p:sp>
+        <p:nvSpPr>
+          <p:cNvPr id="7" name="Footer Placeholder 4">
+            <a:extLst>
+              <a:ext uri="{FF2B5EF4-FFF2-40B4-BE49-F238E27FC236}">
+                <a16:creationId xmlns:a16="http://schemas.microsoft.com/office/drawing/2014/main" id="{48B6A75D-10B0-6239-EF5E-657FAB4D9F31}"/>
+              </a:ext>
+            </a:extLst>
+          </p:cNvPr>
+          <p:cNvSpPr>
+            <a:spLocks noGrp="1"/>
+          </p:cNvSpPr>
+          <p:nvPr>
+            <p:ph type="ftr" sz="quarter" idx="3"/>
+          </p:nvPr>
+        </p:nvSpPr>
+        <p:spPr>
+          <a:xfrm>
+            <a:off x="3028950" y="6356351"/>
+            <a:ext cx="3086100" cy="365125"/>
+          </a:xfrm>
+          <a:prstGeom prst="rect">
+            <a:avLst/>
+          </a:prstGeom>
+        </p:spPr>
+        <p:txBody>
+          <a:bodyPr vert="horz" lIns="91440" tIns="45720" rIns="91440" bIns="45720" rtlCol="0" anchor="ctr"/>
+          <a:lstStyle>
+            <a:lvl1pPr algn="ctr">
+              <a:defRPr sz="900">
+                <a:solidFill>
+                  <a:schemeClr val="tx1">
+                    <a:tint val="75000"/>
+                  </a:schemeClr>
+                </a:solidFill>
+              </a:defRPr>
+            </a:lvl1pPr>
+          </a:lstStyle>
+          <a:p>
+            <a:r>
+              <a:rPr lang="en-US" dirty="0"/>
+              <a:t>Kwartler</a:t>
+            </a:r>
+          </a:p>
+        </p:txBody>
+      </p:sp>
     </p:spTree>
     <p:extLst>
       <p:ext uri="{BB962C8B-B14F-4D97-AF65-F5344CB8AC3E}">
@@ -13648,7 +14028,7 @@
                 <a:tabLst/>
                 <a:defRPr/>
               </a:pPr>
-              <a:t>2/27/23</a:t>
+              <a:t>3/12/23</a:t>
             </a:fld>
             <a:endParaRPr kumimoji="0" lang="en-US" sz="900" b="0" i="0" u="none" strike="noStrike" kern="1200" cap="none" spc="0" normalizeH="0" baseline="0" noProof="0">
               <a:ln>
@@ -13805,66 +14185,6 @@
       </p:sp>
       <p:sp>
         <p:nvSpPr>
-          <p:cNvPr id="5" name="Footer Placeholder 4">
-            <a:extLst>
-              <a:ext uri="{FF2B5EF4-FFF2-40B4-BE49-F238E27FC236}">
-                <a16:creationId xmlns:a16="http://schemas.microsoft.com/office/drawing/2014/main" id="{A4BDCFDF-3D86-483E-A9AE-50A3B58B2260}"/>
-              </a:ext>
-            </a:extLst>
-          </p:cNvPr>
-          <p:cNvSpPr>
-            <a:spLocks noGrp="1"/>
-          </p:cNvSpPr>
-          <p:nvPr>
-            <p:ph type="ftr" sz="quarter" idx="3"/>
-          </p:nvPr>
-        </p:nvSpPr>
-        <p:spPr/>
-        <p:txBody>
-          <a:bodyPr/>
-          <a:lstStyle/>
-          <a:p>
-            <a:pPr marL="0" marR="0" lvl="0" indent="0" algn="ctr" defTabSz="914400" rtl="0" eaLnBrk="1" fontAlgn="auto" latinLnBrk="0" hangingPunct="1">
-              <a:lnSpc>
-                <a:spcPct val="100000"/>
-              </a:lnSpc>
-              <a:spcBef>
-                <a:spcPts val="0"/>
-              </a:spcBef>
-              <a:spcAft>
-                <a:spcPts val="0"/>
-              </a:spcAft>
-              <a:buClrTx/>
-              <a:buSzTx/>
-              <a:buFontTx/>
-              <a:buNone/>
-              <a:tabLst/>
-              <a:defRPr/>
-            </a:pPr>
-            <a:r>
-              <a:rPr kumimoji="0" lang="en-US" sz="900" b="0" i="0" u="none" strike="noStrike" kern="1200" cap="none" spc="0" normalizeH="0" baseline="0" noProof="0" dirty="0">
-                <a:ln>
-                  <a:noFill/>
-                </a:ln>
-                <a:solidFill>
-                  <a:prstClr val="black">
-                    <a:tint val="75000"/>
-                  </a:prstClr>
-                </a:solidFill>
-                <a:effectLst/>
-                <a:uLnTx/>
-                <a:uFillTx/>
-                <a:latin typeface="Calibri" panose="020F0502020204030204"/>
-                <a:ea typeface="+mn-ea"/>
-                <a:cs typeface="+mn-cs"/>
-              </a:rPr>
-              <a:t>Kwartler CSCI -96</a:t>
-            </a:r>
-          </a:p>
-        </p:txBody>
-      </p:sp>
-      <p:sp>
-        <p:nvSpPr>
           <p:cNvPr id="20" name="Oval 19">
             <a:extLst>
               <a:ext uri="{FF2B5EF4-FFF2-40B4-BE49-F238E27FC236}">
@@ -14098,6 +14418,52 @@
               <a:ea typeface="+mn-ea"/>
               <a:cs typeface="+mn-cs"/>
             </a:endParaRPr>
+          </a:p>
+        </p:txBody>
+      </p:sp>
+      <p:sp>
+        <p:nvSpPr>
+          <p:cNvPr id="6" name="Footer Placeholder 4">
+            <a:extLst>
+              <a:ext uri="{FF2B5EF4-FFF2-40B4-BE49-F238E27FC236}">
+                <a16:creationId xmlns:a16="http://schemas.microsoft.com/office/drawing/2014/main" id="{94F33783-A5B6-4C61-487C-B619FD222288}"/>
+              </a:ext>
+            </a:extLst>
+          </p:cNvPr>
+          <p:cNvSpPr>
+            <a:spLocks noGrp="1"/>
+          </p:cNvSpPr>
+          <p:nvPr>
+            <p:ph type="ftr" sz="quarter" idx="3"/>
+          </p:nvPr>
+        </p:nvSpPr>
+        <p:spPr>
+          <a:xfrm>
+            <a:off x="3028950" y="6356351"/>
+            <a:ext cx="3086100" cy="365125"/>
+          </a:xfrm>
+          <a:prstGeom prst="rect">
+            <a:avLst/>
+          </a:prstGeom>
+        </p:spPr>
+        <p:txBody>
+          <a:bodyPr vert="horz" lIns="91440" tIns="45720" rIns="91440" bIns="45720" rtlCol="0" anchor="ctr"/>
+          <a:lstStyle>
+            <a:lvl1pPr algn="ctr">
+              <a:defRPr sz="900">
+                <a:solidFill>
+                  <a:schemeClr val="tx1">
+                    <a:tint val="75000"/>
+                  </a:schemeClr>
+                </a:solidFill>
+              </a:defRPr>
+            </a:lvl1pPr>
+          </a:lstStyle>
+          <a:p>
+            <a:r>
+              <a:rPr lang="en-US" dirty="0"/>
+              <a:t>Kwartler</a:t>
+            </a:r>
           </a:p>
         </p:txBody>
       </p:sp>
@@ -15138,7 +15504,7 @@
                 <a:tabLst/>
                 <a:defRPr/>
               </a:pPr>
-              <a:t>2/27/23</a:t>
+              <a:t>3/12/23</a:t>
             </a:fld>
             <a:endParaRPr kumimoji="0" lang="en-US" sz="900" b="0" i="0" u="none" strike="noStrike" kern="1200" cap="none" spc="0" normalizeH="0" baseline="0" noProof="0">
               <a:ln>
@@ -15290,66 +15656,6 @@
       </p:sp>
       <p:sp>
         <p:nvSpPr>
-          <p:cNvPr id="5" name="Footer Placeholder 4">
-            <a:extLst>
-              <a:ext uri="{FF2B5EF4-FFF2-40B4-BE49-F238E27FC236}">
-                <a16:creationId xmlns:a16="http://schemas.microsoft.com/office/drawing/2014/main" id="{A4BDCFDF-3D86-483E-A9AE-50A3B58B2260}"/>
-              </a:ext>
-            </a:extLst>
-          </p:cNvPr>
-          <p:cNvSpPr>
-            <a:spLocks noGrp="1"/>
-          </p:cNvSpPr>
-          <p:nvPr>
-            <p:ph type="ftr" sz="quarter" idx="3"/>
-          </p:nvPr>
-        </p:nvSpPr>
-        <p:spPr/>
-        <p:txBody>
-          <a:bodyPr/>
-          <a:lstStyle/>
-          <a:p>
-            <a:pPr marL="0" marR="0" lvl="0" indent="0" algn="ctr" defTabSz="914400" rtl="0" eaLnBrk="1" fontAlgn="auto" latinLnBrk="0" hangingPunct="1">
-              <a:lnSpc>
-                <a:spcPct val="100000"/>
-              </a:lnSpc>
-              <a:spcBef>
-                <a:spcPts val="0"/>
-              </a:spcBef>
-              <a:spcAft>
-                <a:spcPts val="0"/>
-              </a:spcAft>
-              <a:buClrTx/>
-              <a:buSzTx/>
-              <a:buFontTx/>
-              <a:buNone/>
-              <a:tabLst/>
-              <a:defRPr/>
-            </a:pPr>
-            <a:r>
-              <a:rPr kumimoji="0" lang="en-US" sz="900" b="0" i="0" u="none" strike="noStrike" kern="1200" cap="none" spc="0" normalizeH="0" baseline="0" noProof="0" dirty="0">
-                <a:ln>
-                  <a:noFill/>
-                </a:ln>
-                <a:solidFill>
-                  <a:prstClr val="black">
-                    <a:tint val="75000"/>
-                  </a:prstClr>
-                </a:solidFill>
-                <a:effectLst/>
-                <a:uLnTx/>
-                <a:uFillTx/>
-                <a:latin typeface="Calibri" panose="020F0502020204030204"/>
-                <a:ea typeface="+mn-ea"/>
-                <a:cs typeface="+mn-cs"/>
-              </a:rPr>
-              <a:t>Kwartler CSCI -96</a:t>
-            </a:r>
-          </a:p>
-        </p:txBody>
-      </p:sp>
-      <p:sp>
-        <p:nvSpPr>
           <p:cNvPr id="20" name="Oval 19">
             <a:extLst>
               <a:ext uri="{FF2B5EF4-FFF2-40B4-BE49-F238E27FC236}">
@@ -15649,6 +15955,52 @@
                 <a:cs typeface="+mn-cs"/>
               </a:rPr>
               <a:t>The age was less than 68 so the record drops to the next decision point.</a:t>
+            </a:r>
+          </a:p>
+        </p:txBody>
+      </p:sp>
+      <p:sp>
+        <p:nvSpPr>
+          <p:cNvPr id="7" name="Footer Placeholder 4">
+            <a:extLst>
+              <a:ext uri="{FF2B5EF4-FFF2-40B4-BE49-F238E27FC236}">
+                <a16:creationId xmlns:a16="http://schemas.microsoft.com/office/drawing/2014/main" id="{A2508A3D-6383-0BED-B066-325F2D17E303}"/>
+              </a:ext>
+            </a:extLst>
+          </p:cNvPr>
+          <p:cNvSpPr>
+            <a:spLocks noGrp="1"/>
+          </p:cNvSpPr>
+          <p:nvPr>
+            <p:ph type="ftr" sz="quarter" idx="3"/>
+          </p:nvPr>
+        </p:nvSpPr>
+        <p:spPr>
+          <a:xfrm>
+            <a:off x="3028950" y="6356351"/>
+            <a:ext cx="3086100" cy="365125"/>
+          </a:xfrm>
+          <a:prstGeom prst="rect">
+            <a:avLst/>
+          </a:prstGeom>
+        </p:spPr>
+        <p:txBody>
+          <a:bodyPr vert="horz" lIns="91440" tIns="45720" rIns="91440" bIns="45720" rtlCol="0" anchor="ctr"/>
+          <a:lstStyle>
+            <a:lvl1pPr algn="ctr">
+              <a:defRPr sz="900">
+                <a:solidFill>
+                  <a:schemeClr val="tx1">
+                    <a:tint val="75000"/>
+                  </a:schemeClr>
+                </a:solidFill>
+              </a:defRPr>
+            </a:lvl1pPr>
+          </a:lstStyle>
+          <a:p>
+            <a:r>
+              <a:rPr lang="en-US" dirty="0"/>
+              <a:t>Kwartler</a:t>
             </a:r>
           </a:p>
         </p:txBody>
@@ -16690,7 +17042,7 @@
                 <a:tabLst/>
                 <a:defRPr/>
               </a:pPr>
-              <a:t>2/27/23</a:t>
+              <a:t>3/12/23</a:t>
             </a:fld>
             <a:endParaRPr kumimoji="0" lang="en-US" sz="900" b="0" i="0" u="none" strike="noStrike" kern="1200" cap="none" spc="0" normalizeH="0" baseline="0" noProof="0">
               <a:ln>
@@ -16842,66 +17194,6 @@
       </p:sp>
       <p:sp>
         <p:nvSpPr>
-          <p:cNvPr id="5" name="Footer Placeholder 4">
-            <a:extLst>
-              <a:ext uri="{FF2B5EF4-FFF2-40B4-BE49-F238E27FC236}">
-                <a16:creationId xmlns:a16="http://schemas.microsoft.com/office/drawing/2014/main" id="{A4BDCFDF-3D86-483E-A9AE-50A3B58B2260}"/>
-              </a:ext>
-            </a:extLst>
-          </p:cNvPr>
-          <p:cNvSpPr>
-            <a:spLocks noGrp="1"/>
-          </p:cNvSpPr>
-          <p:nvPr>
-            <p:ph type="ftr" sz="quarter" idx="3"/>
-          </p:nvPr>
-        </p:nvSpPr>
-        <p:spPr/>
-        <p:txBody>
-          <a:bodyPr/>
-          <a:lstStyle/>
-          <a:p>
-            <a:pPr marL="0" marR="0" lvl="0" indent="0" algn="ctr" defTabSz="914400" rtl="0" eaLnBrk="1" fontAlgn="auto" latinLnBrk="0" hangingPunct="1">
-              <a:lnSpc>
-                <a:spcPct val="100000"/>
-              </a:lnSpc>
-              <a:spcBef>
-                <a:spcPts val="0"/>
-              </a:spcBef>
-              <a:spcAft>
-                <a:spcPts val="0"/>
-              </a:spcAft>
-              <a:buClrTx/>
-              <a:buSzTx/>
-              <a:buFontTx/>
-              <a:buNone/>
-              <a:tabLst/>
-              <a:defRPr/>
-            </a:pPr>
-            <a:r>
-              <a:rPr kumimoji="0" lang="en-US" sz="900" b="0" i="0" u="none" strike="noStrike" kern="1200" cap="none" spc="0" normalizeH="0" baseline="0" noProof="0" dirty="0">
-                <a:ln>
-                  <a:noFill/>
-                </a:ln>
-                <a:solidFill>
-                  <a:prstClr val="black">
-                    <a:tint val="75000"/>
-                  </a:prstClr>
-                </a:solidFill>
-                <a:effectLst/>
-                <a:uLnTx/>
-                <a:uFillTx/>
-                <a:latin typeface="Calibri" panose="020F0502020204030204"/>
-                <a:ea typeface="+mn-ea"/>
-                <a:cs typeface="+mn-cs"/>
-              </a:rPr>
-              <a:t>Kwartler CSCI -96</a:t>
-            </a:r>
-          </a:p>
-        </p:txBody>
-      </p:sp>
-      <p:sp>
-        <p:nvSpPr>
           <p:cNvPr id="20" name="Oval 19">
             <a:extLst>
               <a:ext uri="{FF2B5EF4-FFF2-40B4-BE49-F238E27FC236}">
@@ -17208,6 +17500,52 @@
               <a:ea typeface="+mn-ea"/>
               <a:cs typeface="+mn-cs"/>
             </a:endParaRPr>
+          </a:p>
+        </p:txBody>
+      </p:sp>
+      <p:sp>
+        <p:nvSpPr>
+          <p:cNvPr id="7" name="Footer Placeholder 4">
+            <a:extLst>
+              <a:ext uri="{FF2B5EF4-FFF2-40B4-BE49-F238E27FC236}">
+                <a16:creationId xmlns:a16="http://schemas.microsoft.com/office/drawing/2014/main" id="{D46B92AB-36F4-B5A0-22DA-3076FBC6EB1D}"/>
+              </a:ext>
+            </a:extLst>
+          </p:cNvPr>
+          <p:cNvSpPr>
+            <a:spLocks noGrp="1"/>
+          </p:cNvSpPr>
+          <p:nvPr>
+            <p:ph type="ftr" sz="quarter" idx="3"/>
+          </p:nvPr>
+        </p:nvSpPr>
+        <p:spPr>
+          <a:xfrm>
+            <a:off x="3028950" y="6356351"/>
+            <a:ext cx="3086100" cy="365125"/>
+          </a:xfrm>
+          <a:prstGeom prst="rect">
+            <a:avLst/>
+          </a:prstGeom>
+        </p:spPr>
+        <p:txBody>
+          <a:bodyPr vert="horz" lIns="91440" tIns="45720" rIns="91440" bIns="45720" rtlCol="0" anchor="ctr"/>
+          <a:lstStyle>
+            <a:lvl1pPr algn="ctr">
+              <a:defRPr sz="900">
+                <a:solidFill>
+                  <a:schemeClr val="tx1">
+                    <a:tint val="75000"/>
+                  </a:schemeClr>
+                </a:solidFill>
+              </a:defRPr>
+            </a:lvl1pPr>
+          </a:lstStyle>
+          <a:p>
+            <a:r>
+              <a:rPr lang="en-US" dirty="0"/>
+              <a:t>Kwartler</a:t>
+            </a:r>
           </a:p>
         </p:txBody>
       </p:sp>
@@ -17343,7 +17681,7 @@
                 <a:tabLst/>
                 <a:defRPr/>
               </a:pPr>
-              <a:t>2/27/23</a:t>
+              <a:t>3/12/23</a:t>
             </a:fld>
             <a:endParaRPr kumimoji="0" lang="en-US" sz="900" b="0" i="0" u="none" strike="noStrike" kern="1200" cap="none" spc="0" normalizeH="0" baseline="0" noProof="0">
               <a:ln>
@@ -17487,66 +17825,6 @@
       </p:sp>
       <p:sp>
         <p:nvSpPr>
-          <p:cNvPr id="5" name="Footer Placeholder 4">
-            <a:extLst>
-              <a:ext uri="{FF2B5EF4-FFF2-40B4-BE49-F238E27FC236}">
-                <a16:creationId xmlns:a16="http://schemas.microsoft.com/office/drawing/2014/main" id="{A3B36522-D67D-44E0-A415-4E03F507B647}"/>
-              </a:ext>
-            </a:extLst>
-          </p:cNvPr>
-          <p:cNvSpPr>
-            <a:spLocks noGrp="1"/>
-          </p:cNvSpPr>
-          <p:nvPr>
-            <p:ph type="ftr" sz="quarter" idx="3"/>
-          </p:nvPr>
-        </p:nvSpPr>
-        <p:spPr/>
-        <p:txBody>
-          <a:bodyPr/>
-          <a:lstStyle/>
-          <a:p>
-            <a:pPr marL="0" marR="0" lvl="0" indent="0" algn="ctr" defTabSz="914400" rtl="0" eaLnBrk="1" fontAlgn="auto" latinLnBrk="0" hangingPunct="1">
-              <a:lnSpc>
-                <a:spcPct val="100000"/>
-              </a:lnSpc>
-              <a:spcBef>
-                <a:spcPts val="0"/>
-              </a:spcBef>
-              <a:spcAft>
-                <a:spcPts val="0"/>
-              </a:spcAft>
-              <a:buClrTx/>
-              <a:buSzTx/>
-              <a:buFontTx/>
-              <a:buNone/>
-              <a:tabLst/>
-              <a:defRPr/>
-            </a:pPr>
-            <a:r>
-              <a:rPr kumimoji="0" lang="en-US" sz="900" b="0" i="0" u="none" strike="noStrike" kern="1200" cap="none" spc="0" normalizeH="0" baseline="0" noProof="0" dirty="0">
-                <a:ln>
-                  <a:noFill/>
-                </a:ln>
-                <a:solidFill>
-                  <a:prstClr val="black">
-                    <a:tint val="75000"/>
-                  </a:prstClr>
-                </a:solidFill>
-                <a:effectLst/>
-                <a:uLnTx/>
-                <a:uFillTx/>
-                <a:latin typeface="Calibri" panose="020F0502020204030204"/>
-                <a:ea typeface="+mn-ea"/>
-                <a:cs typeface="+mn-cs"/>
-              </a:rPr>
-              <a:t>Kwartler CSCI -96</a:t>
-            </a:r>
-          </a:p>
-        </p:txBody>
-      </p:sp>
-      <p:sp>
-        <p:nvSpPr>
           <p:cNvPr id="20" name="Oval 19">
             <a:extLst>
               <a:ext uri="{FF2B5EF4-FFF2-40B4-BE49-F238E27FC236}">
@@ -17886,6 +18164,52 @@
           </a:p>
         </p:txBody>
       </p:sp>
+      <p:sp>
+        <p:nvSpPr>
+          <p:cNvPr id="7" name="Footer Placeholder 4">
+            <a:extLst>
+              <a:ext uri="{FF2B5EF4-FFF2-40B4-BE49-F238E27FC236}">
+                <a16:creationId xmlns:a16="http://schemas.microsoft.com/office/drawing/2014/main" id="{7E3D5B05-D159-2BB4-8B81-A90D2E2214BA}"/>
+              </a:ext>
+            </a:extLst>
+          </p:cNvPr>
+          <p:cNvSpPr>
+            <a:spLocks noGrp="1"/>
+          </p:cNvSpPr>
+          <p:nvPr>
+            <p:ph type="ftr" sz="quarter" idx="3"/>
+          </p:nvPr>
+        </p:nvSpPr>
+        <p:spPr>
+          <a:xfrm>
+            <a:off x="3028950" y="6356351"/>
+            <a:ext cx="3086100" cy="365125"/>
+          </a:xfrm>
+          <a:prstGeom prst="rect">
+            <a:avLst/>
+          </a:prstGeom>
+        </p:spPr>
+        <p:txBody>
+          <a:bodyPr vert="horz" lIns="91440" tIns="45720" rIns="91440" bIns="45720" rtlCol="0" anchor="ctr"/>
+          <a:lstStyle>
+            <a:lvl1pPr algn="ctr">
+              <a:defRPr sz="900">
+                <a:solidFill>
+                  <a:schemeClr val="tx1">
+                    <a:tint val="75000"/>
+                  </a:schemeClr>
+                </a:solidFill>
+              </a:defRPr>
+            </a:lvl1pPr>
+          </a:lstStyle>
+          <a:p>
+            <a:r>
+              <a:rPr lang="en-US" dirty="0"/>
+              <a:t>Kwartler</a:t>
+            </a:r>
+          </a:p>
+        </p:txBody>
+      </p:sp>
     </p:spTree>
     <p:extLst>
       <p:ext uri="{BB962C8B-B14F-4D97-AF65-F5344CB8AC3E}">
@@ -18041,43 +18365,9 @@
           <a:p>
             <a:fld id="{9B19E99B-5349-415A-8E56-8E989211A366}" type="datetime1">
               <a:rPr lang="en-US" smtClean="0"/>
-              <a:t>2/27/23</a:t>
+              <a:t>3/12/23</a:t>
             </a:fld>
             <a:endParaRPr lang="en-US"/>
-          </a:p>
-        </p:txBody>
-      </p:sp>
-      <p:sp>
-        <p:nvSpPr>
-          <p:cNvPr id="5" name="Footer Placeholder 5"/>
-          <p:cNvSpPr>
-            <a:spLocks noGrp="1"/>
-          </p:cNvSpPr>
-          <p:nvPr>
-            <p:ph type="ftr" sz="quarter" idx="3"/>
-          </p:nvPr>
-        </p:nvSpPr>
-        <p:spPr>
-          <a:xfrm>
-            <a:off x="3028950" y="6356351"/>
-            <a:ext cx="3086100" cy="365125"/>
-          </a:xfrm>
-        </p:spPr>
-        <p:txBody>
-          <a:bodyPr vert="horz" lIns="91440" tIns="45720" rIns="91440" bIns="45720" rtlCol="0" anchor="ctr"/>
-          <a:lstStyle/>
-          <a:p>
-            <a:pPr algn="ctr" defTabSz="914400"/>
-            <a:r>
-              <a:rPr lang="en-US" sz="900" dirty="0">
-                <a:solidFill>
-                  <a:schemeClr val="tx1">
-                    <a:tint val="75000"/>
-                  </a:schemeClr>
-                </a:solidFill>
-              </a:rPr>
-              <a:t>Kwartler CSCI -96</a:t>
-            </a:r>
           </a:p>
         </p:txBody>
       </p:sp>
@@ -18104,6 +18394,52 @@
             <a:r>
               <a:rPr lang="en-US" dirty="0"/>
               <a:t>62</a:t>
+            </a:r>
+          </a:p>
+        </p:txBody>
+      </p:sp>
+      <p:sp>
+        <p:nvSpPr>
+          <p:cNvPr id="2" name="Footer Placeholder 4">
+            <a:extLst>
+              <a:ext uri="{FF2B5EF4-FFF2-40B4-BE49-F238E27FC236}">
+                <a16:creationId xmlns:a16="http://schemas.microsoft.com/office/drawing/2014/main" id="{A379F41D-8E25-1EE5-9455-9A12E4CB6D8E}"/>
+              </a:ext>
+            </a:extLst>
+          </p:cNvPr>
+          <p:cNvSpPr>
+            <a:spLocks noGrp="1"/>
+          </p:cNvSpPr>
+          <p:nvPr>
+            <p:ph type="ftr" sz="quarter" idx="3"/>
+          </p:nvPr>
+        </p:nvSpPr>
+        <p:spPr>
+          <a:xfrm>
+            <a:off x="3028950" y="6356351"/>
+            <a:ext cx="3086100" cy="365125"/>
+          </a:xfrm>
+          <a:prstGeom prst="rect">
+            <a:avLst/>
+          </a:prstGeom>
+        </p:spPr>
+        <p:txBody>
+          <a:bodyPr vert="horz" lIns="91440" tIns="45720" rIns="91440" bIns="45720" rtlCol="0" anchor="ctr"/>
+          <a:lstStyle>
+            <a:lvl1pPr algn="ctr">
+              <a:defRPr sz="900">
+                <a:solidFill>
+                  <a:schemeClr val="tx1">
+                    <a:tint val="75000"/>
+                  </a:schemeClr>
+                </a:solidFill>
+              </a:defRPr>
+            </a:lvl1pPr>
+          </a:lstStyle>
+          <a:p>
+            <a:r>
+              <a:rPr lang="en-US" dirty="0"/>
+              <a:t>Kwartler</a:t>
             </a:r>
           </a:p>
         </p:txBody>
@@ -18191,7 +18527,7 @@
           <a:p>
             <a:fld id="{6700A58B-DD98-43D0-B791-721480A02982}" type="datetime1">
               <a:rPr lang="en-US" smtClean="0"/>
-              <a:t>2/27/23</a:t>
+              <a:t>3/12/23</a:t>
             </a:fld>
             <a:endParaRPr lang="en-US"/>
           </a:p>
@@ -18251,34 +18587,6 @@
               <a:t>28</a:t>
             </a:fld>
             <a:endParaRPr lang="en-US"/>
-          </a:p>
-        </p:txBody>
-      </p:sp>
-      <p:sp>
-        <p:nvSpPr>
-          <p:cNvPr id="5" name="Footer Placeholder 4">
-            <a:extLst>
-              <a:ext uri="{FF2B5EF4-FFF2-40B4-BE49-F238E27FC236}">
-                <a16:creationId xmlns:a16="http://schemas.microsoft.com/office/drawing/2014/main" id="{16F8BC43-5941-46AD-A185-8D6356B93980}"/>
-              </a:ext>
-            </a:extLst>
-          </p:cNvPr>
-          <p:cNvSpPr>
-            <a:spLocks noGrp="1"/>
-          </p:cNvSpPr>
-          <p:nvPr>
-            <p:ph type="ftr" sz="quarter" idx="3"/>
-          </p:nvPr>
-        </p:nvSpPr>
-        <p:spPr/>
-        <p:txBody>
-          <a:bodyPr/>
-          <a:lstStyle/>
-          <a:p>
-            <a:r>
-              <a:rPr lang="en-US" dirty="0"/>
-              <a:t>Kwartler CSCI -96</a:t>
-            </a:r>
           </a:p>
         </p:txBody>
       </p:sp>
@@ -18352,6 +18660,52 @@
               <a:ea typeface="+mn-ea"/>
               <a:cs typeface="+mn-cs"/>
             </a:endParaRPr>
+          </a:p>
+        </p:txBody>
+      </p:sp>
+      <p:sp>
+        <p:nvSpPr>
+          <p:cNvPr id="8" name="Footer Placeholder 4">
+            <a:extLst>
+              <a:ext uri="{FF2B5EF4-FFF2-40B4-BE49-F238E27FC236}">
+                <a16:creationId xmlns:a16="http://schemas.microsoft.com/office/drawing/2014/main" id="{D3009BE2-8030-405E-75BD-2C7CE8951C92}"/>
+              </a:ext>
+            </a:extLst>
+          </p:cNvPr>
+          <p:cNvSpPr>
+            <a:spLocks noGrp="1"/>
+          </p:cNvSpPr>
+          <p:nvPr>
+            <p:ph type="ftr" sz="quarter" idx="3"/>
+          </p:nvPr>
+        </p:nvSpPr>
+        <p:spPr>
+          <a:xfrm>
+            <a:off x="3028950" y="6356351"/>
+            <a:ext cx="3086100" cy="365125"/>
+          </a:xfrm>
+          <a:prstGeom prst="rect">
+            <a:avLst/>
+          </a:prstGeom>
+        </p:spPr>
+        <p:txBody>
+          <a:bodyPr vert="horz" lIns="91440" tIns="45720" rIns="91440" bIns="45720" rtlCol="0" anchor="ctr"/>
+          <a:lstStyle>
+            <a:lvl1pPr algn="ctr">
+              <a:defRPr sz="900">
+                <a:solidFill>
+                  <a:schemeClr val="tx1">
+                    <a:tint val="75000"/>
+                  </a:schemeClr>
+                </a:solidFill>
+              </a:defRPr>
+            </a:lvl1pPr>
+          </a:lstStyle>
+          <a:p>
+            <a:r>
+              <a:rPr lang="en-US" dirty="0"/>
+              <a:t>Kwartler</a:t>
+            </a:r>
           </a:p>
         </p:txBody>
       </p:sp>
@@ -18438,7 +18792,7 @@
           <a:p>
             <a:fld id="{6700A58B-DD98-43D0-B791-721480A02982}" type="datetime1">
               <a:rPr lang="en-US" smtClean="0"/>
-              <a:t>2/27/23</a:t>
+              <a:t>3/12/23</a:t>
             </a:fld>
             <a:endParaRPr lang="en-US"/>
           </a:p>
@@ -18498,34 +18852,6 @@
               <a:t>29</a:t>
             </a:fld>
             <a:endParaRPr lang="en-US"/>
-          </a:p>
-        </p:txBody>
-      </p:sp>
-      <p:sp>
-        <p:nvSpPr>
-          <p:cNvPr id="5" name="Footer Placeholder 4">
-            <a:extLst>
-              <a:ext uri="{FF2B5EF4-FFF2-40B4-BE49-F238E27FC236}">
-                <a16:creationId xmlns:a16="http://schemas.microsoft.com/office/drawing/2014/main" id="{16F8BC43-5941-46AD-A185-8D6356B93980}"/>
-              </a:ext>
-            </a:extLst>
-          </p:cNvPr>
-          <p:cNvSpPr>
-            <a:spLocks noGrp="1"/>
-          </p:cNvSpPr>
-          <p:nvPr>
-            <p:ph type="ftr" sz="quarter" idx="3"/>
-          </p:nvPr>
-        </p:nvSpPr>
-        <p:spPr/>
-        <p:txBody>
-          <a:bodyPr/>
-          <a:lstStyle/>
-          <a:p>
-            <a:r>
-              <a:rPr lang="en-US" dirty="0"/>
-              <a:t>Kwartler CSCI -96</a:t>
-            </a:r>
           </a:p>
         </p:txBody>
       </p:sp>
@@ -18669,6 +18995,52 @@
             <a:r>
               <a:rPr lang="en-US" dirty="0"/>
               <a:t>Age &lt; 22</a:t>
+            </a:r>
+          </a:p>
+        </p:txBody>
+      </p:sp>
+      <p:sp>
+        <p:nvSpPr>
+          <p:cNvPr id="8" name="Footer Placeholder 4">
+            <a:extLst>
+              <a:ext uri="{FF2B5EF4-FFF2-40B4-BE49-F238E27FC236}">
+                <a16:creationId xmlns:a16="http://schemas.microsoft.com/office/drawing/2014/main" id="{ED0961BF-AE29-D051-75BC-EAE59EC1E4D0}"/>
+              </a:ext>
+            </a:extLst>
+          </p:cNvPr>
+          <p:cNvSpPr>
+            <a:spLocks noGrp="1"/>
+          </p:cNvSpPr>
+          <p:nvPr>
+            <p:ph type="ftr" sz="quarter" idx="3"/>
+          </p:nvPr>
+        </p:nvSpPr>
+        <p:spPr>
+          <a:xfrm>
+            <a:off x="3028950" y="6356351"/>
+            <a:ext cx="3086100" cy="365125"/>
+          </a:xfrm>
+          <a:prstGeom prst="rect">
+            <a:avLst/>
+          </a:prstGeom>
+        </p:spPr>
+        <p:txBody>
+          <a:bodyPr vert="horz" lIns="91440" tIns="45720" rIns="91440" bIns="45720" rtlCol="0" anchor="ctr"/>
+          <a:lstStyle>
+            <a:lvl1pPr algn="ctr">
+              <a:defRPr sz="900">
+                <a:solidFill>
+                  <a:schemeClr val="tx1">
+                    <a:tint val="75000"/>
+                  </a:schemeClr>
+                </a:solidFill>
+              </a:defRPr>
+            </a:lvl1pPr>
+          </a:lstStyle>
+          <a:p>
+            <a:r>
+              <a:rPr lang="en-US" dirty="0"/>
+              <a:t>Kwartler</a:t>
             </a:r>
           </a:p>
         </p:txBody>
@@ -19124,31 +19496,9 @@
           <a:p>
             <a:fld id="{9B19E99B-5349-415A-8E56-8E989211A366}" type="datetime1">
               <a:rPr lang="en-US" smtClean="0"/>
-              <a:t>2/27/23</a:t>
+              <a:t>3/12/23</a:t>
             </a:fld>
             <a:endParaRPr lang="en-US"/>
-          </a:p>
-        </p:txBody>
-      </p:sp>
-      <p:sp>
-        <p:nvSpPr>
-          <p:cNvPr id="6" name="Footer Placeholder 5"/>
-          <p:cNvSpPr>
-            <a:spLocks noGrp="1"/>
-          </p:cNvSpPr>
-          <p:nvPr>
-            <p:ph type="ftr" sz="quarter" idx="3"/>
-          </p:nvPr>
-        </p:nvSpPr>
-        <p:spPr/>
-        <p:txBody>
-          <a:bodyPr/>
-          <a:lstStyle/>
-          <a:p>
-            <a:r>
-              <a:rPr lang="en-US" dirty="0"/>
-              <a:t>Kwartler CSCI -96</a:t>
-            </a:r>
           </a:p>
         </p:txBody>
       </p:sp>
@@ -19172,6 +19522,52 @@
               <a:t>3</a:t>
             </a:fld>
             <a:endParaRPr lang="en-US"/>
+          </a:p>
+        </p:txBody>
+      </p:sp>
+      <p:sp>
+        <p:nvSpPr>
+          <p:cNvPr id="3" name="Footer Placeholder 4">
+            <a:extLst>
+              <a:ext uri="{FF2B5EF4-FFF2-40B4-BE49-F238E27FC236}">
+                <a16:creationId xmlns:a16="http://schemas.microsoft.com/office/drawing/2014/main" id="{259F1D9D-0D44-3654-AC00-5D0B406F19C0}"/>
+              </a:ext>
+            </a:extLst>
+          </p:cNvPr>
+          <p:cNvSpPr>
+            <a:spLocks noGrp="1"/>
+          </p:cNvSpPr>
+          <p:nvPr>
+            <p:ph type="ftr" sz="quarter" idx="3"/>
+          </p:nvPr>
+        </p:nvSpPr>
+        <p:spPr>
+          <a:xfrm>
+            <a:off x="3028950" y="6356351"/>
+            <a:ext cx="3086100" cy="365125"/>
+          </a:xfrm>
+          <a:prstGeom prst="rect">
+            <a:avLst/>
+          </a:prstGeom>
+        </p:spPr>
+        <p:txBody>
+          <a:bodyPr vert="horz" lIns="91440" tIns="45720" rIns="91440" bIns="45720" rtlCol="0" anchor="ctr"/>
+          <a:lstStyle>
+            <a:lvl1pPr algn="ctr">
+              <a:defRPr sz="900">
+                <a:solidFill>
+                  <a:schemeClr val="tx1">
+                    <a:tint val="75000"/>
+                  </a:schemeClr>
+                </a:solidFill>
+              </a:defRPr>
+            </a:lvl1pPr>
+          </a:lstStyle>
+          <a:p>
+            <a:r>
+              <a:rPr lang="en-US" dirty="0"/>
+              <a:t>Kwartler</a:t>
+            </a:r>
           </a:p>
         </p:txBody>
       </p:sp>
@@ -19258,7 +19654,7 @@
           <a:p>
             <a:fld id="{6700A58B-DD98-43D0-B791-721480A02982}" type="datetime1">
               <a:rPr lang="en-US" smtClean="0"/>
-              <a:t>2/27/23</a:t>
+              <a:t>3/12/23</a:t>
             </a:fld>
             <a:endParaRPr lang="en-US"/>
           </a:p>
@@ -19318,34 +19714,6 @@
               <a:t>30</a:t>
             </a:fld>
             <a:endParaRPr lang="en-US"/>
-          </a:p>
-        </p:txBody>
-      </p:sp>
-      <p:sp>
-        <p:nvSpPr>
-          <p:cNvPr id="5" name="Footer Placeholder 4">
-            <a:extLst>
-              <a:ext uri="{FF2B5EF4-FFF2-40B4-BE49-F238E27FC236}">
-                <a16:creationId xmlns:a16="http://schemas.microsoft.com/office/drawing/2014/main" id="{16F8BC43-5941-46AD-A185-8D6356B93980}"/>
-              </a:ext>
-            </a:extLst>
-          </p:cNvPr>
-          <p:cNvSpPr>
-            <a:spLocks noGrp="1"/>
-          </p:cNvSpPr>
-          <p:nvPr>
-            <p:ph type="ftr" sz="quarter" idx="3"/>
-          </p:nvPr>
-        </p:nvSpPr>
-        <p:spPr/>
-        <p:txBody>
-          <a:bodyPr/>
-          <a:lstStyle/>
-          <a:p>
-            <a:r>
-              <a:rPr lang="en-US" dirty="0"/>
-              <a:t>Kwartler CSCI -96</a:t>
-            </a:r>
           </a:p>
         </p:txBody>
       </p:sp>
@@ -19633,6 +20001,52 @@
             <a:r>
               <a:rPr lang="en-US" dirty="0"/>
               <a:t>Duration &gt; 1100 </a:t>
+            </a:r>
+          </a:p>
+        </p:txBody>
+      </p:sp>
+      <p:sp>
+        <p:nvSpPr>
+          <p:cNvPr id="8" name="Footer Placeholder 4">
+            <a:extLst>
+              <a:ext uri="{FF2B5EF4-FFF2-40B4-BE49-F238E27FC236}">
+                <a16:creationId xmlns:a16="http://schemas.microsoft.com/office/drawing/2014/main" id="{6E3A9B09-073E-9F67-8405-4B22B6C7B74D}"/>
+              </a:ext>
+            </a:extLst>
+          </p:cNvPr>
+          <p:cNvSpPr>
+            <a:spLocks noGrp="1"/>
+          </p:cNvSpPr>
+          <p:nvPr>
+            <p:ph type="ftr" sz="quarter" idx="3"/>
+          </p:nvPr>
+        </p:nvSpPr>
+        <p:spPr>
+          <a:xfrm>
+            <a:off x="3028950" y="6356351"/>
+            <a:ext cx="3086100" cy="365125"/>
+          </a:xfrm>
+          <a:prstGeom prst="rect">
+            <a:avLst/>
+          </a:prstGeom>
+        </p:spPr>
+        <p:txBody>
+          <a:bodyPr vert="horz" lIns="91440" tIns="45720" rIns="91440" bIns="45720" rtlCol="0" anchor="ctr"/>
+          <a:lstStyle>
+            <a:lvl1pPr algn="ctr">
+              <a:defRPr sz="900">
+                <a:solidFill>
+                  <a:schemeClr val="tx1">
+                    <a:tint val="75000"/>
+                  </a:schemeClr>
+                </a:solidFill>
+              </a:defRPr>
+            </a:lvl1pPr>
+          </a:lstStyle>
+          <a:p>
+            <a:r>
+              <a:rPr lang="en-US" dirty="0"/>
+              <a:t>Kwartler</a:t>
             </a:r>
           </a:p>
         </p:txBody>
@@ -19720,7 +20134,7 @@
           <a:p>
             <a:fld id="{6700A58B-DD98-43D0-B791-721480A02982}" type="datetime1">
               <a:rPr lang="en-US" smtClean="0"/>
-              <a:t>2/27/23</a:t>
+              <a:t>3/12/23</a:t>
             </a:fld>
             <a:endParaRPr lang="en-US"/>
           </a:p>
@@ -19780,34 +20194,6 @@
               <a:t>31</a:t>
             </a:fld>
             <a:endParaRPr lang="en-US"/>
-          </a:p>
-        </p:txBody>
-      </p:sp>
-      <p:sp>
-        <p:nvSpPr>
-          <p:cNvPr id="5" name="Footer Placeholder 4">
-            <a:extLst>
-              <a:ext uri="{FF2B5EF4-FFF2-40B4-BE49-F238E27FC236}">
-                <a16:creationId xmlns:a16="http://schemas.microsoft.com/office/drawing/2014/main" id="{16F8BC43-5941-46AD-A185-8D6356B93980}"/>
-              </a:ext>
-            </a:extLst>
-          </p:cNvPr>
-          <p:cNvSpPr>
-            <a:spLocks noGrp="1"/>
-          </p:cNvSpPr>
-          <p:nvPr>
-            <p:ph type="ftr" sz="quarter" idx="3"/>
-          </p:nvPr>
-        </p:nvSpPr>
-        <p:spPr/>
-        <p:txBody>
-          <a:bodyPr/>
-          <a:lstStyle/>
-          <a:p>
-            <a:r>
-              <a:rPr lang="en-US" dirty="0"/>
-              <a:t>Kwartler CSCI -96</a:t>
-            </a:r>
           </a:p>
         </p:txBody>
       </p:sp>
@@ -21114,6 +21500,52 @@
           </a:fontRef>
         </p:style>
       </p:cxnSp>
+      <p:sp>
+        <p:nvSpPr>
+          <p:cNvPr id="8" name="Footer Placeholder 4">
+            <a:extLst>
+              <a:ext uri="{FF2B5EF4-FFF2-40B4-BE49-F238E27FC236}">
+                <a16:creationId xmlns:a16="http://schemas.microsoft.com/office/drawing/2014/main" id="{055552D3-59BE-9E64-F805-1FA34ACBB426}"/>
+              </a:ext>
+            </a:extLst>
+          </p:cNvPr>
+          <p:cNvSpPr>
+            <a:spLocks noGrp="1"/>
+          </p:cNvSpPr>
+          <p:nvPr>
+            <p:ph type="ftr" sz="quarter" idx="3"/>
+          </p:nvPr>
+        </p:nvSpPr>
+        <p:spPr>
+          <a:xfrm>
+            <a:off x="3028950" y="6356351"/>
+            <a:ext cx="3086100" cy="365125"/>
+          </a:xfrm>
+          <a:prstGeom prst="rect">
+            <a:avLst/>
+          </a:prstGeom>
+        </p:spPr>
+        <p:txBody>
+          <a:bodyPr vert="horz" lIns="91440" tIns="45720" rIns="91440" bIns="45720" rtlCol="0" anchor="ctr"/>
+          <a:lstStyle>
+            <a:lvl1pPr algn="ctr">
+              <a:defRPr sz="900">
+                <a:solidFill>
+                  <a:schemeClr val="tx1">
+                    <a:tint val="75000"/>
+                  </a:schemeClr>
+                </a:solidFill>
+              </a:defRPr>
+            </a:lvl1pPr>
+          </a:lstStyle>
+          <a:p>
+            <a:r>
+              <a:rPr lang="en-US" dirty="0"/>
+              <a:t>Kwartler</a:t>
+            </a:r>
+          </a:p>
+        </p:txBody>
+      </p:sp>
     </p:spTree>
     <p:extLst>
       <p:ext uri="{BB962C8B-B14F-4D97-AF65-F5344CB8AC3E}">
@@ -21167,7 +21599,7 @@
           <a:p>
             <a:fld id="{6700A58B-DD98-43D0-B791-721480A02982}" type="datetime1">
               <a:rPr lang="en-US" smtClean="0"/>
-              <a:t>2/27/23</a:t>
+              <a:t>3/12/23</a:t>
             </a:fld>
             <a:endParaRPr lang="en-US"/>
           </a:p>
@@ -21236,34 +21668,6 @@
       </p:sp>
       <p:sp>
         <p:nvSpPr>
-          <p:cNvPr id="5" name="Footer Placeholder 4">
-            <a:extLst>
-              <a:ext uri="{FF2B5EF4-FFF2-40B4-BE49-F238E27FC236}">
-                <a16:creationId xmlns:a16="http://schemas.microsoft.com/office/drawing/2014/main" id="{E9D85EC9-AA34-495A-B4B1-A3837FA9A4CA}"/>
-              </a:ext>
-            </a:extLst>
-          </p:cNvPr>
-          <p:cNvSpPr>
-            <a:spLocks noGrp="1"/>
-          </p:cNvSpPr>
-          <p:nvPr>
-            <p:ph type="ftr" sz="quarter" idx="3"/>
-          </p:nvPr>
-        </p:nvSpPr>
-        <p:spPr/>
-        <p:txBody>
-          <a:bodyPr/>
-          <a:lstStyle/>
-          <a:p>
-            <a:r>
-              <a:rPr lang="en-US" dirty="0"/>
-              <a:t>Kwartler CSCI -96</a:t>
-            </a:r>
-          </a:p>
-        </p:txBody>
-      </p:sp>
-      <p:sp>
-        <p:nvSpPr>
           <p:cNvPr id="7" name="TextBox 6">
             <a:extLst>
               <a:ext uri="{FF2B5EF4-FFF2-40B4-BE49-F238E27FC236}">
@@ -21276,7 +21680,7 @@
         </p:nvSpPr>
         <p:spPr>
           <a:xfrm>
-            <a:off x="324232" y="2733147"/>
+            <a:off x="324232" y="1315166"/>
             <a:ext cx="8495535" cy="1015663"/>
           </a:xfrm>
           <a:prstGeom prst="rect">
@@ -21363,6 +21767,199 @@
             <a:r>
               <a:rPr lang="en-US"/>
               <a:t>Setting cp to a negative amount ensures that the tree will be fully grown.</a:t>
+            </a:r>
+          </a:p>
+        </p:txBody>
+      </p:sp>
+      <p:graphicFrame>
+        <p:nvGraphicFramePr>
+          <p:cNvPr id="6" name="Table 5">
+            <a:extLst>
+              <a:ext uri="{FF2B5EF4-FFF2-40B4-BE49-F238E27FC236}">
+                <a16:creationId xmlns:a16="http://schemas.microsoft.com/office/drawing/2014/main" id="{A6DA2B01-1D70-B624-AF65-3F94D9DF0376}"/>
+              </a:ext>
+            </a:extLst>
+          </p:cNvPr>
+          <p:cNvGraphicFramePr>
+            <a:graphicFrameLocks noGrp="1"/>
+          </p:cNvGraphicFramePr>
+          <p:nvPr>
+            <p:extLst>
+              <p:ext uri="{D42A27DB-BD31-4B8C-83A1-F6EECF244321}">
+                <p14:modId xmlns:p14="http://schemas.microsoft.com/office/powerpoint/2010/main" val="2806349369"/>
+              </p:ext>
+            </p:extLst>
+          </p:nvPr>
+        </p:nvGraphicFramePr>
+        <p:xfrm>
+          <a:off x="306686" y="2690824"/>
+          <a:ext cx="7886700" cy="1310640"/>
+        </p:xfrm>
+        <a:graphic>
+          <a:graphicData uri="http://schemas.openxmlformats.org/drawingml/2006/table">
+            <a:tbl>
+              <a:tblPr/>
+              <a:tblGrid>
+                <a:gridCol w="3943350">
+                  <a:extLst>
+                    <a:ext uri="{9D8B030D-6E8A-4147-A177-3AD203B41FA5}">
+                      <a16:colId xmlns:a16="http://schemas.microsoft.com/office/drawing/2014/main" val="2113572153"/>
+                    </a:ext>
+                  </a:extLst>
+                </a:gridCol>
+                <a:gridCol w="3943350">
+                  <a:extLst>
+                    <a:ext uri="{9D8B030D-6E8A-4147-A177-3AD203B41FA5}">
+                      <a16:colId xmlns:a16="http://schemas.microsoft.com/office/drawing/2014/main" val="183701237"/>
+                    </a:ext>
+                  </a:extLst>
+                </a:gridCol>
+              </a:tblGrid>
+              <a:tr h="0">
+                <a:tc>
+                  <a:txBody>
+                    <a:bodyPr/>
+                    <a:lstStyle/>
+                    <a:p>
+                      <a:r>
+                        <a:rPr lang="en-US" sz="1000">
+                          <a:effectLst/>
+                          <a:latin typeface="SF Pro Text"/>
+                        </a:rPr>
+                        <a:t>cp</a:t>
+                      </a:r>
+                    </a:p>
+                  </a:txBody>
+                  <a:tcPr>
+                    <a:lnL>
+                      <a:noFill/>
+                    </a:lnL>
+                    <a:lnR>
+                      <a:noFill/>
+                    </a:lnR>
+                    <a:lnT>
+                      <a:noFill/>
+                    </a:lnT>
+                    <a:lnB>
+                      <a:noFill/>
+                    </a:lnB>
+                    <a:solidFill>
+                      <a:srgbClr val="FFFFFF"/>
+                    </a:solidFill>
+                  </a:tcPr>
+                </a:tc>
+                <a:tc>
+                  <a:txBody>
+                    <a:bodyPr/>
+                    <a:lstStyle/>
+                    <a:p>
+                      <a:r>
+                        <a:rPr lang="en-US" sz="1000" dirty="0">
+                          <a:effectLst/>
+                          <a:latin typeface="SF Pro Text"/>
+                        </a:rPr>
+                        <a:t>complexity parameter. Any split that does not decrease the overall lack of fit by a factor of cp is not attempted. For instance, with </a:t>
+                      </a:r>
+                      <a:r>
+                        <a:rPr lang="en-US" sz="1000" dirty="0" err="1">
+                          <a:effectLst/>
+                          <a:latin typeface="SF Pro Text"/>
+                        </a:rPr>
+                        <a:t>anova</a:t>
+                      </a:r>
+                      <a:r>
+                        <a:rPr lang="en-US" sz="1000" dirty="0">
+                          <a:effectLst/>
+                          <a:latin typeface="SF Pro Text"/>
+                        </a:rPr>
+                        <a:t> splitting [regression], this means that the overall R-squared must increase by cp at each step. The main role of this parameter is to save computing time by pruning off splits that are obviously not worthwhile. </a:t>
+                      </a:r>
+                      <a:r>
+                        <a:rPr lang="en-US" sz="1000" dirty="0" err="1">
+                          <a:effectLst/>
+                          <a:latin typeface="SF Pro Text"/>
+                        </a:rPr>
+                        <a:t>Essentially,the</a:t>
+                      </a:r>
+                      <a:r>
+                        <a:rPr lang="en-US" sz="1000" dirty="0">
+                          <a:effectLst/>
+                          <a:latin typeface="SF Pro Text"/>
+                        </a:rPr>
+                        <a:t> user informs the program that any split which does not improve the fit by cp will likely be pruned off by cross-validation, and that hence the program need not pursue it.</a:t>
+                      </a:r>
+                    </a:p>
+                  </a:txBody>
+                  <a:tcPr>
+                    <a:lnL>
+                      <a:noFill/>
+                    </a:lnL>
+                    <a:lnR>
+                      <a:noFill/>
+                    </a:lnR>
+                    <a:lnT>
+                      <a:noFill/>
+                    </a:lnT>
+                    <a:lnB>
+                      <a:noFill/>
+                    </a:lnB>
+                    <a:solidFill>
+                      <a:srgbClr val="FFFFFF"/>
+                    </a:solidFill>
+                  </a:tcPr>
+                </a:tc>
+                <a:extLst>
+                  <a:ext uri="{0D108BD9-81ED-4DB2-BD59-A6C34878D82A}">
+                    <a16:rowId xmlns:a16="http://schemas.microsoft.com/office/drawing/2014/main" val="2886538911"/>
+                  </a:ext>
+                </a:extLst>
+              </a:tr>
+            </a:tbl>
+          </a:graphicData>
+        </a:graphic>
+      </p:graphicFrame>
+      <p:sp>
+        <p:nvSpPr>
+          <p:cNvPr id="9" name="Footer Placeholder 4">
+            <a:extLst>
+              <a:ext uri="{FF2B5EF4-FFF2-40B4-BE49-F238E27FC236}">
+                <a16:creationId xmlns:a16="http://schemas.microsoft.com/office/drawing/2014/main" id="{755E6A41-0B6D-FF8C-CEA7-4D76CE86835C}"/>
+              </a:ext>
+            </a:extLst>
+          </p:cNvPr>
+          <p:cNvSpPr>
+            <a:spLocks noGrp="1"/>
+          </p:cNvSpPr>
+          <p:nvPr>
+            <p:ph type="ftr" sz="quarter" idx="3"/>
+          </p:nvPr>
+        </p:nvSpPr>
+        <p:spPr>
+          <a:xfrm>
+            <a:off x="3028950" y="6356351"/>
+            <a:ext cx="3086100" cy="365125"/>
+          </a:xfrm>
+          <a:prstGeom prst="rect">
+            <a:avLst/>
+          </a:prstGeom>
+        </p:spPr>
+        <p:txBody>
+          <a:bodyPr vert="horz" lIns="91440" tIns="45720" rIns="91440" bIns="45720" rtlCol="0" anchor="ctr"/>
+          <a:lstStyle>
+            <a:lvl1pPr algn="ctr">
+              <a:defRPr sz="900">
+                <a:solidFill>
+                  <a:schemeClr val="tx1">
+                    <a:tint val="75000"/>
+                  </a:schemeClr>
+                </a:solidFill>
+              </a:defRPr>
+            </a:lvl1pPr>
+          </a:lstStyle>
+          <a:p>
+            <a:r>
+              <a:rPr lang="en-US" dirty="0"/>
+              <a:t>Kwartler</a:t>
             </a:r>
           </a:p>
         </p:txBody>
@@ -21402,7 +21999,7 @@
           <p:cNvPr id="2" name="Date Placeholder 1">
             <a:extLst>
               <a:ext uri="{FF2B5EF4-FFF2-40B4-BE49-F238E27FC236}">
-                <a16:creationId xmlns:a16="http://schemas.microsoft.com/office/drawing/2014/main" id="{33B68FDF-BAA1-41D8-8639-0CC6E91B7C84}"/>
+                <a16:creationId xmlns:a16="http://schemas.microsoft.com/office/drawing/2014/main" id="{B3BCA4EC-EC8D-1BFB-375F-2939C9F53BBC}"/>
               </a:ext>
             </a:extLst>
           </p:cNvPr>
@@ -21420,7 +22017,7 @@
           <a:p>
             <a:fld id="{6700A58B-DD98-43D0-B791-721480A02982}" type="datetime1">
               <a:rPr lang="en-US" smtClean="0"/>
-              <a:t>2/27/23</a:t>
+              <a:t>3/12/23</a:t>
             </a:fld>
             <a:endParaRPr lang="en-US"/>
           </a:p>
@@ -21431,7 +22028,7 @@
           <p:cNvPr id="3" name="Title 2">
             <a:extLst>
               <a:ext uri="{FF2B5EF4-FFF2-40B4-BE49-F238E27FC236}">
-                <a16:creationId xmlns:a16="http://schemas.microsoft.com/office/drawing/2014/main" id="{EC8C470A-A9D9-4532-A35A-727A53F32E02}"/>
+                <a16:creationId xmlns:a16="http://schemas.microsoft.com/office/drawing/2014/main" id="{AB3408F8-8409-F0DE-B7EC-6EC50A3C5CE2}"/>
               </a:ext>
             </a:extLst>
           </p:cNvPr>
@@ -21448,24 +22045,12 @@
           <a:lstStyle/>
           <a:p>
             <a:r>
+              <a:rPr lang="en-US" dirty="0" err="1"/>
+              <a:t>minsplit</a:t>
+            </a:r>
+            <a:r>
               <a:rPr lang="en-US" dirty="0"/>
-              <a:t>Open </a:t>
-            </a:r>
-            <a:r>
-              <a:rPr lang="en-US" dirty="0" err="1"/>
-              <a:t>C_Bank</a:t>
-            </a:r>
-            <a:r>
-              <a:rPr lang="en-US" dirty="0"/>
-              <a:t> Loans Decision </a:t>
-            </a:r>
-            <a:r>
-              <a:rPr lang="en-US" dirty="0" err="1"/>
-              <a:t>Tree.R</a:t>
-            </a:r>
-            <a:r>
-              <a:rPr lang="en-US" dirty="0"/>
-              <a:t> </a:t>
+              <a:t> – minimum split parameter</a:t>
             </a:r>
           </a:p>
         </p:txBody>
@@ -21475,7 +22060,7 @@
           <p:cNvPr id="4" name="Slide Number Placeholder 3">
             <a:extLst>
               <a:ext uri="{FF2B5EF4-FFF2-40B4-BE49-F238E27FC236}">
-                <a16:creationId xmlns:a16="http://schemas.microsoft.com/office/drawing/2014/main" id="{823EBB99-0263-4790-B269-3B2EA3F7C622}"/>
+                <a16:creationId xmlns:a16="http://schemas.microsoft.com/office/drawing/2014/main" id="{9648BC34-EFC7-DFC0-77FD-BB0EE523228B}"/>
               </a:ext>
             </a:extLst>
           </p:cNvPr>
@@ -21499,12 +22084,825 @@
           </a:p>
         </p:txBody>
       </p:sp>
-      <p:sp>
-        <p:nvSpPr>
-          <p:cNvPr id="5" name="Footer Placeholder 4">
-            <a:extLst>
-              <a:ext uri="{FF2B5EF4-FFF2-40B4-BE49-F238E27FC236}">
-                <a16:creationId xmlns:a16="http://schemas.microsoft.com/office/drawing/2014/main" id="{5E552300-AFF7-4086-AA20-A5A6DFAD4207}"/>
+      <p:graphicFrame>
+        <p:nvGraphicFramePr>
+          <p:cNvPr id="6" name="Table 5">
+            <a:extLst>
+              <a:ext uri="{FF2B5EF4-FFF2-40B4-BE49-F238E27FC236}">
+                <a16:creationId xmlns:a16="http://schemas.microsoft.com/office/drawing/2014/main" id="{E7218FCC-8947-A66B-DACB-CD4C5A99C488}"/>
+              </a:ext>
+            </a:extLst>
+          </p:cNvPr>
+          <p:cNvGraphicFramePr>
+            <a:graphicFrameLocks noGrp="1"/>
+          </p:cNvGraphicFramePr>
+          <p:nvPr>
+            <p:extLst>
+              <p:ext uri="{D42A27DB-BD31-4B8C-83A1-F6EECF244321}">
+                <p14:modId xmlns:p14="http://schemas.microsoft.com/office/powerpoint/2010/main" val="2769583783"/>
+              </p:ext>
+            </p:extLst>
+          </p:nvPr>
+        </p:nvGraphicFramePr>
+        <p:xfrm>
+          <a:off x="628650" y="1295248"/>
+          <a:ext cx="7886700" cy="396240"/>
+        </p:xfrm>
+        <a:graphic>
+          <a:graphicData uri="http://schemas.openxmlformats.org/drawingml/2006/table">
+            <a:tbl>
+              <a:tblPr>
+                <a:tableStyleId>{616DA210-FB5B-4158-B5E0-FEB733F419BA}</a:tableStyleId>
+              </a:tblPr>
+              <a:tblGrid>
+                <a:gridCol w="3943350">
+                  <a:extLst>
+                    <a:ext uri="{9D8B030D-6E8A-4147-A177-3AD203B41FA5}">
+                      <a16:colId xmlns:a16="http://schemas.microsoft.com/office/drawing/2014/main" val="2470841748"/>
+                    </a:ext>
+                  </a:extLst>
+                </a:gridCol>
+                <a:gridCol w="3943350">
+                  <a:extLst>
+                    <a:ext uri="{9D8B030D-6E8A-4147-A177-3AD203B41FA5}">
+                      <a16:colId xmlns:a16="http://schemas.microsoft.com/office/drawing/2014/main" val="2654098478"/>
+                    </a:ext>
+                  </a:extLst>
+                </a:gridCol>
+              </a:tblGrid>
+              <a:tr h="0">
+                <a:tc>
+                  <a:txBody>
+                    <a:bodyPr/>
+                    <a:lstStyle/>
+                    <a:p>
+                      <a:r>
+                        <a:rPr lang="en-US" sz="1000" dirty="0" err="1">
+                          <a:effectLst/>
+                        </a:rPr>
+                        <a:t>minsplit</a:t>
+                      </a:r>
+                      <a:endParaRPr lang="en-US" sz="1000" dirty="0">
+                        <a:effectLst/>
+                        <a:latin typeface="SF Pro Text"/>
+                      </a:endParaRPr>
+                    </a:p>
+                  </a:txBody>
+                  <a:tcPr/>
+                </a:tc>
+                <a:tc>
+                  <a:txBody>
+                    <a:bodyPr/>
+                    <a:lstStyle/>
+                    <a:p>
+                      <a:r>
+                        <a:rPr lang="en-US" sz="1000" dirty="0">
+                          <a:effectLst/>
+                        </a:rPr>
+                        <a:t>the minimum number of observations that must exist in a node in order for a split to be attempted.</a:t>
+                      </a:r>
+                      <a:endParaRPr lang="en-US" sz="1000" dirty="0">
+                        <a:effectLst/>
+                        <a:latin typeface="SF Pro Text"/>
+                      </a:endParaRPr>
+                    </a:p>
+                  </a:txBody>
+                  <a:tcPr/>
+                </a:tc>
+                <a:extLst>
+                  <a:ext uri="{0D108BD9-81ED-4DB2-BD59-A6C34878D82A}">
+                    <a16:rowId xmlns:a16="http://schemas.microsoft.com/office/drawing/2014/main" val="2863337018"/>
+                  </a:ext>
+                </a:extLst>
+              </a:tr>
+            </a:tbl>
+          </a:graphicData>
+        </a:graphic>
+      </p:graphicFrame>
+      <p:grpSp>
+        <p:nvGrpSpPr>
+          <p:cNvPr id="7" name="Group 6">
+            <a:extLst>
+              <a:ext uri="{FF2B5EF4-FFF2-40B4-BE49-F238E27FC236}">
+                <a16:creationId xmlns:a16="http://schemas.microsoft.com/office/drawing/2014/main" id="{9E97B91C-64D9-5AB5-50A0-EEB270A53464}"/>
+              </a:ext>
+            </a:extLst>
+          </p:cNvPr>
+          <p:cNvGrpSpPr/>
+          <p:nvPr/>
+        </p:nvGrpSpPr>
+        <p:grpSpPr>
+          <a:xfrm>
+            <a:off x="2650881" y="2252000"/>
+            <a:ext cx="3256935" cy="3810000"/>
+            <a:chOff x="228600" y="1447800"/>
+            <a:chExt cx="4038600" cy="4724400"/>
+          </a:xfrm>
+        </p:grpSpPr>
+        <p:sp>
+          <p:nvSpPr>
+            <p:cNvPr id="8" name="Oval 7">
+              <a:extLst>
+                <a:ext uri="{FF2B5EF4-FFF2-40B4-BE49-F238E27FC236}">
+                  <a16:creationId xmlns:a16="http://schemas.microsoft.com/office/drawing/2014/main" id="{C1F44E03-EF55-0708-7A4B-8E6905793D60}"/>
+                </a:ext>
+              </a:extLst>
+            </p:cNvPr>
+            <p:cNvSpPr/>
+            <p:nvPr/>
+          </p:nvSpPr>
+          <p:spPr>
+            <a:xfrm>
+              <a:off x="1436077" y="1447800"/>
+              <a:ext cx="1249973" cy="1249973"/>
+            </a:xfrm>
+            <a:prstGeom prst="ellipse">
+              <a:avLst/>
+            </a:prstGeom>
+            <a:solidFill>
+              <a:schemeClr val="accent3"/>
+            </a:solidFill>
+            <a:ln>
+              <a:noFill/>
+            </a:ln>
+          </p:spPr>
+          <p:style>
+            <a:lnRef idx="2">
+              <a:schemeClr val="accent1">
+                <a:shade val="50000"/>
+              </a:schemeClr>
+            </a:lnRef>
+            <a:fillRef idx="1">
+              <a:schemeClr val="accent1"/>
+            </a:fillRef>
+            <a:effectRef idx="0">
+              <a:schemeClr val="accent1"/>
+            </a:effectRef>
+            <a:fontRef idx="minor">
+              <a:schemeClr val="lt1"/>
+            </a:fontRef>
+          </p:style>
+          <p:txBody>
+            <a:bodyPr rtlCol="0" anchor="ctr"/>
+            <a:lstStyle/>
+            <a:p>
+              <a:pPr algn="ctr"/>
+              <a:r>
+                <a:rPr lang="en-US" sz="1050" dirty="0"/>
+                <a:t>Age &gt; 68</a:t>
+              </a:r>
+            </a:p>
+          </p:txBody>
+        </p:sp>
+        <p:sp>
+          <p:nvSpPr>
+            <p:cNvPr id="9" name="Oval 8">
+              <a:extLst>
+                <a:ext uri="{FF2B5EF4-FFF2-40B4-BE49-F238E27FC236}">
+                  <a16:creationId xmlns:a16="http://schemas.microsoft.com/office/drawing/2014/main" id="{382F1BFB-72A8-E270-0A58-A2B14E33425D}"/>
+                </a:ext>
+              </a:extLst>
+            </p:cNvPr>
+            <p:cNvSpPr/>
+            <p:nvPr/>
+          </p:nvSpPr>
+          <p:spPr>
+            <a:xfrm>
+              <a:off x="652096" y="3188970"/>
+              <a:ext cx="1249973" cy="1249973"/>
+            </a:xfrm>
+            <a:prstGeom prst="ellipse">
+              <a:avLst/>
+            </a:prstGeom>
+            <a:solidFill>
+              <a:schemeClr val="accent3"/>
+            </a:solidFill>
+            <a:ln>
+              <a:noFill/>
+            </a:ln>
+          </p:spPr>
+          <p:style>
+            <a:lnRef idx="2">
+              <a:schemeClr val="accent1">
+                <a:shade val="50000"/>
+              </a:schemeClr>
+            </a:lnRef>
+            <a:fillRef idx="1">
+              <a:schemeClr val="accent1"/>
+            </a:fillRef>
+            <a:effectRef idx="0">
+              <a:schemeClr val="accent1"/>
+            </a:effectRef>
+            <a:fontRef idx="minor">
+              <a:schemeClr val="lt1"/>
+            </a:fontRef>
+          </p:style>
+          <p:txBody>
+            <a:bodyPr rtlCol="0" anchor="ctr"/>
+            <a:lstStyle/>
+            <a:p>
+              <a:pPr algn="ctr"/>
+              <a:r>
+                <a:rPr lang="en-US" sz="1050" dirty="0"/>
+                <a:t>Duration  &gt; 635</a:t>
+              </a:r>
+            </a:p>
+          </p:txBody>
+        </p:sp>
+        <p:cxnSp>
+          <p:nvCxnSpPr>
+            <p:cNvPr id="10" name="Straight Arrow Connector 9">
+              <a:extLst>
+                <a:ext uri="{FF2B5EF4-FFF2-40B4-BE49-F238E27FC236}">
+                  <a16:creationId xmlns:a16="http://schemas.microsoft.com/office/drawing/2014/main" id="{5B414472-D952-0D51-A5A9-AA28FCCB4867}"/>
+                </a:ext>
+              </a:extLst>
+            </p:cNvPr>
+            <p:cNvCxnSpPr>
+              <a:stCxn id="8" idx="3"/>
+              <a:endCxn id="9" idx="0"/>
+            </p:cNvCxnSpPr>
+            <p:nvPr/>
+          </p:nvCxnSpPr>
+          <p:spPr>
+            <a:xfrm flipH="1">
+              <a:off x="1277083" y="2514719"/>
+              <a:ext cx="342048" cy="674251"/>
+            </a:xfrm>
+            <a:prstGeom prst="straightConnector1">
+              <a:avLst/>
+            </a:prstGeom>
+            <a:ln>
+              <a:solidFill>
+                <a:schemeClr val="accent4"/>
+              </a:solidFill>
+              <a:tailEnd type="triangle"/>
+            </a:ln>
+          </p:spPr>
+          <p:style>
+            <a:lnRef idx="1">
+              <a:schemeClr val="accent1"/>
+            </a:lnRef>
+            <a:fillRef idx="0">
+              <a:schemeClr val="accent1"/>
+            </a:fillRef>
+            <a:effectRef idx="0">
+              <a:schemeClr val="accent1"/>
+            </a:effectRef>
+            <a:fontRef idx="minor">
+              <a:schemeClr val="tx1"/>
+            </a:fontRef>
+          </p:style>
+        </p:cxnSp>
+        <p:sp>
+          <p:nvSpPr>
+            <p:cNvPr id="11" name="Rectangle 10">
+              <a:extLst>
+                <a:ext uri="{FF2B5EF4-FFF2-40B4-BE49-F238E27FC236}">
+                  <a16:creationId xmlns:a16="http://schemas.microsoft.com/office/drawing/2014/main" id="{F4A75426-C72A-4B4B-E934-3C916AC889B3}"/>
+                </a:ext>
+              </a:extLst>
+            </p:cNvPr>
+            <p:cNvSpPr/>
+            <p:nvPr/>
+          </p:nvSpPr>
+          <p:spPr>
+            <a:xfrm>
+              <a:off x="228600" y="5562600"/>
+              <a:ext cx="1048483" cy="609600"/>
+            </a:xfrm>
+            <a:prstGeom prst="rect">
+              <a:avLst/>
+            </a:prstGeom>
+            <a:solidFill>
+              <a:schemeClr val="accent5"/>
+            </a:solidFill>
+            <a:ln>
+              <a:solidFill>
+                <a:schemeClr val="accent5"/>
+              </a:solidFill>
+            </a:ln>
+          </p:spPr>
+          <p:style>
+            <a:lnRef idx="2">
+              <a:schemeClr val="accent1">
+                <a:shade val="50000"/>
+              </a:schemeClr>
+            </a:lnRef>
+            <a:fillRef idx="1">
+              <a:schemeClr val="accent1"/>
+            </a:fillRef>
+            <a:effectRef idx="0">
+              <a:schemeClr val="accent1"/>
+            </a:effectRef>
+            <a:fontRef idx="minor">
+              <a:schemeClr val="lt1"/>
+            </a:fontRef>
+          </p:style>
+          <p:txBody>
+            <a:bodyPr rot="0" spcFirstLastPara="0" vertOverflow="overflow" horzOverflow="overflow" vert="horz" wrap="square" lIns="91440" tIns="45720" rIns="91440" bIns="45720" numCol="1" spcCol="0" rtlCol="0" fromWordArt="0" anchor="ctr" anchorCtr="0" forceAA="0" compatLnSpc="1">
+              <a:prstTxWarp prst="textNoShape">
+                <a:avLst/>
+              </a:prstTxWarp>
+              <a:noAutofit/>
+            </a:bodyPr>
+            <a:lstStyle/>
+            <a:p>
+              <a:pPr algn="ctr"/>
+              <a:r>
+                <a:rPr lang="en-US" sz="1050" dirty="0"/>
+                <a:t>No (9 of 91)</a:t>
+              </a:r>
+            </a:p>
+          </p:txBody>
+        </p:sp>
+        <p:sp>
+          <p:nvSpPr>
+            <p:cNvPr id="12" name="Rectangle 11">
+              <a:extLst>
+                <a:ext uri="{FF2B5EF4-FFF2-40B4-BE49-F238E27FC236}">
+                  <a16:creationId xmlns:a16="http://schemas.microsoft.com/office/drawing/2014/main" id="{971B074E-0FA7-C699-6BBF-FE6C24D59D71}"/>
+                </a:ext>
+              </a:extLst>
+            </p:cNvPr>
+            <p:cNvSpPr/>
+            <p:nvPr/>
+          </p:nvSpPr>
+          <p:spPr>
+            <a:xfrm>
+              <a:off x="1723658" y="5562600"/>
+              <a:ext cx="1048483" cy="609600"/>
+            </a:xfrm>
+            <a:prstGeom prst="rect">
+              <a:avLst/>
+            </a:prstGeom>
+            <a:solidFill>
+              <a:schemeClr val="accent5"/>
+            </a:solidFill>
+            <a:ln>
+              <a:solidFill>
+                <a:schemeClr val="accent5"/>
+              </a:solidFill>
+            </a:ln>
+          </p:spPr>
+          <p:style>
+            <a:lnRef idx="2">
+              <a:schemeClr val="accent1">
+                <a:shade val="50000"/>
+              </a:schemeClr>
+            </a:lnRef>
+            <a:fillRef idx="1">
+              <a:schemeClr val="accent1"/>
+            </a:fillRef>
+            <a:effectRef idx="0">
+              <a:schemeClr val="accent1"/>
+            </a:effectRef>
+            <a:fontRef idx="minor">
+              <a:schemeClr val="lt1"/>
+            </a:fontRef>
+          </p:style>
+          <p:txBody>
+            <a:bodyPr rot="0" spcFirstLastPara="0" vertOverflow="overflow" horzOverflow="overflow" vert="horz" wrap="square" lIns="91440" tIns="45720" rIns="91440" bIns="45720" numCol="1" spcCol="0" rtlCol="0" fromWordArt="0" anchor="ctr" anchorCtr="0" forceAA="0" compatLnSpc="1">
+              <a:prstTxWarp prst="textNoShape">
+                <a:avLst/>
+              </a:prstTxWarp>
+              <a:noAutofit/>
+            </a:bodyPr>
+            <a:lstStyle/>
+            <a:p>
+              <a:pPr algn="ctr"/>
+              <a:r>
+                <a:rPr lang="en-US" sz="1050" dirty="0"/>
+                <a:t>Yes (6 of 8)</a:t>
+              </a:r>
+            </a:p>
+          </p:txBody>
+        </p:sp>
+        <p:sp>
+          <p:nvSpPr>
+            <p:cNvPr id="13" name="Rectangle 12">
+              <a:extLst>
+                <a:ext uri="{FF2B5EF4-FFF2-40B4-BE49-F238E27FC236}">
+                  <a16:creationId xmlns:a16="http://schemas.microsoft.com/office/drawing/2014/main" id="{B375F050-16BA-5C63-FEFA-EA563A010A05}"/>
+                </a:ext>
+              </a:extLst>
+            </p:cNvPr>
+            <p:cNvSpPr/>
+            <p:nvPr/>
+          </p:nvSpPr>
+          <p:spPr>
+            <a:xfrm>
+              <a:off x="3218717" y="5562600"/>
+              <a:ext cx="1048483" cy="609600"/>
+            </a:xfrm>
+            <a:prstGeom prst="rect">
+              <a:avLst/>
+            </a:prstGeom>
+            <a:solidFill>
+              <a:schemeClr val="accent5"/>
+            </a:solidFill>
+            <a:ln>
+              <a:solidFill>
+                <a:schemeClr val="accent5"/>
+              </a:solidFill>
+            </a:ln>
+          </p:spPr>
+          <p:style>
+            <a:lnRef idx="2">
+              <a:schemeClr val="accent1">
+                <a:shade val="50000"/>
+              </a:schemeClr>
+            </a:lnRef>
+            <a:fillRef idx="1">
+              <a:schemeClr val="accent1"/>
+            </a:fillRef>
+            <a:effectRef idx="0">
+              <a:schemeClr val="accent1"/>
+            </a:effectRef>
+            <a:fontRef idx="minor">
+              <a:schemeClr val="lt1"/>
+            </a:fontRef>
+          </p:style>
+          <p:txBody>
+            <a:bodyPr rtlCol="0" anchor="ctr"/>
+            <a:lstStyle/>
+            <a:p>
+              <a:pPr algn="ctr"/>
+              <a:r>
+                <a:rPr lang="en-US" sz="1050" dirty="0"/>
+                <a:t>Yes</a:t>
+              </a:r>
+            </a:p>
+            <a:p>
+              <a:pPr algn="ctr"/>
+              <a:r>
+                <a:rPr lang="en-US" sz="1050" dirty="0"/>
+                <a:t>(1 of 1) </a:t>
+              </a:r>
+            </a:p>
+          </p:txBody>
+        </p:sp>
+        <p:cxnSp>
+          <p:nvCxnSpPr>
+            <p:cNvPr id="14" name="Straight Arrow Connector 13">
+              <a:extLst>
+                <a:ext uri="{FF2B5EF4-FFF2-40B4-BE49-F238E27FC236}">
+                  <a16:creationId xmlns:a16="http://schemas.microsoft.com/office/drawing/2014/main" id="{72579843-0CC1-B4C9-4353-A6187773A04C}"/>
+                </a:ext>
+              </a:extLst>
+            </p:cNvPr>
+            <p:cNvCxnSpPr>
+              <a:cxnSpLocks/>
+              <a:stCxn id="8" idx="5"/>
+              <a:endCxn id="13" idx="0"/>
+            </p:cNvCxnSpPr>
+            <p:nvPr/>
+          </p:nvCxnSpPr>
+          <p:spPr>
+            <a:xfrm>
+              <a:off x="2502996" y="2514719"/>
+              <a:ext cx="1239963" cy="3047881"/>
+            </a:xfrm>
+            <a:prstGeom prst="straightConnector1">
+              <a:avLst/>
+            </a:prstGeom>
+            <a:ln>
+              <a:solidFill>
+                <a:schemeClr val="accent4"/>
+              </a:solidFill>
+              <a:tailEnd type="triangle"/>
+            </a:ln>
+          </p:spPr>
+          <p:style>
+            <a:lnRef idx="1">
+              <a:schemeClr val="accent1"/>
+            </a:lnRef>
+            <a:fillRef idx="0">
+              <a:schemeClr val="accent1"/>
+            </a:fillRef>
+            <a:effectRef idx="0">
+              <a:schemeClr val="accent1"/>
+            </a:effectRef>
+            <a:fontRef idx="minor">
+              <a:schemeClr val="tx1"/>
+            </a:fontRef>
+          </p:style>
+        </p:cxnSp>
+        <p:cxnSp>
+          <p:nvCxnSpPr>
+            <p:cNvPr id="15" name="Straight Arrow Connector 14">
+              <a:extLst>
+                <a:ext uri="{FF2B5EF4-FFF2-40B4-BE49-F238E27FC236}">
+                  <a16:creationId xmlns:a16="http://schemas.microsoft.com/office/drawing/2014/main" id="{5F22F8D8-6312-7F2F-CEC7-B1B6EBBC4A03}"/>
+                </a:ext>
+              </a:extLst>
+            </p:cNvPr>
+            <p:cNvCxnSpPr>
+              <a:stCxn id="9" idx="5"/>
+              <a:endCxn id="12" idx="0"/>
+            </p:cNvCxnSpPr>
+            <p:nvPr/>
+          </p:nvCxnSpPr>
+          <p:spPr>
+            <a:xfrm>
+              <a:off x="1719015" y="4255889"/>
+              <a:ext cx="528885" cy="1306711"/>
+            </a:xfrm>
+            <a:prstGeom prst="straightConnector1">
+              <a:avLst/>
+            </a:prstGeom>
+            <a:ln>
+              <a:solidFill>
+                <a:schemeClr val="accent4"/>
+              </a:solidFill>
+              <a:tailEnd type="triangle"/>
+            </a:ln>
+          </p:spPr>
+          <p:style>
+            <a:lnRef idx="1">
+              <a:schemeClr val="accent1"/>
+            </a:lnRef>
+            <a:fillRef idx="0">
+              <a:schemeClr val="accent1"/>
+            </a:fillRef>
+            <a:effectRef idx="0">
+              <a:schemeClr val="accent1"/>
+            </a:effectRef>
+            <a:fontRef idx="minor">
+              <a:schemeClr val="tx1"/>
+            </a:fontRef>
+          </p:style>
+        </p:cxnSp>
+        <p:cxnSp>
+          <p:nvCxnSpPr>
+            <p:cNvPr id="16" name="Straight Arrow Connector 15">
+              <a:extLst>
+                <a:ext uri="{FF2B5EF4-FFF2-40B4-BE49-F238E27FC236}">
+                  <a16:creationId xmlns:a16="http://schemas.microsoft.com/office/drawing/2014/main" id="{1DC546F8-49C3-DCC5-43B2-9E23F59388BF}"/>
+                </a:ext>
+              </a:extLst>
+            </p:cNvPr>
+            <p:cNvCxnSpPr>
+              <a:cxnSpLocks/>
+              <a:stCxn id="9" idx="3"/>
+              <a:endCxn id="11" idx="0"/>
+            </p:cNvCxnSpPr>
+            <p:nvPr/>
+          </p:nvCxnSpPr>
+          <p:spPr>
+            <a:xfrm flipH="1">
+              <a:off x="752842" y="4255889"/>
+              <a:ext cx="82308" cy="1306711"/>
+            </a:xfrm>
+            <a:prstGeom prst="straightConnector1">
+              <a:avLst/>
+            </a:prstGeom>
+            <a:ln>
+              <a:solidFill>
+                <a:schemeClr val="accent4"/>
+              </a:solidFill>
+              <a:tailEnd type="triangle"/>
+            </a:ln>
+          </p:spPr>
+          <p:style>
+            <a:lnRef idx="1">
+              <a:schemeClr val="accent1"/>
+            </a:lnRef>
+            <a:fillRef idx="0">
+              <a:schemeClr val="accent1"/>
+            </a:fillRef>
+            <a:effectRef idx="0">
+              <a:schemeClr val="accent1"/>
+            </a:effectRef>
+            <a:fontRef idx="minor">
+              <a:schemeClr val="tx1"/>
+            </a:fontRef>
+          </p:style>
+        </p:cxnSp>
+        <p:sp>
+          <p:nvSpPr>
+            <p:cNvPr id="17" name="TextBox 16">
+              <a:extLst>
+                <a:ext uri="{FF2B5EF4-FFF2-40B4-BE49-F238E27FC236}">
+                  <a16:creationId xmlns:a16="http://schemas.microsoft.com/office/drawing/2014/main" id="{06CE95D9-86BE-95C4-D279-EFAA0E969837}"/>
+                </a:ext>
+              </a:extLst>
+            </p:cNvPr>
+            <p:cNvSpPr txBox="1"/>
+            <p:nvPr/>
+          </p:nvSpPr>
+          <p:spPr>
+            <a:xfrm>
+              <a:off x="2529382" y="2377943"/>
+              <a:ext cx="386837" cy="276999"/>
+            </a:xfrm>
+            <a:prstGeom prst="rect">
+              <a:avLst/>
+            </a:prstGeom>
+            <a:noFill/>
+          </p:spPr>
+          <p:txBody>
+            <a:bodyPr wrap="none" rtlCol="0">
+              <a:spAutoFit/>
+            </a:bodyPr>
+            <a:lstStyle/>
+            <a:p>
+              <a:r>
+                <a:rPr lang="en-US" sz="1200" dirty="0"/>
+                <a:t>Yes</a:t>
+              </a:r>
+            </a:p>
+          </p:txBody>
+        </p:sp>
+        <p:sp>
+          <p:nvSpPr>
+            <p:cNvPr id="18" name="TextBox 17">
+              <a:extLst>
+                <a:ext uri="{FF2B5EF4-FFF2-40B4-BE49-F238E27FC236}">
+                  <a16:creationId xmlns:a16="http://schemas.microsoft.com/office/drawing/2014/main" id="{07112925-4CB9-3902-F30D-63328E93AA51}"/>
+                </a:ext>
+              </a:extLst>
+            </p:cNvPr>
+            <p:cNvSpPr txBox="1"/>
+            <p:nvPr/>
+          </p:nvSpPr>
+          <p:spPr>
+            <a:xfrm>
+              <a:off x="1735996" y="4042455"/>
+              <a:ext cx="386837" cy="276999"/>
+            </a:xfrm>
+            <a:prstGeom prst="rect">
+              <a:avLst/>
+            </a:prstGeom>
+            <a:noFill/>
+          </p:spPr>
+          <p:txBody>
+            <a:bodyPr wrap="none" rtlCol="0">
+              <a:spAutoFit/>
+            </a:bodyPr>
+            <a:lstStyle/>
+            <a:p>
+              <a:r>
+                <a:rPr lang="en-US" sz="1200" dirty="0"/>
+                <a:t>Yes</a:t>
+              </a:r>
+            </a:p>
+          </p:txBody>
+        </p:sp>
+        <p:sp>
+          <p:nvSpPr>
+            <p:cNvPr id="19" name="TextBox 18">
+              <a:extLst>
+                <a:ext uri="{FF2B5EF4-FFF2-40B4-BE49-F238E27FC236}">
+                  <a16:creationId xmlns:a16="http://schemas.microsoft.com/office/drawing/2014/main" id="{2A271F37-4783-35B9-1D7F-5EDE7C427E02}"/>
+                </a:ext>
+              </a:extLst>
+            </p:cNvPr>
+            <p:cNvSpPr txBox="1"/>
+            <p:nvPr/>
+          </p:nvSpPr>
+          <p:spPr>
+            <a:xfrm>
+              <a:off x="1193485" y="2331783"/>
+              <a:ext cx="365806" cy="276999"/>
+            </a:xfrm>
+            <a:prstGeom prst="rect">
+              <a:avLst/>
+            </a:prstGeom>
+            <a:noFill/>
+          </p:spPr>
+          <p:txBody>
+            <a:bodyPr wrap="none" rtlCol="0">
+              <a:spAutoFit/>
+            </a:bodyPr>
+            <a:lstStyle/>
+            <a:p>
+              <a:r>
+                <a:rPr lang="en-US" sz="1200" dirty="0"/>
+                <a:t>No</a:t>
+              </a:r>
+            </a:p>
+          </p:txBody>
+        </p:sp>
+        <p:sp>
+          <p:nvSpPr>
+            <p:cNvPr id="20" name="TextBox 19">
+              <a:extLst>
+                <a:ext uri="{FF2B5EF4-FFF2-40B4-BE49-F238E27FC236}">
+                  <a16:creationId xmlns:a16="http://schemas.microsoft.com/office/drawing/2014/main" id="{E9430AD3-7FD5-DEBC-2481-5324FC0E4974}"/>
+                </a:ext>
+              </a:extLst>
+            </p:cNvPr>
+            <p:cNvSpPr txBox="1"/>
+            <p:nvPr/>
+          </p:nvSpPr>
+          <p:spPr>
+            <a:xfrm>
+              <a:off x="436081" y="4082164"/>
+              <a:ext cx="365806" cy="276999"/>
+            </a:xfrm>
+            <a:prstGeom prst="rect">
+              <a:avLst/>
+            </a:prstGeom>
+            <a:noFill/>
+          </p:spPr>
+          <p:txBody>
+            <a:bodyPr wrap="none" rtlCol="0">
+              <a:spAutoFit/>
+            </a:bodyPr>
+            <a:lstStyle/>
+            <a:p>
+              <a:r>
+                <a:rPr lang="en-US" sz="1200" dirty="0"/>
+                <a:t>No</a:t>
+              </a:r>
+            </a:p>
+          </p:txBody>
+        </p:sp>
+      </p:grpSp>
+      <p:sp>
+        <p:nvSpPr>
+          <p:cNvPr id="21" name="TextBox 20">
+            <a:extLst>
+              <a:ext uri="{FF2B5EF4-FFF2-40B4-BE49-F238E27FC236}">
+                <a16:creationId xmlns:a16="http://schemas.microsoft.com/office/drawing/2014/main" id="{331701C6-BB68-D9B1-566D-51E6322627ED}"/>
+              </a:ext>
+            </a:extLst>
+          </p:cNvPr>
+          <p:cNvSpPr txBox="1"/>
+          <p:nvPr/>
+        </p:nvSpPr>
+        <p:spPr>
+          <a:xfrm>
+            <a:off x="5690764" y="2187077"/>
+            <a:ext cx="3036735" cy="923330"/>
+          </a:xfrm>
+          <a:prstGeom prst="rect">
+            <a:avLst/>
+          </a:prstGeom>
+          <a:noFill/>
+        </p:spPr>
+        <p:txBody>
+          <a:bodyPr wrap="square" rtlCol="0">
+            <a:spAutoFit/>
+          </a:bodyPr>
+          <a:lstStyle/>
+          <a:p>
+            <a:r>
+              <a:rPr lang="en-US" dirty="0"/>
+              <a:t>Split minimum number of observations at a decision node. </a:t>
+            </a:r>
+          </a:p>
+        </p:txBody>
+      </p:sp>
+      <p:cxnSp>
+        <p:nvCxnSpPr>
+          <p:cNvPr id="23" name="Straight Arrow Connector 22">
+            <a:extLst>
+              <a:ext uri="{FF2B5EF4-FFF2-40B4-BE49-F238E27FC236}">
+                <a16:creationId xmlns:a16="http://schemas.microsoft.com/office/drawing/2014/main" id="{76F8B6F6-A4E1-5F79-20F3-253D9B69A97C}"/>
+              </a:ext>
+            </a:extLst>
+          </p:cNvPr>
+          <p:cNvCxnSpPr>
+            <a:cxnSpLocks/>
+            <a:stCxn id="21" idx="1"/>
+          </p:cNvCxnSpPr>
+          <p:nvPr/>
+        </p:nvCxnSpPr>
+        <p:spPr>
+          <a:xfrm flipH="1">
+            <a:off x="4818315" y="2648742"/>
+            <a:ext cx="872449" cy="0"/>
+          </a:xfrm>
+          <a:prstGeom prst="straightConnector1">
+            <a:avLst/>
+          </a:prstGeom>
+          <a:ln>
+            <a:tailEnd type="triangle"/>
+          </a:ln>
+        </p:spPr>
+        <p:style>
+          <a:lnRef idx="1">
+            <a:schemeClr val="accent1"/>
+          </a:lnRef>
+          <a:fillRef idx="0">
+            <a:schemeClr val="accent1"/>
+          </a:fillRef>
+          <a:effectRef idx="0">
+            <a:schemeClr val="accent1"/>
+          </a:effectRef>
+          <a:fontRef idx="minor">
+            <a:schemeClr val="tx1"/>
+          </a:fontRef>
+        </p:style>
+      </p:cxnSp>
+      <p:sp>
+        <p:nvSpPr>
+          <p:cNvPr id="27" name="Footer Placeholder 4">
+            <a:extLst>
+              <a:ext uri="{FF2B5EF4-FFF2-40B4-BE49-F238E27FC236}">
+                <a16:creationId xmlns:a16="http://schemas.microsoft.com/office/drawing/2014/main" id="{883AB6C7-010A-E17B-DE8A-59D7AF4D94C6}"/>
               </a:ext>
             </a:extLst>
           </p:cNvPr>
@@ -21515,14 +22913,32 @@
             <p:ph type="ftr" sz="quarter" idx="3"/>
           </p:nvPr>
         </p:nvSpPr>
-        <p:spPr/>
-        <p:txBody>
-          <a:bodyPr/>
-          <a:lstStyle/>
+        <p:spPr>
+          <a:xfrm>
+            <a:off x="3028950" y="6356351"/>
+            <a:ext cx="3086100" cy="365125"/>
+          </a:xfrm>
+          <a:prstGeom prst="rect">
+            <a:avLst/>
+          </a:prstGeom>
+        </p:spPr>
+        <p:txBody>
+          <a:bodyPr vert="horz" lIns="91440" tIns="45720" rIns="91440" bIns="45720" rtlCol="0" anchor="ctr"/>
+          <a:lstStyle>
+            <a:lvl1pPr algn="ctr">
+              <a:defRPr sz="900">
+                <a:solidFill>
+                  <a:schemeClr val="tx1">
+                    <a:tint val="75000"/>
+                  </a:schemeClr>
+                </a:solidFill>
+              </a:defRPr>
+            </a:lvl1pPr>
+          </a:lstStyle>
           <a:p>
             <a:r>
               <a:rPr lang="en-US" dirty="0"/>
-              <a:t>Kwartler CSCI -96</a:t>
+              <a:t>Kwartler</a:t>
             </a:r>
           </a:p>
         </p:txBody>
@@ -21530,7 +22946,7 @@
     </p:spTree>
     <p:extLst>
       <p:ext uri="{BB962C8B-B14F-4D97-AF65-F5344CB8AC3E}">
-        <p14:creationId xmlns:p14="http://schemas.microsoft.com/office/powerpoint/2010/main" val="1210889520"/>
+        <p14:creationId xmlns:p14="http://schemas.microsoft.com/office/powerpoint/2010/main" val="113160108"/>
       </p:ext>
     </p:extLst>
   </p:cSld>
@@ -21559,6 +22975,1236 @@
       </p:grpSpPr>
       <p:sp>
         <p:nvSpPr>
+          <p:cNvPr id="2" name="Date Placeholder 1">
+            <a:extLst>
+              <a:ext uri="{FF2B5EF4-FFF2-40B4-BE49-F238E27FC236}">
+                <a16:creationId xmlns:a16="http://schemas.microsoft.com/office/drawing/2014/main" id="{B3BCA4EC-EC8D-1BFB-375F-2939C9F53BBC}"/>
+              </a:ext>
+            </a:extLst>
+          </p:cNvPr>
+          <p:cNvSpPr>
+            <a:spLocks noGrp="1"/>
+          </p:cNvSpPr>
+          <p:nvPr>
+            <p:ph type="dt" sz="half" idx="10"/>
+          </p:nvPr>
+        </p:nvSpPr>
+        <p:spPr/>
+        <p:txBody>
+          <a:bodyPr/>
+          <a:lstStyle/>
+          <a:p>
+            <a:fld id="{6700A58B-DD98-43D0-B791-721480A02982}" type="datetime1">
+              <a:rPr lang="en-US" smtClean="0"/>
+              <a:t>3/12/23</a:t>
+            </a:fld>
+            <a:endParaRPr lang="en-US"/>
+          </a:p>
+        </p:txBody>
+      </p:sp>
+      <p:sp>
+        <p:nvSpPr>
+          <p:cNvPr id="3" name="Title 2">
+            <a:extLst>
+              <a:ext uri="{FF2B5EF4-FFF2-40B4-BE49-F238E27FC236}">
+                <a16:creationId xmlns:a16="http://schemas.microsoft.com/office/drawing/2014/main" id="{AB3408F8-8409-F0DE-B7EC-6EC50A3C5CE2}"/>
+              </a:ext>
+            </a:extLst>
+          </p:cNvPr>
+          <p:cNvSpPr>
+            <a:spLocks noGrp="1"/>
+          </p:cNvSpPr>
+          <p:nvPr>
+            <p:ph type="title"/>
+          </p:nvPr>
+        </p:nvSpPr>
+        <p:spPr/>
+        <p:txBody>
+          <a:bodyPr/>
+          <a:lstStyle/>
+          <a:p>
+            <a:r>
+              <a:rPr lang="en-US" dirty="0" err="1"/>
+              <a:t>minbucket</a:t>
+            </a:r>
+            <a:r>
+              <a:rPr lang="en-US" dirty="0"/>
+              <a:t> – minimum bucket parameter</a:t>
+            </a:r>
+          </a:p>
+        </p:txBody>
+      </p:sp>
+      <p:sp>
+        <p:nvSpPr>
+          <p:cNvPr id="4" name="Slide Number Placeholder 3">
+            <a:extLst>
+              <a:ext uri="{FF2B5EF4-FFF2-40B4-BE49-F238E27FC236}">
+                <a16:creationId xmlns:a16="http://schemas.microsoft.com/office/drawing/2014/main" id="{9648BC34-EFC7-DFC0-77FD-BB0EE523228B}"/>
+              </a:ext>
+            </a:extLst>
+          </p:cNvPr>
+          <p:cNvSpPr>
+            <a:spLocks noGrp="1"/>
+          </p:cNvSpPr>
+          <p:nvPr>
+            <p:ph type="sldNum" sz="quarter" idx="12"/>
+          </p:nvPr>
+        </p:nvSpPr>
+        <p:spPr/>
+        <p:txBody>
+          <a:bodyPr/>
+          <a:lstStyle/>
+          <a:p>
+            <a:fld id="{37290FF7-652B-4475-AEAB-8B1A5D23AE09}" type="slidenum">
+              <a:rPr lang="en-US" smtClean="0"/>
+              <a:t>34</a:t>
+            </a:fld>
+            <a:endParaRPr lang="en-US"/>
+          </a:p>
+        </p:txBody>
+      </p:sp>
+      <p:graphicFrame>
+        <p:nvGraphicFramePr>
+          <p:cNvPr id="6" name="Table 5">
+            <a:extLst>
+              <a:ext uri="{FF2B5EF4-FFF2-40B4-BE49-F238E27FC236}">
+                <a16:creationId xmlns:a16="http://schemas.microsoft.com/office/drawing/2014/main" id="{E7218FCC-8947-A66B-DACB-CD4C5A99C488}"/>
+              </a:ext>
+            </a:extLst>
+          </p:cNvPr>
+          <p:cNvGraphicFramePr>
+            <a:graphicFrameLocks noGrp="1"/>
+          </p:cNvGraphicFramePr>
+          <p:nvPr>
+            <p:extLst>
+              <p:ext uri="{D42A27DB-BD31-4B8C-83A1-F6EECF244321}">
+                <p14:modId xmlns:p14="http://schemas.microsoft.com/office/powerpoint/2010/main" val="1947904769"/>
+              </p:ext>
+            </p:extLst>
+          </p:nvPr>
+        </p:nvGraphicFramePr>
+        <p:xfrm>
+          <a:off x="628650" y="1348258"/>
+          <a:ext cx="7886700" cy="548640"/>
+        </p:xfrm>
+        <a:graphic>
+          <a:graphicData uri="http://schemas.openxmlformats.org/drawingml/2006/table">
+            <a:tbl>
+              <a:tblPr>
+                <a:tableStyleId>{616DA210-FB5B-4158-B5E0-FEB733F419BA}</a:tableStyleId>
+              </a:tblPr>
+              <a:tblGrid>
+                <a:gridCol w="3943350">
+                  <a:extLst>
+                    <a:ext uri="{9D8B030D-6E8A-4147-A177-3AD203B41FA5}">
+                      <a16:colId xmlns:a16="http://schemas.microsoft.com/office/drawing/2014/main" val="2470841748"/>
+                    </a:ext>
+                  </a:extLst>
+                </a:gridCol>
+                <a:gridCol w="3943350">
+                  <a:extLst>
+                    <a:ext uri="{9D8B030D-6E8A-4147-A177-3AD203B41FA5}">
+                      <a16:colId xmlns:a16="http://schemas.microsoft.com/office/drawing/2014/main" val="2654098478"/>
+                    </a:ext>
+                  </a:extLst>
+                </a:gridCol>
+              </a:tblGrid>
+              <a:tr h="0">
+                <a:tc>
+                  <a:txBody>
+                    <a:bodyPr/>
+                    <a:lstStyle/>
+                    <a:p>
+                      <a:r>
+                        <a:rPr lang="en-US" sz="1000" dirty="0" err="1">
+                          <a:effectLst/>
+                        </a:rPr>
+                        <a:t>minbucket</a:t>
+                      </a:r>
+                      <a:endParaRPr lang="en-US" sz="1000" dirty="0">
+                        <a:effectLst/>
+                        <a:latin typeface="SF Pro Text"/>
+                      </a:endParaRPr>
+                    </a:p>
+                  </a:txBody>
+                  <a:tcPr/>
+                </a:tc>
+                <a:tc>
+                  <a:txBody>
+                    <a:bodyPr/>
+                    <a:lstStyle/>
+                    <a:p>
+                      <a:r>
+                        <a:rPr lang="en-US" sz="1000" dirty="0">
+                          <a:effectLst/>
+                        </a:rPr>
+                        <a:t>the minimum number of observations in any terminal &lt;leaf&gt; node. If only one of </a:t>
+                      </a:r>
+                      <a:r>
+                        <a:rPr lang="en-US" sz="1000" dirty="0" err="1">
+                          <a:effectLst/>
+                        </a:rPr>
+                        <a:t>minbucket</a:t>
+                      </a:r>
+                      <a:r>
+                        <a:rPr lang="en-US" sz="1000" dirty="0">
+                          <a:effectLst/>
+                        </a:rPr>
+                        <a:t> or </a:t>
+                      </a:r>
+                      <a:r>
+                        <a:rPr lang="en-US" sz="1000" dirty="0" err="1">
+                          <a:effectLst/>
+                        </a:rPr>
+                        <a:t>minsplit</a:t>
+                      </a:r>
+                      <a:r>
+                        <a:rPr lang="en-US" sz="1000" dirty="0">
+                          <a:effectLst/>
+                        </a:rPr>
+                        <a:t> is specified, the code either sets </a:t>
+                      </a:r>
+                      <a:r>
+                        <a:rPr lang="en-US" sz="1000" dirty="0" err="1">
+                          <a:effectLst/>
+                        </a:rPr>
+                        <a:t>minsplit</a:t>
+                      </a:r>
+                      <a:r>
+                        <a:rPr lang="en-US" sz="1000" dirty="0">
+                          <a:effectLst/>
+                        </a:rPr>
+                        <a:t> to </a:t>
+                      </a:r>
+                      <a:r>
+                        <a:rPr lang="en-US" sz="1000" dirty="0" err="1">
+                          <a:effectLst/>
+                        </a:rPr>
+                        <a:t>minbucket</a:t>
+                      </a:r>
+                      <a:r>
+                        <a:rPr lang="en-US" sz="1000" dirty="0">
+                          <a:effectLst/>
+                        </a:rPr>
+                        <a:t>*3 or </a:t>
+                      </a:r>
+                      <a:r>
+                        <a:rPr lang="en-US" sz="1000" dirty="0" err="1">
+                          <a:effectLst/>
+                        </a:rPr>
+                        <a:t>minbucket</a:t>
+                      </a:r>
+                      <a:r>
+                        <a:rPr lang="en-US" sz="1000" dirty="0">
+                          <a:effectLst/>
+                        </a:rPr>
+                        <a:t> to </a:t>
+                      </a:r>
+                      <a:r>
+                        <a:rPr lang="en-US" sz="1000" dirty="0" err="1">
+                          <a:effectLst/>
+                        </a:rPr>
+                        <a:t>minsplit</a:t>
+                      </a:r>
+                      <a:r>
+                        <a:rPr lang="en-US" sz="1000" dirty="0">
+                          <a:effectLst/>
+                        </a:rPr>
+                        <a:t>/3, as appropriate.</a:t>
+                      </a:r>
+                      <a:endParaRPr lang="en-US" sz="1000" dirty="0">
+                        <a:effectLst/>
+                        <a:latin typeface="SF Pro Text"/>
+                      </a:endParaRPr>
+                    </a:p>
+                  </a:txBody>
+                  <a:tcPr/>
+                </a:tc>
+                <a:extLst>
+                  <a:ext uri="{0D108BD9-81ED-4DB2-BD59-A6C34878D82A}">
+                    <a16:rowId xmlns:a16="http://schemas.microsoft.com/office/drawing/2014/main" val="551272009"/>
+                  </a:ext>
+                </a:extLst>
+              </a:tr>
+            </a:tbl>
+          </a:graphicData>
+        </a:graphic>
+      </p:graphicFrame>
+      <p:grpSp>
+        <p:nvGrpSpPr>
+          <p:cNvPr id="7" name="Group 6">
+            <a:extLst>
+              <a:ext uri="{FF2B5EF4-FFF2-40B4-BE49-F238E27FC236}">
+                <a16:creationId xmlns:a16="http://schemas.microsoft.com/office/drawing/2014/main" id="{58B0CAA7-C0B1-0018-E78A-63D388AFD965}"/>
+              </a:ext>
+            </a:extLst>
+          </p:cNvPr>
+          <p:cNvGrpSpPr/>
+          <p:nvPr/>
+        </p:nvGrpSpPr>
+        <p:grpSpPr>
+          <a:xfrm>
+            <a:off x="2650881" y="2252000"/>
+            <a:ext cx="3256935" cy="3810000"/>
+            <a:chOff x="228600" y="1447800"/>
+            <a:chExt cx="4038600" cy="4724400"/>
+          </a:xfrm>
+        </p:grpSpPr>
+        <p:sp>
+          <p:nvSpPr>
+            <p:cNvPr id="8" name="Oval 7">
+              <a:extLst>
+                <a:ext uri="{FF2B5EF4-FFF2-40B4-BE49-F238E27FC236}">
+                  <a16:creationId xmlns:a16="http://schemas.microsoft.com/office/drawing/2014/main" id="{CBA4C817-CDA9-60E2-3BA4-1A3FE146AF2C}"/>
+                </a:ext>
+              </a:extLst>
+            </p:cNvPr>
+            <p:cNvSpPr/>
+            <p:nvPr/>
+          </p:nvSpPr>
+          <p:spPr>
+            <a:xfrm>
+              <a:off x="1436077" y="1447800"/>
+              <a:ext cx="1249973" cy="1249973"/>
+            </a:xfrm>
+            <a:prstGeom prst="ellipse">
+              <a:avLst/>
+            </a:prstGeom>
+            <a:solidFill>
+              <a:schemeClr val="accent3"/>
+            </a:solidFill>
+            <a:ln>
+              <a:noFill/>
+            </a:ln>
+          </p:spPr>
+          <p:style>
+            <a:lnRef idx="2">
+              <a:schemeClr val="accent1">
+                <a:shade val="50000"/>
+              </a:schemeClr>
+            </a:lnRef>
+            <a:fillRef idx="1">
+              <a:schemeClr val="accent1"/>
+            </a:fillRef>
+            <a:effectRef idx="0">
+              <a:schemeClr val="accent1"/>
+            </a:effectRef>
+            <a:fontRef idx="minor">
+              <a:schemeClr val="lt1"/>
+            </a:fontRef>
+          </p:style>
+          <p:txBody>
+            <a:bodyPr rtlCol="0" anchor="ctr"/>
+            <a:lstStyle/>
+            <a:p>
+              <a:pPr algn="ctr"/>
+              <a:r>
+                <a:rPr lang="en-US" sz="1050" dirty="0"/>
+                <a:t>Age &gt; 68</a:t>
+              </a:r>
+            </a:p>
+          </p:txBody>
+        </p:sp>
+        <p:sp>
+          <p:nvSpPr>
+            <p:cNvPr id="9" name="Oval 8">
+              <a:extLst>
+                <a:ext uri="{FF2B5EF4-FFF2-40B4-BE49-F238E27FC236}">
+                  <a16:creationId xmlns:a16="http://schemas.microsoft.com/office/drawing/2014/main" id="{CDB0AB53-21D4-257C-62B8-F31CDE595E05}"/>
+                </a:ext>
+              </a:extLst>
+            </p:cNvPr>
+            <p:cNvSpPr/>
+            <p:nvPr/>
+          </p:nvSpPr>
+          <p:spPr>
+            <a:xfrm>
+              <a:off x="652096" y="3188970"/>
+              <a:ext cx="1249973" cy="1249973"/>
+            </a:xfrm>
+            <a:prstGeom prst="ellipse">
+              <a:avLst/>
+            </a:prstGeom>
+            <a:solidFill>
+              <a:schemeClr val="accent3"/>
+            </a:solidFill>
+            <a:ln>
+              <a:noFill/>
+            </a:ln>
+          </p:spPr>
+          <p:style>
+            <a:lnRef idx="2">
+              <a:schemeClr val="accent1">
+                <a:shade val="50000"/>
+              </a:schemeClr>
+            </a:lnRef>
+            <a:fillRef idx="1">
+              <a:schemeClr val="accent1"/>
+            </a:fillRef>
+            <a:effectRef idx="0">
+              <a:schemeClr val="accent1"/>
+            </a:effectRef>
+            <a:fontRef idx="minor">
+              <a:schemeClr val="lt1"/>
+            </a:fontRef>
+          </p:style>
+          <p:txBody>
+            <a:bodyPr rtlCol="0" anchor="ctr"/>
+            <a:lstStyle/>
+            <a:p>
+              <a:pPr algn="ctr"/>
+              <a:r>
+                <a:rPr lang="en-US" sz="1050" dirty="0"/>
+                <a:t>Duration  &gt; 635</a:t>
+              </a:r>
+            </a:p>
+          </p:txBody>
+        </p:sp>
+        <p:cxnSp>
+          <p:nvCxnSpPr>
+            <p:cNvPr id="10" name="Straight Arrow Connector 9">
+              <a:extLst>
+                <a:ext uri="{FF2B5EF4-FFF2-40B4-BE49-F238E27FC236}">
+                  <a16:creationId xmlns:a16="http://schemas.microsoft.com/office/drawing/2014/main" id="{F16494E0-A8BE-C6DD-87C2-B27931A1ACEA}"/>
+                </a:ext>
+              </a:extLst>
+            </p:cNvPr>
+            <p:cNvCxnSpPr>
+              <a:stCxn id="8" idx="3"/>
+              <a:endCxn id="9" idx="0"/>
+            </p:cNvCxnSpPr>
+            <p:nvPr/>
+          </p:nvCxnSpPr>
+          <p:spPr>
+            <a:xfrm flipH="1">
+              <a:off x="1277083" y="2514719"/>
+              <a:ext cx="342048" cy="674251"/>
+            </a:xfrm>
+            <a:prstGeom prst="straightConnector1">
+              <a:avLst/>
+            </a:prstGeom>
+            <a:ln>
+              <a:solidFill>
+                <a:schemeClr val="accent4"/>
+              </a:solidFill>
+              <a:tailEnd type="triangle"/>
+            </a:ln>
+          </p:spPr>
+          <p:style>
+            <a:lnRef idx="1">
+              <a:schemeClr val="accent1"/>
+            </a:lnRef>
+            <a:fillRef idx="0">
+              <a:schemeClr val="accent1"/>
+            </a:fillRef>
+            <a:effectRef idx="0">
+              <a:schemeClr val="accent1"/>
+            </a:effectRef>
+            <a:fontRef idx="minor">
+              <a:schemeClr val="tx1"/>
+            </a:fontRef>
+          </p:style>
+        </p:cxnSp>
+        <p:sp>
+          <p:nvSpPr>
+            <p:cNvPr id="11" name="Rectangle 10">
+              <a:extLst>
+                <a:ext uri="{FF2B5EF4-FFF2-40B4-BE49-F238E27FC236}">
+                  <a16:creationId xmlns:a16="http://schemas.microsoft.com/office/drawing/2014/main" id="{C59D754D-1657-B3E4-E68E-9482724A2955}"/>
+                </a:ext>
+              </a:extLst>
+            </p:cNvPr>
+            <p:cNvSpPr/>
+            <p:nvPr/>
+          </p:nvSpPr>
+          <p:spPr>
+            <a:xfrm>
+              <a:off x="228600" y="5562600"/>
+              <a:ext cx="1048483" cy="609600"/>
+            </a:xfrm>
+            <a:prstGeom prst="rect">
+              <a:avLst/>
+            </a:prstGeom>
+            <a:solidFill>
+              <a:schemeClr val="accent5"/>
+            </a:solidFill>
+            <a:ln>
+              <a:solidFill>
+                <a:schemeClr val="accent5"/>
+              </a:solidFill>
+            </a:ln>
+          </p:spPr>
+          <p:style>
+            <a:lnRef idx="2">
+              <a:schemeClr val="accent1">
+                <a:shade val="50000"/>
+              </a:schemeClr>
+            </a:lnRef>
+            <a:fillRef idx="1">
+              <a:schemeClr val="accent1"/>
+            </a:fillRef>
+            <a:effectRef idx="0">
+              <a:schemeClr val="accent1"/>
+            </a:effectRef>
+            <a:fontRef idx="minor">
+              <a:schemeClr val="lt1"/>
+            </a:fontRef>
+          </p:style>
+          <p:txBody>
+            <a:bodyPr rot="0" spcFirstLastPara="0" vertOverflow="overflow" horzOverflow="overflow" vert="horz" wrap="square" lIns="91440" tIns="45720" rIns="91440" bIns="45720" numCol="1" spcCol="0" rtlCol="0" fromWordArt="0" anchor="ctr" anchorCtr="0" forceAA="0" compatLnSpc="1">
+              <a:prstTxWarp prst="textNoShape">
+                <a:avLst/>
+              </a:prstTxWarp>
+              <a:noAutofit/>
+            </a:bodyPr>
+            <a:lstStyle/>
+            <a:p>
+              <a:pPr algn="ctr"/>
+              <a:r>
+                <a:rPr lang="en-US" sz="1050" dirty="0"/>
+                <a:t>No (9 of 91)</a:t>
+              </a:r>
+            </a:p>
+          </p:txBody>
+        </p:sp>
+        <p:sp>
+          <p:nvSpPr>
+            <p:cNvPr id="12" name="Rectangle 11">
+              <a:extLst>
+                <a:ext uri="{FF2B5EF4-FFF2-40B4-BE49-F238E27FC236}">
+                  <a16:creationId xmlns:a16="http://schemas.microsoft.com/office/drawing/2014/main" id="{4492581A-92B7-3076-8334-CADECEB6D5D5}"/>
+                </a:ext>
+              </a:extLst>
+            </p:cNvPr>
+            <p:cNvSpPr/>
+            <p:nvPr/>
+          </p:nvSpPr>
+          <p:spPr>
+            <a:xfrm>
+              <a:off x="1723658" y="5562600"/>
+              <a:ext cx="1048483" cy="609600"/>
+            </a:xfrm>
+            <a:prstGeom prst="rect">
+              <a:avLst/>
+            </a:prstGeom>
+            <a:solidFill>
+              <a:schemeClr val="accent5"/>
+            </a:solidFill>
+            <a:ln>
+              <a:solidFill>
+                <a:schemeClr val="accent5"/>
+              </a:solidFill>
+            </a:ln>
+          </p:spPr>
+          <p:style>
+            <a:lnRef idx="2">
+              <a:schemeClr val="accent1">
+                <a:shade val="50000"/>
+              </a:schemeClr>
+            </a:lnRef>
+            <a:fillRef idx="1">
+              <a:schemeClr val="accent1"/>
+            </a:fillRef>
+            <a:effectRef idx="0">
+              <a:schemeClr val="accent1"/>
+            </a:effectRef>
+            <a:fontRef idx="minor">
+              <a:schemeClr val="lt1"/>
+            </a:fontRef>
+          </p:style>
+          <p:txBody>
+            <a:bodyPr rot="0" spcFirstLastPara="0" vertOverflow="overflow" horzOverflow="overflow" vert="horz" wrap="square" lIns="91440" tIns="45720" rIns="91440" bIns="45720" numCol="1" spcCol="0" rtlCol="0" fromWordArt="0" anchor="ctr" anchorCtr="0" forceAA="0" compatLnSpc="1">
+              <a:prstTxWarp prst="textNoShape">
+                <a:avLst/>
+              </a:prstTxWarp>
+              <a:noAutofit/>
+            </a:bodyPr>
+            <a:lstStyle/>
+            <a:p>
+              <a:pPr algn="ctr"/>
+              <a:r>
+                <a:rPr lang="en-US" sz="1050" dirty="0"/>
+                <a:t>Yes (6 of 8)</a:t>
+              </a:r>
+            </a:p>
+          </p:txBody>
+        </p:sp>
+        <p:sp>
+          <p:nvSpPr>
+            <p:cNvPr id="13" name="Rectangle 12">
+              <a:extLst>
+                <a:ext uri="{FF2B5EF4-FFF2-40B4-BE49-F238E27FC236}">
+                  <a16:creationId xmlns:a16="http://schemas.microsoft.com/office/drawing/2014/main" id="{8F57AE9D-F960-D97D-A442-33CC32C4E63C}"/>
+                </a:ext>
+              </a:extLst>
+            </p:cNvPr>
+            <p:cNvSpPr/>
+            <p:nvPr/>
+          </p:nvSpPr>
+          <p:spPr>
+            <a:xfrm>
+              <a:off x="3218717" y="5562600"/>
+              <a:ext cx="1048483" cy="609600"/>
+            </a:xfrm>
+            <a:prstGeom prst="rect">
+              <a:avLst/>
+            </a:prstGeom>
+            <a:solidFill>
+              <a:schemeClr val="accent5"/>
+            </a:solidFill>
+            <a:ln>
+              <a:solidFill>
+                <a:schemeClr val="accent5"/>
+              </a:solidFill>
+            </a:ln>
+          </p:spPr>
+          <p:style>
+            <a:lnRef idx="2">
+              <a:schemeClr val="accent1">
+                <a:shade val="50000"/>
+              </a:schemeClr>
+            </a:lnRef>
+            <a:fillRef idx="1">
+              <a:schemeClr val="accent1"/>
+            </a:fillRef>
+            <a:effectRef idx="0">
+              <a:schemeClr val="accent1"/>
+            </a:effectRef>
+            <a:fontRef idx="minor">
+              <a:schemeClr val="lt1"/>
+            </a:fontRef>
+          </p:style>
+          <p:txBody>
+            <a:bodyPr rtlCol="0" anchor="ctr"/>
+            <a:lstStyle/>
+            <a:p>
+              <a:pPr algn="ctr"/>
+              <a:r>
+                <a:rPr lang="en-US" sz="1050" dirty="0"/>
+                <a:t>Yes</a:t>
+              </a:r>
+            </a:p>
+            <a:p>
+              <a:pPr algn="ctr"/>
+              <a:r>
+                <a:rPr lang="en-US" sz="1050" dirty="0"/>
+                <a:t>(1 of 1) </a:t>
+              </a:r>
+            </a:p>
+          </p:txBody>
+        </p:sp>
+        <p:cxnSp>
+          <p:nvCxnSpPr>
+            <p:cNvPr id="14" name="Straight Arrow Connector 13">
+              <a:extLst>
+                <a:ext uri="{FF2B5EF4-FFF2-40B4-BE49-F238E27FC236}">
+                  <a16:creationId xmlns:a16="http://schemas.microsoft.com/office/drawing/2014/main" id="{D04CCC50-44CA-0F48-DB44-DBDCDE2EADAB}"/>
+                </a:ext>
+              </a:extLst>
+            </p:cNvPr>
+            <p:cNvCxnSpPr>
+              <a:cxnSpLocks/>
+              <a:stCxn id="8" idx="5"/>
+              <a:endCxn id="13" idx="0"/>
+            </p:cNvCxnSpPr>
+            <p:nvPr/>
+          </p:nvCxnSpPr>
+          <p:spPr>
+            <a:xfrm>
+              <a:off x="2502996" y="2514719"/>
+              <a:ext cx="1239963" cy="3047881"/>
+            </a:xfrm>
+            <a:prstGeom prst="straightConnector1">
+              <a:avLst/>
+            </a:prstGeom>
+            <a:ln>
+              <a:solidFill>
+                <a:schemeClr val="accent4"/>
+              </a:solidFill>
+              <a:tailEnd type="triangle"/>
+            </a:ln>
+          </p:spPr>
+          <p:style>
+            <a:lnRef idx="1">
+              <a:schemeClr val="accent1"/>
+            </a:lnRef>
+            <a:fillRef idx="0">
+              <a:schemeClr val="accent1"/>
+            </a:fillRef>
+            <a:effectRef idx="0">
+              <a:schemeClr val="accent1"/>
+            </a:effectRef>
+            <a:fontRef idx="minor">
+              <a:schemeClr val="tx1"/>
+            </a:fontRef>
+          </p:style>
+        </p:cxnSp>
+        <p:cxnSp>
+          <p:nvCxnSpPr>
+            <p:cNvPr id="15" name="Straight Arrow Connector 14">
+              <a:extLst>
+                <a:ext uri="{FF2B5EF4-FFF2-40B4-BE49-F238E27FC236}">
+                  <a16:creationId xmlns:a16="http://schemas.microsoft.com/office/drawing/2014/main" id="{ED242E76-BCCB-D827-AA36-C20318B053C3}"/>
+                </a:ext>
+              </a:extLst>
+            </p:cNvPr>
+            <p:cNvCxnSpPr>
+              <a:stCxn id="9" idx="5"/>
+              <a:endCxn id="12" idx="0"/>
+            </p:cNvCxnSpPr>
+            <p:nvPr/>
+          </p:nvCxnSpPr>
+          <p:spPr>
+            <a:xfrm>
+              <a:off x="1719015" y="4255889"/>
+              <a:ext cx="528885" cy="1306711"/>
+            </a:xfrm>
+            <a:prstGeom prst="straightConnector1">
+              <a:avLst/>
+            </a:prstGeom>
+            <a:ln>
+              <a:solidFill>
+                <a:schemeClr val="accent4"/>
+              </a:solidFill>
+              <a:tailEnd type="triangle"/>
+            </a:ln>
+          </p:spPr>
+          <p:style>
+            <a:lnRef idx="1">
+              <a:schemeClr val="accent1"/>
+            </a:lnRef>
+            <a:fillRef idx="0">
+              <a:schemeClr val="accent1"/>
+            </a:fillRef>
+            <a:effectRef idx="0">
+              <a:schemeClr val="accent1"/>
+            </a:effectRef>
+            <a:fontRef idx="minor">
+              <a:schemeClr val="tx1"/>
+            </a:fontRef>
+          </p:style>
+        </p:cxnSp>
+        <p:cxnSp>
+          <p:nvCxnSpPr>
+            <p:cNvPr id="16" name="Straight Arrow Connector 15">
+              <a:extLst>
+                <a:ext uri="{FF2B5EF4-FFF2-40B4-BE49-F238E27FC236}">
+                  <a16:creationId xmlns:a16="http://schemas.microsoft.com/office/drawing/2014/main" id="{38858927-23E2-D403-0B5D-45F7EB8CDB00}"/>
+                </a:ext>
+              </a:extLst>
+            </p:cNvPr>
+            <p:cNvCxnSpPr>
+              <a:cxnSpLocks/>
+              <a:stCxn id="9" idx="3"/>
+              <a:endCxn id="11" idx="0"/>
+            </p:cNvCxnSpPr>
+            <p:nvPr/>
+          </p:nvCxnSpPr>
+          <p:spPr>
+            <a:xfrm flipH="1">
+              <a:off x="752842" y="4255889"/>
+              <a:ext cx="82308" cy="1306711"/>
+            </a:xfrm>
+            <a:prstGeom prst="straightConnector1">
+              <a:avLst/>
+            </a:prstGeom>
+            <a:ln>
+              <a:solidFill>
+                <a:schemeClr val="accent4"/>
+              </a:solidFill>
+              <a:tailEnd type="triangle"/>
+            </a:ln>
+          </p:spPr>
+          <p:style>
+            <a:lnRef idx="1">
+              <a:schemeClr val="accent1"/>
+            </a:lnRef>
+            <a:fillRef idx="0">
+              <a:schemeClr val="accent1"/>
+            </a:fillRef>
+            <a:effectRef idx="0">
+              <a:schemeClr val="accent1"/>
+            </a:effectRef>
+            <a:fontRef idx="minor">
+              <a:schemeClr val="tx1"/>
+            </a:fontRef>
+          </p:style>
+        </p:cxnSp>
+        <p:sp>
+          <p:nvSpPr>
+            <p:cNvPr id="17" name="TextBox 16">
+              <a:extLst>
+                <a:ext uri="{FF2B5EF4-FFF2-40B4-BE49-F238E27FC236}">
+                  <a16:creationId xmlns:a16="http://schemas.microsoft.com/office/drawing/2014/main" id="{CC8ACE82-33BC-B74A-2D49-8754C3360BC4}"/>
+                </a:ext>
+              </a:extLst>
+            </p:cNvPr>
+            <p:cNvSpPr txBox="1"/>
+            <p:nvPr/>
+          </p:nvSpPr>
+          <p:spPr>
+            <a:xfrm>
+              <a:off x="2529382" y="2377943"/>
+              <a:ext cx="386837" cy="276999"/>
+            </a:xfrm>
+            <a:prstGeom prst="rect">
+              <a:avLst/>
+            </a:prstGeom>
+            <a:noFill/>
+          </p:spPr>
+          <p:txBody>
+            <a:bodyPr wrap="none" rtlCol="0">
+              <a:spAutoFit/>
+            </a:bodyPr>
+            <a:lstStyle/>
+            <a:p>
+              <a:r>
+                <a:rPr lang="en-US" sz="1200" dirty="0"/>
+                <a:t>Yes</a:t>
+              </a:r>
+            </a:p>
+          </p:txBody>
+        </p:sp>
+        <p:sp>
+          <p:nvSpPr>
+            <p:cNvPr id="18" name="TextBox 17">
+              <a:extLst>
+                <a:ext uri="{FF2B5EF4-FFF2-40B4-BE49-F238E27FC236}">
+                  <a16:creationId xmlns:a16="http://schemas.microsoft.com/office/drawing/2014/main" id="{FDCA88AF-3ACB-D08F-6D8B-AA3D8AA15FA0}"/>
+                </a:ext>
+              </a:extLst>
+            </p:cNvPr>
+            <p:cNvSpPr txBox="1"/>
+            <p:nvPr/>
+          </p:nvSpPr>
+          <p:spPr>
+            <a:xfrm>
+              <a:off x="1735996" y="4042455"/>
+              <a:ext cx="386837" cy="276999"/>
+            </a:xfrm>
+            <a:prstGeom prst="rect">
+              <a:avLst/>
+            </a:prstGeom>
+            <a:noFill/>
+          </p:spPr>
+          <p:txBody>
+            <a:bodyPr wrap="none" rtlCol="0">
+              <a:spAutoFit/>
+            </a:bodyPr>
+            <a:lstStyle/>
+            <a:p>
+              <a:r>
+                <a:rPr lang="en-US" sz="1200" dirty="0"/>
+                <a:t>Yes</a:t>
+              </a:r>
+            </a:p>
+          </p:txBody>
+        </p:sp>
+        <p:sp>
+          <p:nvSpPr>
+            <p:cNvPr id="19" name="TextBox 18">
+              <a:extLst>
+                <a:ext uri="{FF2B5EF4-FFF2-40B4-BE49-F238E27FC236}">
+                  <a16:creationId xmlns:a16="http://schemas.microsoft.com/office/drawing/2014/main" id="{CDCC8275-5CB4-48A5-B538-9457D645B326}"/>
+                </a:ext>
+              </a:extLst>
+            </p:cNvPr>
+            <p:cNvSpPr txBox="1"/>
+            <p:nvPr/>
+          </p:nvSpPr>
+          <p:spPr>
+            <a:xfrm>
+              <a:off x="1193485" y="2331783"/>
+              <a:ext cx="365806" cy="276999"/>
+            </a:xfrm>
+            <a:prstGeom prst="rect">
+              <a:avLst/>
+            </a:prstGeom>
+            <a:noFill/>
+          </p:spPr>
+          <p:txBody>
+            <a:bodyPr wrap="none" rtlCol="0">
+              <a:spAutoFit/>
+            </a:bodyPr>
+            <a:lstStyle/>
+            <a:p>
+              <a:r>
+                <a:rPr lang="en-US" sz="1200" dirty="0"/>
+                <a:t>No</a:t>
+              </a:r>
+            </a:p>
+          </p:txBody>
+        </p:sp>
+        <p:sp>
+          <p:nvSpPr>
+            <p:cNvPr id="20" name="TextBox 19">
+              <a:extLst>
+                <a:ext uri="{FF2B5EF4-FFF2-40B4-BE49-F238E27FC236}">
+                  <a16:creationId xmlns:a16="http://schemas.microsoft.com/office/drawing/2014/main" id="{5CF5E5C0-D025-ADB5-86EA-786FBEDA72AF}"/>
+                </a:ext>
+              </a:extLst>
+            </p:cNvPr>
+            <p:cNvSpPr txBox="1"/>
+            <p:nvPr/>
+          </p:nvSpPr>
+          <p:spPr>
+            <a:xfrm>
+              <a:off x="436081" y="4082164"/>
+              <a:ext cx="365806" cy="276999"/>
+            </a:xfrm>
+            <a:prstGeom prst="rect">
+              <a:avLst/>
+            </a:prstGeom>
+            <a:noFill/>
+          </p:spPr>
+          <p:txBody>
+            <a:bodyPr wrap="none" rtlCol="0">
+              <a:spAutoFit/>
+            </a:bodyPr>
+            <a:lstStyle/>
+            <a:p>
+              <a:r>
+                <a:rPr lang="en-US" sz="1200" dirty="0"/>
+                <a:t>No</a:t>
+              </a:r>
+            </a:p>
+          </p:txBody>
+        </p:sp>
+      </p:grpSp>
+      <p:sp>
+        <p:nvSpPr>
+          <p:cNvPr id="21" name="TextBox 20">
+            <a:extLst>
+              <a:ext uri="{FF2B5EF4-FFF2-40B4-BE49-F238E27FC236}">
+                <a16:creationId xmlns:a16="http://schemas.microsoft.com/office/drawing/2014/main" id="{164537CE-453A-8F7E-3BCA-6842A62CF73B}"/>
+              </a:ext>
+            </a:extLst>
+          </p:cNvPr>
+          <p:cNvSpPr txBox="1"/>
+          <p:nvPr/>
+        </p:nvSpPr>
+        <p:spPr>
+          <a:xfrm>
+            <a:off x="6457950" y="4106185"/>
+            <a:ext cx="2486601" cy="923330"/>
+          </a:xfrm>
+          <a:prstGeom prst="rect">
+            <a:avLst/>
+          </a:prstGeom>
+          <a:noFill/>
+        </p:spPr>
+        <p:txBody>
+          <a:bodyPr wrap="square" rtlCol="0">
+            <a:spAutoFit/>
+          </a:bodyPr>
+          <a:lstStyle/>
+          <a:p>
+            <a:r>
+              <a:rPr lang="en-US" dirty="0"/>
+              <a:t>Split minimum number of observations at a terminal node. </a:t>
+            </a:r>
+          </a:p>
+        </p:txBody>
+      </p:sp>
+      <p:cxnSp>
+        <p:nvCxnSpPr>
+          <p:cNvPr id="22" name="Straight Arrow Connector 21">
+            <a:extLst>
+              <a:ext uri="{FF2B5EF4-FFF2-40B4-BE49-F238E27FC236}">
+                <a16:creationId xmlns:a16="http://schemas.microsoft.com/office/drawing/2014/main" id="{38150132-7C94-58F8-6F8F-1CA73DD13A9A}"/>
+              </a:ext>
+            </a:extLst>
+          </p:cNvPr>
+          <p:cNvCxnSpPr>
+            <a:cxnSpLocks/>
+            <a:stCxn id="21" idx="1"/>
+            <a:endCxn id="13" idx="3"/>
+          </p:cNvCxnSpPr>
+          <p:nvPr/>
+        </p:nvCxnSpPr>
+        <p:spPr>
+          <a:xfrm flipH="1">
+            <a:off x="5907816" y="4567850"/>
+            <a:ext cx="550134" cy="1248344"/>
+          </a:xfrm>
+          <a:prstGeom prst="straightConnector1">
+            <a:avLst/>
+          </a:prstGeom>
+          <a:ln>
+            <a:tailEnd type="triangle"/>
+          </a:ln>
+        </p:spPr>
+        <p:style>
+          <a:lnRef idx="1">
+            <a:schemeClr val="accent1"/>
+          </a:lnRef>
+          <a:fillRef idx="0">
+            <a:schemeClr val="accent1"/>
+          </a:fillRef>
+          <a:effectRef idx="0">
+            <a:schemeClr val="accent1"/>
+          </a:effectRef>
+          <a:fontRef idx="minor">
+            <a:schemeClr val="tx1"/>
+          </a:fontRef>
+        </p:style>
+      </p:cxnSp>
+      <p:sp>
+        <p:nvSpPr>
+          <p:cNvPr id="26" name="Footer Placeholder 4">
+            <a:extLst>
+              <a:ext uri="{FF2B5EF4-FFF2-40B4-BE49-F238E27FC236}">
+                <a16:creationId xmlns:a16="http://schemas.microsoft.com/office/drawing/2014/main" id="{AAC213C5-F8B8-683B-1B56-987E464CC472}"/>
+              </a:ext>
+            </a:extLst>
+          </p:cNvPr>
+          <p:cNvSpPr>
+            <a:spLocks noGrp="1"/>
+          </p:cNvSpPr>
+          <p:nvPr>
+            <p:ph type="ftr" sz="quarter" idx="3"/>
+          </p:nvPr>
+        </p:nvSpPr>
+        <p:spPr>
+          <a:xfrm>
+            <a:off x="3028950" y="6356351"/>
+            <a:ext cx="3086100" cy="365125"/>
+          </a:xfrm>
+          <a:prstGeom prst="rect">
+            <a:avLst/>
+          </a:prstGeom>
+        </p:spPr>
+        <p:txBody>
+          <a:bodyPr vert="horz" lIns="91440" tIns="45720" rIns="91440" bIns="45720" rtlCol="0" anchor="ctr"/>
+          <a:lstStyle>
+            <a:lvl1pPr algn="ctr">
+              <a:defRPr sz="900">
+                <a:solidFill>
+                  <a:schemeClr val="tx1">
+                    <a:tint val="75000"/>
+                  </a:schemeClr>
+                </a:solidFill>
+              </a:defRPr>
+            </a:lvl1pPr>
+          </a:lstStyle>
+          <a:p>
+            <a:r>
+              <a:rPr lang="en-US" dirty="0"/>
+              <a:t>Kwartler</a:t>
+            </a:r>
+          </a:p>
+        </p:txBody>
+      </p:sp>
+    </p:spTree>
+    <p:extLst>
+      <p:ext uri="{BB962C8B-B14F-4D97-AF65-F5344CB8AC3E}">
+        <p14:creationId xmlns:p14="http://schemas.microsoft.com/office/powerpoint/2010/main" val="1437188286"/>
+      </p:ext>
+    </p:extLst>
+  </p:cSld>
+  <p:clrMapOvr>
+    <a:masterClrMapping/>
+  </p:clrMapOvr>
+</p:sld>
+</file>
+
+<file path=ppt/slides/slide35.xml><?xml version="1.0" encoding="utf-8"?>
+<p:sld xmlns:a="http://schemas.openxmlformats.org/drawingml/2006/main" xmlns:r="http://schemas.openxmlformats.org/officeDocument/2006/relationships" xmlns:p="http://schemas.openxmlformats.org/presentationml/2006/main">
+  <p:cSld>
+    <p:spTree>
+      <p:nvGrpSpPr>
+        <p:cNvPr id="1" name=""/>
+        <p:cNvGrpSpPr/>
+        <p:nvPr/>
+      </p:nvGrpSpPr>
+      <p:grpSpPr>
+        <a:xfrm>
+          <a:off x="0" y="0"/>
+          <a:ext cx="0" cy="0"/>
+          <a:chOff x="0" y="0"/>
+          <a:chExt cx="0" cy="0"/>
+        </a:xfrm>
+      </p:grpSpPr>
+      <p:sp>
+        <p:nvSpPr>
+          <p:cNvPr id="2" name="Date Placeholder 1">
+            <a:extLst>
+              <a:ext uri="{FF2B5EF4-FFF2-40B4-BE49-F238E27FC236}">
+                <a16:creationId xmlns:a16="http://schemas.microsoft.com/office/drawing/2014/main" id="{33B68FDF-BAA1-41D8-8639-0CC6E91B7C84}"/>
+              </a:ext>
+            </a:extLst>
+          </p:cNvPr>
+          <p:cNvSpPr>
+            <a:spLocks noGrp="1"/>
+          </p:cNvSpPr>
+          <p:nvPr>
+            <p:ph type="dt" sz="half" idx="10"/>
+          </p:nvPr>
+        </p:nvSpPr>
+        <p:spPr/>
+        <p:txBody>
+          <a:bodyPr/>
+          <a:lstStyle/>
+          <a:p>
+            <a:fld id="{6700A58B-DD98-43D0-B791-721480A02982}" type="datetime1">
+              <a:rPr lang="en-US" smtClean="0"/>
+              <a:t>3/12/23</a:t>
+            </a:fld>
+            <a:endParaRPr lang="en-US"/>
+          </a:p>
+        </p:txBody>
+      </p:sp>
+      <p:sp>
+        <p:nvSpPr>
+          <p:cNvPr id="3" name="Title 2">
+            <a:extLst>
+              <a:ext uri="{FF2B5EF4-FFF2-40B4-BE49-F238E27FC236}">
+                <a16:creationId xmlns:a16="http://schemas.microsoft.com/office/drawing/2014/main" id="{EC8C470A-A9D9-4532-A35A-727A53F32E02}"/>
+              </a:ext>
+            </a:extLst>
+          </p:cNvPr>
+          <p:cNvSpPr>
+            <a:spLocks noGrp="1"/>
+          </p:cNvSpPr>
+          <p:nvPr>
+            <p:ph type="title"/>
+          </p:nvPr>
+        </p:nvSpPr>
+        <p:spPr/>
+        <p:txBody>
+          <a:bodyPr/>
+          <a:lstStyle/>
+          <a:p>
+            <a:r>
+              <a:rPr lang="en-US" dirty="0"/>
+              <a:t>Open </a:t>
+            </a:r>
+            <a:r>
+              <a:rPr lang="en-US" dirty="0" err="1"/>
+              <a:t>A_Bank</a:t>
+            </a:r>
+            <a:r>
+              <a:rPr lang="en-US" dirty="0"/>
+              <a:t> Loans Decision </a:t>
+            </a:r>
+            <a:r>
+              <a:rPr lang="en-US" dirty="0" err="1"/>
+              <a:t>Tree.R</a:t>
+            </a:r>
+            <a:r>
+              <a:rPr lang="en-US" dirty="0"/>
+              <a:t> </a:t>
+            </a:r>
+          </a:p>
+        </p:txBody>
+      </p:sp>
+      <p:sp>
+        <p:nvSpPr>
+          <p:cNvPr id="4" name="Slide Number Placeholder 3">
+            <a:extLst>
+              <a:ext uri="{FF2B5EF4-FFF2-40B4-BE49-F238E27FC236}">
+                <a16:creationId xmlns:a16="http://schemas.microsoft.com/office/drawing/2014/main" id="{823EBB99-0263-4790-B269-3B2EA3F7C622}"/>
+              </a:ext>
+            </a:extLst>
+          </p:cNvPr>
+          <p:cNvSpPr>
+            <a:spLocks noGrp="1"/>
+          </p:cNvSpPr>
+          <p:nvPr>
+            <p:ph type="sldNum" sz="quarter" idx="12"/>
+          </p:nvPr>
+        </p:nvSpPr>
+        <p:spPr/>
+        <p:txBody>
+          <a:bodyPr/>
+          <a:lstStyle/>
+          <a:p>
+            <a:fld id="{37290FF7-652B-4475-AEAB-8B1A5D23AE09}" type="slidenum">
+              <a:rPr lang="en-US" smtClean="0"/>
+              <a:t>35</a:t>
+            </a:fld>
+            <a:endParaRPr lang="en-US"/>
+          </a:p>
+        </p:txBody>
+      </p:sp>
+      <p:sp>
+        <p:nvSpPr>
+          <p:cNvPr id="6" name="Footer Placeholder 4">
+            <a:extLst>
+              <a:ext uri="{FF2B5EF4-FFF2-40B4-BE49-F238E27FC236}">
+                <a16:creationId xmlns:a16="http://schemas.microsoft.com/office/drawing/2014/main" id="{EBC4788D-8869-7E19-A9AB-0861AEE436A9}"/>
+              </a:ext>
+            </a:extLst>
+          </p:cNvPr>
+          <p:cNvSpPr>
+            <a:spLocks noGrp="1"/>
+          </p:cNvSpPr>
+          <p:nvPr>
+            <p:ph type="ftr" sz="quarter" idx="3"/>
+          </p:nvPr>
+        </p:nvSpPr>
+        <p:spPr>
+          <a:xfrm>
+            <a:off x="3028950" y="6356351"/>
+            <a:ext cx="3086100" cy="365125"/>
+          </a:xfrm>
+          <a:prstGeom prst="rect">
+            <a:avLst/>
+          </a:prstGeom>
+        </p:spPr>
+        <p:txBody>
+          <a:bodyPr vert="horz" lIns="91440" tIns="45720" rIns="91440" bIns="45720" rtlCol="0" anchor="ctr"/>
+          <a:lstStyle>
+            <a:lvl1pPr algn="ctr">
+              <a:defRPr sz="900">
+                <a:solidFill>
+                  <a:schemeClr val="tx1">
+                    <a:tint val="75000"/>
+                  </a:schemeClr>
+                </a:solidFill>
+              </a:defRPr>
+            </a:lvl1pPr>
+          </a:lstStyle>
+          <a:p>
+            <a:r>
+              <a:rPr lang="en-US" dirty="0"/>
+              <a:t>Kwartler</a:t>
+            </a:r>
+          </a:p>
+        </p:txBody>
+      </p:sp>
+    </p:spTree>
+    <p:extLst>
+      <p:ext uri="{BB962C8B-B14F-4D97-AF65-F5344CB8AC3E}">
+        <p14:creationId xmlns:p14="http://schemas.microsoft.com/office/powerpoint/2010/main" val="1210889520"/>
+      </p:ext>
+    </p:extLst>
+  </p:cSld>
+  <p:clrMapOvr>
+    <a:masterClrMapping/>
+  </p:clrMapOvr>
+</p:sld>
+</file>
+
+<file path=ppt/slides/slide36.xml><?xml version="1.0" encoding="utf-8"?>
+<p:sld xmlns:a="http://schemas.openxmlformats.org/drawingml/2006/main" xmlns:r="http://schemas.openxmlformats.org/officeDocument/2006/relationships" xmlns:p="http://schemas.openxmlformats.org/presentationml/2006/main">
+  <p:cSld>
+    <p:spTree>
+      <p:nvGrpSpPr>
+        <p:cNvPr id="1" name=""/>
+        <p:cNvGrpSpPr/>
+        <p:nvPr/>
+      </p:nvGrpSpPr>
+      <p:grpSpPr>
+        <a:xfrm>
+          <a:off x="0" y="0"/>
+          <a:ext cx="0" cy="0"/>
+          <a:chOff x="0" y="0"/>
+          <a:chExt cx="0" cy="0"/>
+        </a:xfrm>
+      </p:grpSpPr>
+      <p:sp>
+        <p:nvSpPr>
           <p:cNvPr id="2" name="Date Placeholder 1"/>
           <p:cNvSpPr>
             <a:spLocks noGrp="1"/>
@@ -21574,7 +24220,7 @@
           <a:p>
             <a:fld id="{6700A58B-DD98-43D0-B791-721480A02982}" type="datetime1">
               <a:rPr lang="en-US" smtClean="0"/>
-              <a:t>2/27/23</a:t>
+              <a:t>3/12/23</a:t>
             </a:fld>
             <a:endParaRPr lang="en-US"/>
           </a:p>
@@ -21619,32 +24265,9 @@
           <a:p>
             <a:fld id="{37290FF7-652B-4475-AEAB-8B1A5D23AE09}" type="slidenum">
               <a:rPr lang="en-US" smtClean="0"/>
-              <a:t>34</a:t>
+              <a:t>36</a:t>
             </a:fld>
             <a:endParaRPr lang="en-US"/>
-          </a:p>
-        </p:txBody>
-      </p:sp>
-      <p:sp>
-        <p:nvSpPr>
-          <p:cNvPr id="5" name="Footer Placeholder 4"/>
-          <p:cNvSpPr>
-            <a:spLocks noGrp="1"/>
-          </p:cNvSpPr>
-          <p:nvPr>
-            <p:ph type="ftr" sz="quarter" idx="3"/>
-          </p:nvPr>
-        </p:nvSpPr>
-        <p:spPr/>
-        <p:txBody>
-          <a:bodyPr/>
-          <a:lstStyle/>
-          <a:p>
-            <a:r>
-              <a:rPr lang="en-US"/>
-              <a:t>Kwartler CSCI S-96</a:t>
-            </a:r>
-            <a:endParaRPr lang="en-US" dirty="0"/>
           </a:p>
         </p:txBody>
       </p:sp>
@@ -22156,7 +24779,7 @@
             <a:pPr algn="ctr"/>
             <a:r>
               <a:rPr lang="en-US" dirty="0"/>
-              <a:t>DT, KNN, </a:t>
+              <a:t>DT, </a:t>
             </a:r>
             <a:r>
               <a:rPr lang="en-US" dirty="0" err="1"/>
@@ -22169,53 +24792,52 @@
           </a:p>
         </p:txBody>
       </p:sp>
-      <p:pic>
-        <p:nvPicPr>
-          <p:cNvPr id="19" name="Picture 6" descr="Related image">
-            <a:extLst>
-              <a:ext uri="{FF2B5EF4-FFF2-40B4-BE49-F238E27FC236}">
-                <a16:creationId xmlns:a16="http://schemas.microsoft.com/office/drawing/2014/main" id="{7A71CCD3-34B5-684B-B847-0ED91DD07593}"/>
-              </a:ext>
-            </a:extLst>
-          </p:cNvPr>
-          <p:cNvPicPr>
-            <a:picLocks noChangeAspect="1" noChangeArrowheads="1"/>
-          </p:cNvPicPr>
-          <p:nvPr/>
-        </p:nvPicPr>
-        <p:blipFill>
-          <a:blip r:embed="rId3" cstate="print">
-            <a:extLst>
-              <a:ext uri="{28A0092B-C50C-407E-A947-70E740481C1C}">
-                <a14:useLocalDpi xmlns:a14="http://schemas.microsoft.com/office/drawing/2010/main" val="0"/>
-              </a:ext>
-            </a:extLst>
-          </a:blip>
-          <a:srcRect/>
-          <a:stretch>
-            <a:fillRect/>
-          </a:stretch>
-        </p:blipFill>
-        <p:spPr bwMode="auto">
+      <p:sp>
+        <p:nvSpPr>
+          <p:cNvPr id="7" name="Footer Placeholder 4">
+            <a:extLst>
+              <a:ext uri="{FF2B5EF4-FFF2-40B4-BE49-F238E27FC236}">
+                <a16:creationId xmlns:a16="http://schemas.microsoft.com/office/drawing/2014/main" id="{00526584-71AB-EC0D-1F50-759A40224664}"/>
+              </a:ext>
+            </a:extLst>
+          </p:cNvPr>
+          <p:cNvSpPr>
+            <a:spLocks noGrp="1"/>
+          </p:cNvSpPr>
+          <p:nvPr>
+            <p:ph type="ftr" sz="quarter" idx="3"/>
+          </p:nvPr>
+        </p:nvSpPr>
+        <p:spPr>
           <a:xfrm>
-            <a:off x="1355884" y="4774407"/>
-            <a:ext cx="301466" cy="342900"/>
+            <a:off x="3028950" y="6356351"/>
+            <a:ext cx="3086100" cy="365125"/>
           </a:xfrm>
           <a:prstGeom prst="rect">
             <a:avLst/>
           </a:prstGeom>
-          <a:noFill/>
-          <a:extLst>
-            <a:ext uri="{909E8E84-426E-40DD-AFC4-6F175D3DCCD1}">
-              <a14:hiddenFill xmlns:a14="http://schemas.microsoft.com/office/drawing/2010/main">
+        </p:spPr>
+        <p:txBody>
+          <a:bodyPr vert="horz" lIns="91440" tIns="45720" rIns="91440" bIns="45720" rtlCol="0" anchor="ctr"/>
+          <a:lstStyle>
+            <a:lvl1pPr algn="ctr">
+              <a:defRPr sz="900">
                 <a:solidFill>
-                  <a:srgbClr val="FFFFFF"/>
+                  <a:schemeClr val="tx1">
+                    <a:tint val="75000"/>
+                  </a:schemeClr>
                 </a:solidFill>
-              </a14:hiddenFill>
-            </a:ext>
-          </a:extLst>
-        </p:spPr>
-      </p:pic>
+              </a:defRPr>
+            </a:lvl1pPr>
+          </a:lstStyle>
+          <a:p>
+            <a:r>
+              <a:rPr lang="en-US" dirty="0"/>
+              <a:t>Kwartler</a:t>
+            </a:r>
+          </a:p>
+        </p:txBody>
+      </p:sp>
     </p:spTree>
     <p:extLst>
       <p:ext uri="{BB962C8B-B14F-4D97-AF65-F5344CB8AC3E}">
@@ -22269,7 +24891,7 @@
           <a:p>
             <a:fld id="{6700A58B-DD98-43D0-B791-721480A02982}" type="datetime1">
               <a:rPr lang="en-US" smtClean="0"/>
-              <a:t>2/27/23</a:t>
+              <a:t>3/12/23</a:t>
             </a:fld>
             <a:endParaRPr lang="en-US"/>
           </a:p>
@@ -22329,34 +24951,6 @@
               <a:t>4</a:t>
             </a:fld>
             <a:endParaRPr lang="en-US"/>
-          </a:p>
-        </p:txBody>
-      </p:sp>
-      <p:sp>
-        <p:nvSpPr>
-          <p:cNvPr id="5" name="Footer Placeholder 4">
-            <a:extLst>
-              <a:ext uri="{FF2B5EF4-FFF2-40B4-BE49-F238E27FC236}">
-                <a16:creationId xmlns:a16="http://schemas.microsoft.com/office/drawing/2014/main" id="{7D23332A-1DC2-4197-8097-575B2DC6A8A9}"/>
-              </a:ext>
-            </a:extLst>
-          </p:cNvPr>
-          <p:cNvSpPr>
-            <a:spLocks noGrp="1"/>
-          </p:cNvSpPr>
-          <p:nvPr>
-            <p:ph type="ftr" sz="quarter" idx="3"/>
-          </p:nvPr>
-        </p:nvSpPr>
-        <p:spPr/>
-        <p:txBody>
-          <a:bodyPr/>
-          <a:lstStyle/>
-          <a:p>
-            <a:r>
-              <a:rPr lang="en-US" dirty="0"/>
-              <a:t>Kwartler CSCI -96</a:t>
-            </a:r>
           </a:p>
         </p:txBody>
       </p:sp>
@@ -22451,6 +25045,52 @@
               <a:rPr lang="en-US" dirty="0"/>
             </a:br>
             <a:endParaRPr lang="en-US" dirty="0"/>
+          </a:p>
+        </p:txBody>
+      </p:sp>
+      <p:sp>
+        <p:nvSpPr>
+          <p:cNvPr id="7" name="Footer Placeholder 4">
+            <a:extLst>
+              <a:ext uri="{FF2B5EF4-FFF2-40B4-BE49-F238E27FC236}">
+                <a16:creationId xmlns:a16="http://schemas.microsoft.com/office/drawing/2014/main" id="{04DB79D2-1077-C1C6-DA26-14598F598B64}"/>
+              </a:ext>
+            </a:extLst>
+          </p:cNvPr>
+          <p:cNvSpPr>
+            <a:spLocks noGrp="1"/>
+          </p:cNvSpPr>
+          <p:nvPr>
+            <p:ph type="ftr" sz="quarter" idx="3"/>
+          </p:nvPr>
+        </p:nvSpPr>
+        <p:spPr>
+          <a:xfrm>
+            <a:off x="3028950" y="6356351"/>
+            <a:ext cx="3086100" cy="365125"/>
+          </a:xfrm>
+          <a:prstGeom prst="rect">
+            <a:avLst/>
+          </a:prstGeom>
+        </p:spPr>
+        <p:txBody>
+          <a:bodyPr vert="horz" lIns="91440" tIns="45720" rIns="91440" bIns="45720" rtlCol="0" anchor="ctr"/>
+          <a:lstStyle>
+            <a:lvl1pPr algn="ctr">
+              <a:defRPr sz="900">
+                <a:solidFill>
+                  <a:schemeClr val="tx1">
+                    <a:tint val="75000"/>
+                  </a:schemeClr>
+                </a:solidFill>
+              </a:defRPr>
+            </a:lvl1pPr>
+          </a:lstStyle>
+          <a:p>
+            <a:r>
+              <a:rPr lang="en-US" dirty="0"/>
+              <a:t>Kwartler</a:t>
+            </a:r>
           </a:p>
         </p:txBody>
       </p:sp>
@@ -22590,43 +25230,9 @@
           <a:p>
             <a:fld id="{9B19E99B-5349-415A-8E56-8E989211A366}" type="datetime1">
               <a:rPr lang="en-US" smtClean="0"/>
-              <a:t>2/27/23</a:t>
+              <a:t>3/12/23</a:t>
             </a:fld>
             <a:endParaRPr lang="en-US"/>
-          </a:p>
-        </p:txBody>
-      </p:sp>
-      <p:sp>
-        <p:nvSpPr>
-          <p:cNvPr id="5" name="Footer Placeholder 5"/>
-          <p:cNvSpPr>
-            <a:spLocks noGrp="1"/>
-          </p:cNvSpPr>
-          <p:nvPr>
-            <p:ph type="ftr" sz="quarter" idx="3"/>
-          </p:nvPr>
-        </p:nvSpPr>
-        <p:spPr>
-          <a:xfrm>
-            <a:off x="3028950" y="6356351"/>
-            <a:ext cx="3086100" cy="365125"/>
-          </a:xfrm>
-        </p:spPr>
-        <p:txBody>
-          <a:bodyPr vert="horz" lIns="91440" tIns="45720" rIns="91440" bIns="45720" rtlCol="0" anchor="ctr"/>
-          <a:lstStyle/>
-          <a:p>
-            <a:pPr algn="ctr" defTabSz="914400"/>
-            <a:r>
-              <a:rPr lang="en-US" sz="900" dirty="0">
-                <a:solidFill>
-                  <a:schemeClr val="tx1">
-                    <a:tint val="75000"/>
-                  </a:schemeClr>
-                </a:solidFill>
-              </a:rPr>
-              <a:t>Kwartler CSCI -96</a:t>
-            </a:r>
           </a:p>
         </p:txBody>
       </p:sp>
@@ -22653,6 +25259,52 @@
             <a:r>
               <a:rPr lang="en-US" dirty="0"/>
               <a:t>40</a:t>
+            </a:r>
+          </a:p>
+        </p:txBody>
+      </p:sp>
+      <p:sp>
+        <p:nvSpPr>
+          <p:cNvPr id="2" name="Footer Placeholder 4">
+            <a:extLst>
+              <a:ext uri="{FF2B5EF4-FFF2-40B4-BE49-F238E27FC236}">
+                <a16:creationId xmlns:a16="http://schemas.microsoft.com/office/drawing/2014/main" id="{FE99A9BF-A9C3-7C83-FBEF-B2A06CEDDC59}"/>
+              </a:ext>
+            </a:extLst>
+          </p:cNvPr>
+          <p:cNvSpPr>
+            <a:spLocks noGrp="1"/>
+          </p:cNvSpPr>
+          <p:nvPr>
+            <p:ph type="ftr" sz="quarter" idx="3"/>
+          </p:nvPr>
+        </p:nvSpPr>
+        <p:spPr>
+          <a:xfrm>
+            <a:off x="3028950" y="6356351"/>
+            <a:ext cx="3086100" cy="365125"/>
+          </a:xfrm>
+          <a:prstGeom prst="rect">
+            <a:avLst/>
+          </a:prstGeom>
+        </p:spPr>
+        <p:txBody>
+          <a:bodyPr vert="horz" lIns="91440" tIns="45720" rIns="91440" bIns="45720" rtlCol="0" anchor="ctr"/>
+          <a:lstStyle>
+            <a:lvl1pPr algn="ctr">
+              <a:defRPr sz="900">
+                <a:solidFill>
+                  <a:schemeClr val="tx1">
+                    <a:tint val="75000"/>
+                  </a:schemeClr>
+                </a:solidFill>
+              </a:defRPr>
+            </a:lvl1pPr>
+          </a:lstStyle>
+          <a:p>
+            <a:r>
+              <a:rPr lang="en-US" dirty="0"/>
+              <a:t>Kwartler</a:t>
             </a:r>
           </a:p>
         </p:txBody>
@@ -22710,7 +25362,7 @@
           <a:p>
             <a:fld id="{6700A58B-DD98-43D0-B791-721480A02982}" type="datetime1">
               <a:rPr lang="en-US" smtClean="0"/>
-              <a:t>2/27/23</a:t>
+              <a:t>3/12/23</a:t>
             </a:fld>
             <a:endParaRPr lang="en-US"/>
           </a:p>
@@ -22770,34 +25422,6 @@
               <a:t>6</a:t>
             </a:fld>
             <a:endParaRPr lang="en-US"/>
-          </a:p>
-        </p:txBody>
-      </p:sp>
-      <p:sp>
-        <p:nvSpPr>
-          <p:cNvPr id="5" name="Footer Placeholder 4">
-            <a:extLst>
-              <a:ext uri="{FF2B5EF4-FFF2-40B4-BE49-F238E27FC236}">
-                <a16:creationId xmlns:a16="http://schemas.microsoft.com/office/drawing/2014/main" id="{C28DDDC0-E0EA-4DD9-81AA-7500E75CD12C}"/>
-              </a:ext>
-            </a:extLst>
-          </p:cNvPr>
-          <p:cNvSpPr>
-            <a:spLocks noGrp="1"/>
-          </p:cNvSpPr>
-          <p:nvPr>
-            <p:ph type="ftr" sz="quarter" idx="3"/>
-          </p:nvPr>
-        </p:nvSpPr>
-        <p:spPr/>
-        <p:txBody>
-          <a:bodyPr/>
-          <a:lstStyle/>
-          <a:p>
-            <a:r>
-              <a:rPr lang="en-US" dirty="0"/>
-              <a:t>Kwartler CSCI -96</a:t>
-            </a:r>
           </a:p>
         </p:txBody>
       </p:sp>
@@ -22886,6 +25510,52 @@
             <a:r>
               <a:rPr lang="en-US" dirty="0"/>
               <a:t>Works with minimal data preprocessing</a:t>
+            </a:r>
+          </a:p>
+        </p:txBody>
+      </p:sp>
+      <p:sp>
+        <p:nvSpPr>
+          <p:cNvPr id="7" name="Footer Placeholder 4">
+            <a:extLst>
+              <a:ext uri="{FF2B5EF4-FFF2-40B4-BE49-F238E27FC236}">
+                <a16:creationId xmlns:a16="http://schemas.microsoft.com/office/drawing/2014/main" id="{4BF29C41-8A42-C015-BFEE-E94AEF89C1A3}"/>
+              </a:ext>
+            </a:extLst>
+          </p:cNvPr>
+          <p:cNvSpPr>
+            <a:spLocks noGrp="1"/>
+          </p:cNvSpPr>
+          <p:nvPr>
+            <p:ph type="ftr" sz="quarter" idx="3"/>
+          </p:nvPr>
+        </p:nvSpPr>
+        <p:spPr>
+          <a:xfrm>
+            <a:off x="3028950" y="6356351"/>
+            <a:ext cx="3086100" cy="365125"/>
+          </a:xfrm>
+          <a:prstGeom prst="rect">
+            <a:avLst/>
+          </a:prstGeom>
+        </p:spPr>
+        <p:txBody>
+          <a:bodyPr vert="horz" lIns="91440" tIns="45720" rIns="91440" bIns="45720" rtlCol="0" anchor="ctr"/>
+          <a:lstStyle>
+            <a:lvl1pPr algn="ctr">
+              <a:defRPr sz="900">
+                <a:solidFill>
+                  <a:schemeClr val="tx1">
+                    <a:tint val="75000"/>
+                  </a:schemeClr>
+                </a:solidFill>
+              </a:defRPr>
+            </a:lvl1pPr>
+          </a:lstStyle>
+          <a:p>
+            <a:r>
+              <a:rPr lang="en-US" dirty="0"/>
+              <a:t>Kwartler</a:t>
             </a:r>
           </a:p>
         </p:txBody>
@@ -22943,7 +25613,7 @@
           <a:p>
             <a:fld id="{6700A58B-DD98-43D0-B791-721480A02982}" type="datetime1">
               <a:rPr lang="en-US" smtClean="0"/>
-              <a:t>2/27/23</a:t>
+              <a:t>3/12/23</a:t>
             </a:fld>
             <a:endParaRPr lang="en-US"/>
           </a:p>
@@ -23003,34 +25673,6 @@
               <a:t>7</a:t>
             </a:fld>
             <a:endParaRPr lang="en-US"/>
-          </a:p>
-        </p:txBody>
-      </p:sp>
-      <p:sp>
-        <p:nvSpPr>
-          <p:cNvPr id="5" name="Footer Placeholder 4">
-            <a:extLst>
-              <a:ext uri="{FF2B5EF4-FFF2-40B4-BE49-F238E27FC236}">
-                <a16:creationId xmlns:a16="http://schemas.microsoft.com/office/drawing/2014/main" id="{C28DDDC0-E0EA-4DD9-81AA-7500E75CD12C}"/>
-              </a:ext>
-            </a:extLst>
-          </p:cNvPr>
-          <p:cNvSpPr>
-            <a:spLocks noGrp="1"/>
-          </p:cNvSpPr>
-          <p:nvPr>
-            <p:ph type="ftr" sz="quarter" idx="3"/>
-          </p:nvPr>
-        </p:nvSpPr>
-        <p:spPr/>
-        <p:txBody>
-          <a:bodyPr/>
-          <a:lstStyle/>
-          <a:p>
-            <a:r>
-              <a:rPr lang="en-US" dirty="0"/>
-              <a:t>Kwartler CSCI -96</a:t>
-            </a:r>
           </a:p>
         </p:txBody>
       </p:sp>
@@ -23103,6 +25745,52 @@
           </a:prstGeom>
         </p:spPr>
       </p:pic>
+      <p:sp>
+        <p:nvSpPr>
+          <p:cNvPr id="7" name="Footer Placeholder 4">
+            <a:extLst>
+              <a:ext uri="{FF2B5EF4-FFF2-40B4-BE49-F238E27FC236}">
+                <a16:creationId xmlns:a16="http://schemas.microsoft.com/office/drawing/2014/main" id="{3F086363-FBCC-6F58-EB0A-B0D8768C4FF7}"/>
+              </a:ext>
+            </a:extLst>
+          </p:cNvPr>
+          <p:cNvSpPr>
+            <a:spLocks noGrp="1"/>
+          </p:cNvSpPr>
+          <p:nvPr>
+            <p:ph type="ftr" sz="quarter" idx="3"/>
+          </p:nvPr>
+        </p:nvSpPr>
+        <p:spPr>
+          <a:xfrm>
+            <a:off x="3028950" y="6356351"/>
+            <a:ext cx="3086100" cy="365125"/>
+          </a:xfrm>
+          <a:prstGeom prst="rect">
+            <a:avLst/>
+          </a:prstGeom>
+        </p:spPr>
+        <p:txBody>
+          <a:bodyPr vert="horz" lIns="91440" tIns="45720" rIns="91440" bIns="45720" rtlCol="0" anchor="ctr"/>
+          <a:lstStyle>
+            <a:lvl1pPr algn="ctr">
+              <a:defRPr sz="900">
+                <a:solidFill>
+                  <a:schemeClr val="tx1">
+                    <a:tint val="75000"/>
+                  </a:schemeClr>
+                </a:solidFill>
+              </a:defRPr>
+            </a:lvl1pPr>
+          </a:lstStyle>
+          <a:p>
+            <a:r>
+              <a:rPr lang="en-US" dirty="0"/>
+              <a:t>Kwartler</a:t>
+            </a:r>
+          </a:p>
+        </p:txBody>
+      </p:sp>
     </p:spTree>
     <p:extLst>
       <p:ext uri="{BB962C8B-B14F-4D97-AF65-F5344CB8AC3E}">
@@ -23156,7 +25844,7 @@
           <a:p>
             <a:fld id="{6700A58B-DD98-43D0-B791-721480A02982}" type="datetime1">
               <a:rPr lang="en-US" smtClean="0"/>
-              <a:t>2/27/23</a:t>
+              <a:t>3/12/23</a:t>
             </a:fld>
             <a:endParaRPr lang="en-US"/>
           </a:p>
@@ -23216,34 +25904,6 @@
               <a:t>8</a:t>
             </a:fld>
             <a:endParaRPr lang="en-US"/>
-          </a:p>
-        </p:txBody>
-      </p:sp>
-      <p:sp>
-        <p:nvSpPr>
-          <p:cNvPr id="5" name="Footer Placeholder 4">
-            <a:extLst>
-              <a:ext uri="{FF2B5EF4-FFF2-40B4-BE49-F238E27FC236}">
-                <a16:creationId xmlns:a16="http://schemas.microsoft.com/office/drawing/2014/main" id="{C28DDDC0-E0EA-4DD9-81AA-7500E75CD12C}"/>
-              </a:ext>
-            </a:extLst>
-          </p:cNvPr>
-          <p:cNvSpPr>
-            <a:spLocks noGrp="1"/>
-          </p:cNvSpPr>
-          <p:nvPr>
-            <p:ph type="ftr" sz="quarter" idx="3"/>
-          </p:nvPr>
-        </p:nvSpPr>
-        <p:spPr/>
-        <p:txBody>
-          <a:bodyPr/>
-          <a:lstStyle/>
-          <a:p>
-            <a:r>
-              <a:rPr lang="en-US" dirty="0"/>
-              <a:t>Kwartler CSCI -96</a:t>
-            </a:r>
           </a:p>
         </p:txBody>
       </p:sp>
@@ -23399,6 +26059,52 @@
           </a:p>
         </p:txBody>
       </p:sp>
+      <p:sp>
+        <p:nvSpPr>
+          <p:cNvPr id="6" name="Footer Placeholder 4">
+            <a:extLst>
+              <a:ext uri="{FF2B5EF4-FFF2-40B4-BE49-F238E27FC236}">
+                <a16:creationId xmlns:a16="http://schemas.microsoft.com/office/drawing/2014/main" id="{0FA3DA27-2104-C281-367D-B4F1E6A15905}"/>
+              </a:ext>
+            </a:extLst>
+          </p:cNvPr>
+          <p:cNvSpPr>
+            <a:spLocks noGrp="1"/>
+          </p:cNvSpPr>
+          <p:nvPr>
+            <p:ph type="ftr" sz="quarter" idx="3"/>
+          </p:nvPr>
+        </p:nvSpPr>
+        <p:spPr>
+          <a:xfrm>
+            <a:off x="3028950" y="6356351"/>
+            <a:ext cx="3086100" cy="365125"/>
+          </a:xfrm>
+          <a:prstGeom prst="rect">
+            <a:avLst/>
+          </a:prstGeom>
+        </p:spPr>
+        <p:txBody>
+          <a:bodyPr vert="horz" lIns="91440" tIns="45720" rIns="91440" bIns="45720" rtlCol="0" anchor="ctr"/>
+          <a:lstStyle>
+            <a:lvl1pPr algn="ctr">
+              <a:defRPr sz="900">
+                <a:solidFill>
+                  <a:schemeClr val="tx1">
+                    <a:tint val="75000"/>
+                  </a:schemeClr>
+                </a:solidFill>
+              </a:defRPr>
+            </a:lvl1pPr>
+          </a:lstStyle>
+          <a:p>
+            <a:r>
+              <a:rPr lang="en-US" dirty="0"/>
+              <a:t>Kwartler</a:t>
+            </a:r>
+          </a:p>
+        </p:txBody>
+      </p:sp>
     </p:spTree>
     <p:extLst>
       <p:ext uri="{BB962C8B-B14F-4D97-AF65-F5344CB8AC3E}">
@@ -23601,43 +26307,9 @@
           <a:p>
             <a:fld id="{9B19E99B-5349-415A-8E56-8E989211A366}" type="datetime1">
               <a:rPr lang="en-US" smtClean="0"/>
-              <a:t>2/27/23</a:t>
+              <a:t>3/12/23</a:t>
             </a:fld>
             <a:endParaRPr lang="en-US"/>
-          </a:p>
-        </p:txBody>
-      </p:sp>
-      <p:sp>
-        <p:nvSpPr>
-          <p:cNvPr id="5" name="Footer Placeholder 5"/>
-          <p:cNvSpPr>
-            <a:spLocks noGrp="1"/>
-          </p:cNvSpPr>
-          <p:nvPr>
-            <p:ph type="ftr" sz="quarter" idx="3"/>
-          </p:nvPr>
-        </p:nvSpPr>
-        <p:spPr>
-          <a:xfrm>
-            <a:off x="3028950" y="6356351"/>
-            <a:ext cx="3086100" cy="365125"/>
-          </a:xfrm>
-        </p:spPr>
-        <p:txBody>
-          <a:bodyPr vert="horz" lIns="91440" tIns="45720" rIns="91440" bIns="45720" rtlCol="0" anchor="ctr"/>
-          <a:lstStyle/>
-          <a:p>
-            <a:pPr algn="ctr" defTabSz="914400"/>
-            <a:r>
-              <a:rPr lang="en-US" sz="900" dirty="0">
-                <a:solidFill>
-                  <a:schemeClr val="tx1">
-                    <a:tint val="75000"/>
-                  </a:schemeClr>
-                </a:solidFill>
-              </a:rPr>
-              <a:t>Kwartler CSCI -96</a:t>
-            </a:r>
           </a:p>
         </p:txBody>
       </p:sp>
@@ -23664,6 +26336,52 @@
             <a:r>
               <a:rPr lang="en-US" dirty="0"/>
               <a:t>43</a:t>
+            </a:r>
+          </a:p>
+        </p:txBody>
+      </p:sp>
+      <p:sp>
+        <p:nvSpPr>
+          <p:cNvPr id="2" name="Footer Placeholder 4">
+            <a:extLst>
+              <a:ext uri="{FF2B5EF4-FFF2-40B4-BE49-F238E27FC236}">
+                <a16:creationId xmlns:a16="http://schemas.microsoft.com/office/drawing/2014/main" id="{F0A5232A-9B5E-8A99-90AF-29296A5AADFA}"/>
+              </a:ext>
+            </a:extLst>
+          </p:cNvPr>
+          <p:cNvSpPr>
+            <a:spLocks noGrp="1"/>
+          </p:cNvSpPr>
+          <p:nvPr>
+            <p:ph type="ftr" sz="quarter" idx="3"/>
+          </p:nvPr>
+        </p:nvSpPr>
+        <p:spPr>
+          <a:xfrm>
+            <a:off x="3028950" y="6356351"/>
+            <a:ext cx="3086100" cy="365125"/>
+          </a:xfrm>
+          <a:prstGeom prst="rect">
+            <a:avLst/>
+          </a:prstGeom>
+        </p:spPr>
+        <p:txBody>
+          <a:bodyPr vert="horz" lIns="91440" tIns="45720" rIns="91440" bIns="45720" rtlCol="0" anchor="ctr"/>
+          <a:lstStyle>
+            <a:lvl1pPr algn="ctr">
+              <a:defRPr sz="900">
+                <a:solidFill>
+                  <a:schemeClr val="tx1">
+                    <a:tint val="75000"/>
+                  </a:schemeClr>
+                </a:solidFill>
+              </a:defRPr>
+            </a:lvl1pPr>
+          </a:lstStyle>
+          <a:p>
+            <a:r>
+              <a:rPr lang="en-US" dirty="0"/>
+              <a:t>Kwartler</a:t>
             </a:r>
           </a:p>
         </p:txBody>
